--- a/Project Intro.pptx
+++ b/Project Intro.pptx
@@ -2,10 +2,19 @@
 <file path=ppt/presentation.xml><?xml version="1.0" encoding="utf-8"?>
 <p:presentation xmlns:a="http://schemas.openxmlformats.org/drawingml/2006/main" xmlns:r="http://schemas.openxmlformats.org/officeDocument/2006/relationships" xmlns:p="http://schemas.openxmlformats.org/presentationml/2006/main" saveSubsetFonts="1">
   <p:sldMasterIdLst>
-    <p:sldMasterId id="2147483648" r:id="rId1"/>
+    <p:sldMasterId id="2147483660" r:id="rId1"/>
   </p:sldMasterIdLst>
   <p:sldIdLst>
     <p:sldId id="256" r:id="rId2"/>
+    <p:sldId id="257" r:id="rId3"/>
+    <p:sldId id="258" r:id="rId4"/>
+    <p:sldId id="259" r:id="rId5"/>
+    <p:sldId id="260" r:id="rId6"/>
+    <p:sldId id="261" r:id="rId7"/>
+    <p:sldId id="262" r:id="rId8"/>
+    <p:sldId id="263" r:id="rId9"/>
+    <p:sldId id="264" r:id="rId10"/>
+    <p:sldId id="265" r:id="rId11"/>
   </p:sldIdLst>
   <p:sldSz cx="9144000" cy="6858000" type="screen4x3"/>
   <p:notesSz cx="6858000" cy="9144000"/>
@@ -108,8 +117,13 @@
 </file>
 
 <file path=ppt/slideLayouts/slideLayout1.xml><?xml version="1.0" encoding="utf-8"?>
-<p:sldLayout xmlns:a="http://schemas.openxmlformats.org/drawingml/2006/main" xmlns:r="http://schemas.openxmlformats.org/officeDocument/2006/relationships" xmlns:p="http://schemas.openxmlformats.org/presentationml/2006/main" type="title" preserve="1">
+<p:sldLayout xmlns:a="http://schemas.openxmlformats.org/drawingml/2006/main" xmlns:r="http://schemas.openxmlformats.org/officeDocument/2006/relationships" xmlns:p="http://schemas.openxmlformats.org/presentationml/2006/main" showMasterSp="0" type="title" preserve="1">
   <p:cSld name="Title Slide">
+    <p:bg>
+      <p:bgRef idx="1001">
+        <a:schemeClr val="bg2"/>
+      </p:bgRef>
+    </p:bg>
     <p:spTree>
       <p:nvGrpSpPr>
         <p:cNvPr id="1" name=""/>
@@ -126,165 +140,270 @@
       </p:grpSpPr>
       <p:sp>
         <p:nvSpPr>
-          <p:cNvPr id="2" name="Title 1"/>
-          <p:cNvSpPr>
-            <a:spLocks noGrp="1"/>
-          </p:cNvSpPr>
-          <p:nvPr>
-            <p:ph type="ctrTitle"/>
-          </p:nvPr>
+          <p:cNvPr id="7" name="Rectangle 6"/>
+          <p:cNvSpPr/>
+          <p:nvPr/>
+        </p:nvSpPr>
+        <p:spPr bwMode="white">
+          <a:xfrm>
+            <a:off x="0" y="5971032"/>
+            <a:ext cx="9144000" cy="886968"/>
+          </a:xfrm>
+          <a:prstGeom prst="rect">
+            <a:avLst/>
+          </a:prstGeom>
+          <a:solidFill>
+            <a:srgbClr val="FFFFFF"/>
+          </a:solidFill>
+          <a:ln w="50800" cap="rnd" cmpd="dbl" algn="ctr">
+            <a:noFill/>
+            <a:prstDash val="solid"/>
+          </a:ln>
+          <a:effectLst/>
+        </p:spPr>
+        <p:style>
+          <a:lnRef idx="3">
+            <a:schemeClr val="lt1"/>
+          </a:lnRef>
+          <a:fillRef idx="1">
+            <a:schemeClr val="accent1"/>
+          </a:fillRef>
+          <a:effectRef idx="1">
+            <a:schemeClr val="accent1"/>
+          </a:effectRef>
+          <a:fontRef idx="minor">
+            <a:schemeClr val="lt1"/>
+          </a:fontRef>
+        </p:style>
+        <p:txBody>
+          <a:bodyPr anchor="ctr"/>
+          <a:lstStyle/>
+          <a:p>
+            <a:pPr algn="ctr" eaLnBrk="1" latinLnBrk="0" hangingPunct="1"/>
+            <a:endParaRPr kumimoji="0" lang="en-US"/>
+          </a:p>
+        </p:txBody>
+      </p:sp>
+      <p:sp>
+        <p:nvSpPr>
+          <p:cNvPr id="10" name="Rectangle 9"/>
+          <p:cNvSpPr/>
+          <p:nvPr/>
         </p:nvSpPr>
         <p:spPr>
           <a:xfrm>
-            <a:off x="685800" y="2130425"/>
-            <a:ext cx="7772400" cy="1470025"/>
-          </a:xfrm>
-        </p:spPr>
-        <p:txBody>
-          <a:bodyPr/>
-          <a:lstStyle/>
-          <a:p>
-            <a:r>
-              <a:rPr lang="en-US" smtClean="0"/>
-              <a:t>Click to edit Master title style</a:t>
-            </a:r>
-            <a:endParaRPr lang="en-US"/>
-          </a:p>
-        </p:txBody>
-      </p:sp>
-      <p:sp>
-        <p:nvSpPr>
-          <p:cNvPr id="3" name="Subtitle 2"/>
-          <p:cNvSpPr>
-            <a:spLocks noGrp="1"/>
-          </p:cNvSpPr>
-          <p:nvPr>
-            <p:ph type="subTitle" idx="1"/>
-          </p:nvPr>
+            <a:off x="-9144" y="6053328"/>
+            <a:ext cx="2249424" cy="713232"/>
+          </a:xfrm>
+          <a:prstGeom prst="rect">
+            <a:avLst/>
+          </a:prstGeom>
+          <a:solidFill>
+            <a:schemeClr val="accent2">
+              <a:alpha val="100000"/>
+            </a:schemeClr>
+          </a:solidFill>
+          <a:ln w="50800" cap="rnd" cmpd="dbl" algn="ctr">
+            <a:noFill/>
+            <a:prstDash val="solid"/>
+          </a:ln>
+          <a:effectLst/>
+        </p:spPr>
+        <p:style>
+          <a:lnRef idx="3">
+            <a:schemeClr val="lt1"/>
+          </a:lnRef>
+          <a:fillRef idx="1">
+            <a:schemeClr val="accent1"/>
+          </a:fillRef>
+          <a:effectRef idx="1">
+            <a:schemeClr val="accent1"/>
+          </a:effectRef>
+          <a:fontRef idx="minor">
+            <a:schemeClr val="lt1"/>
+          </a:fontRef>
+        </p:style>
+        <p:txBody>
+          <a:bodyPr anchor="ctr"/>
+          <a:lstStyle/>
+          <a:p>
+            <a:pPr algn="ctr" eaLnBrk="1" latinLnBrk="0" hangingPunct="1"/>
+            <a:endParaRPr kumimoji="0" lang="en-US"/>
+          </a:p>
+        </p:txBody>
+      </p:sp>
+      <p:sp>
+        <p:nvSpPr>
+          <p:cNvPr id="11" name="Rectangle 10"/>
+          <p:cNvSpPr/>
+          <p:nvPr/>
         </p:nvSpPr>
         <p:spPr>
           <a:xfrm>
-            <a:off x="1371600" y="3886200"/>
-            <a:ext cx="6400800" cy="1752600"/>
-          </a:xfrm>
-        </p:spPr>
-        <p:txBody>
-          <a:bodyPr/>
+            <a:off x="2359152" y="6044184"/>
+            <a:ext cx="6784848" cy="713232"/>
+          </a:xfrm>
+          <a:prstGeom prst="rect">
+            <a:avLst/>
+          </a:prstGeom>
+          <a:solidFill>
+            <a:schemeClr val="accent1">
+              <a:alpha val="100000"/>
+            </a:schemeClr>
+          </a:solidFill>
+          <a:ln w="50800" cap="rnd" cmpd="dbl" algn="ctr">
+            <a:noFill/>
+            <a:prstDash val="solid"/>
+          </a:ln>
+          <a:effectLst/>
+        </p:spPr>
+        <p:style>
+          <a:lnRef idx="3">
+            <a:schemeClr val="lt1"/>
+          </a:lnRef>
+          <a:fillRef idx="1">
+            <a:schemeClr val="accent1"/>
+          </a:fillRef>
+          <a:effectRef idx="1">
+            <a:schemeClr val="accent1"/>
+          </a:effectRef>
+          <a:fontRef idx="minor">
+            <a:schemeClr val="lt1"/>
+          </a:fontRef>
+        </p:style>
+        <p:txBody>
+          <a:bodyPr anchor="ctr"/>
+          <a:lstStyle/>
+          <a:p>
+            <a:pPr algn="ctr" eaLnBrk="1" latinLnBrk="0" hangingPunct="1"/>
+            <a:endParaRPr kumimoji="0" lang="en-US"/>
+          </a:p>
+        </p:txBody>
+      </p:sp>
+      <p:sp>
+        <p:nvSpPr>
+          <p:cNvPr id="8" name="Title 7"/>
+          <p:cNvSpPr>
+            <a:spLocks noGrp="1"/>
+          </p:cNvSpPr>
+          <p:nvPr>
+            <p:ph type="ctrTitle"/>
+          </p:nvPr>
+        </p:nvSpPr>
+        <p:spPr>
+          <a:xfrm>
+            <a:off x="2362200" y="4038600"/>
+            <a:ext cx="6477000" cy="1828800"/>
+          </a:xfrm>
+        </p:spPr>
+        <p:txBody>
+          <a:bodyPr anchor="b"/>
           <a:lstStyle>
-            <a:lvl1pPr marL="0" indent="0" algn="ctr">
+            <a:lvl1pPr>
+              <a:defRPr cap="all" baseline="0"/>
+            </a:lvl1pPr>
+          </a:lstStyle>
+          <a:p>
+            <a:r>
+              <a:rPr kumimoji="0" lang="en-US" smtClean="0"/>
+              <a:t>Click to edit Master title style</a:t>
+            </a:r>
+            <a:endParaRPr kumimoji="0" lang="en-US"/>
+          </a:p>
+        </p:txBody>
+      </p:sp>
+      <p:sp>
+        <p:nvSpPr>
+          <p:cNvPr id="9" name="Subtitle 8"/>
+          <p:cNvSpPr>
+            <a:spLocks noGrp="1"/>
+          </p:cNvSpPr>
+          <p:nvPr>
+            <p:ph type="subTitle" idx="1"/>
+          </p:nvPr>
+        </p:nvSpPr>
+        <p:spPr>
+          <a:xfrm>
+            <a:off x="2362200" y="6050037"/>
+            <a:ext cx="6705600" cy="685800"/>
+          </a:xfrm>
+        </p:spPr>
+        <p:txBody>
+          <a:bodyPr anchor="ctr">
+            <a:normAutofit/>
+          </a:bodyPr>
+          <a:lstStyle>
+            <a:lvl1pPr marL="0" indent="0" algn="l">
               <a:buNone/>
-              <a:defRPr>
+              <a:defRPr sz="2600">
                 <a:solidFill>
-                  <a:schemeClr val="tx1">
-                    <a:tint val="75000"/>
-                  </a:schemeClr>
+                  <a:srgbClr val="FFFFFF"/>
                 </a:solidFill>
               </a:defRPr>
             </a:lvl1pPr>
             <a:lvl2pPr marL="457200" indent="0" algn="ctr">
               <a:buNone/>
-              <a:defRPr>
-                <a:solidFill>
-                  <a:schemeClr val="tx1">
-                    <a:tint val="75000"/>
-                  </a:schemeClr>
-                </a:solidFill>
-              </a:defRPr>
             </a:lvl2pPr>
             <a:lvl3pPr marL="914400" indent="0" algn="ctr">
               <a:buNone/>
-              <a:defRPr>
-                <a:solidFill>
-                  <a:schemeClr val="tx1">
-                    <a:tint val="75000"/>
-                  </a:schemeClr>
-                </a:solidFill>
-              </a:defRPr>
             </a:lvl3pPr>
             <a:lvl4pPr marL="1371600" indent="0" algn="ctr">
               <a:buNone/>
-              <a:defRPr>
-                <a:solidFill>
-                  <a:schemeClr val="tx1">
-                    <a:tint val="75000"/>
-                  </a:schemeClr>
-                </a:solidFill>
-              </a:defRPr>
             </a:lvl4pPr>
             <a:lvl5pPr marL="1828800" indent="0" algn="ctr">
               <a:buNone/>
-              <a:defRPr>
-                <a:solidFill>
-                  <a:schemeClr val="tx1">
-                    <a:tint val="75000"/>
-                  </a:schemeClr>
-                </a:solidFill>
-              </a:defRPr>
             </a:lvl5pPr>
             <a:lvl6pPr marL="2286000" indent="0" algn="ctr">
               <a:buNone/>
-              <a:defRPr>
-                <a:solidFill>
-                  <a:schemeClr val="tx1">
-                    <a:tint val="75000"/>
-                  </a:schemeClr>
-                </a:solidFill>
-              </a:defRPr>
             </a:lvl6pPr>
             <a:lvl7pPr marL="2743200" indent="0" algn="ctr">
               <a:buNone/>
-              <a:defRPr>
-                <a:solidFill>
-                  <a:schemeClr val="tx1">
-                    <a:tint val="75000"/>
-                  </a:schemeClr>
-                </a:solidFill>
-              </a:defRPr>
             </a:lvl7pPr>
             <a:lvl8pPr marL="3200400" indent="0" algn="ctr">
               <a:buNone/>
-              <a:defRPr>
-                <a:solidFill>
-                  <a:schemeClr val="tx1">
-                    <a:tint val="75000"/>
-                  </a:schemeClr>
-                </a:solidFill>
-              </a:defRPr>
             </a:lvl8pPr>
             <a:lvl9pPr marL="3657600" indent="0" algn="ctr">
               <a:buNone/>
-              <a:defRPr>
+            </a:lvl9pPr>
+          </a:lstStyle>
+          <a:p>
+            <a:r>
+              <a:rPr kumimoji="0" lang="en-US" smtClean="0"/>
+              <a:t>Click to edit Master subtitle style</a:t>
+            </a:r>
+            <a:endParaRPr kumimoji="0" lang="en-US"/>
+          </a:p>
+        </p:txBody>
+      </p:sp>
+      <p:sp>
+        <p:nvSpPr>
+          <p:cNvPr id="28" name="Date Placeholder 27"/>
+          <p:cNvSpPr>
+            <a:spLocks noGrp="1"/>
+          </p:cNvSpPr>
+          <p:nvPr>
+            <p:ph type="dt" sz="half" idx="10"/>
+          </p:nvPr>
+        </p:nvSpPr>
+        <p:spPr>
+          <a:xfrm>
+            <a:off x="76200" y="6068699"/>
+            <a:ext cx="2057400" cy="685800"/>
+          </a:xfrm>
+        </p:spPr>
+        <p:txBody>
+          <a:bodyPr>
+            <a:noAutofit/>
+          </a:bodyPr>
+          <a:lstStyle>
+            <a:lvl1pPr algn="ctr">
+              <a:defRPr sz="2000">
                 <a:solidFill>
-                  <a:schemeClr val="tx1">
-                    <a:tint val="75000"/>
-                  </a:schemeClr>
+                  <a:srgbClr val="FFFFFF"/>
                 </a:solidFill>
               </a:defRPr>
-            </a:lvl9pPr>
+            </a:lvl1pPr>
           </a:lstStyle>
-          <a:p>
-            <a:r>
-              <a:rPr lang="en-US" smtClean="0"/>
-              <a:t>Click to edit Master subtitle style</a:t>
-            </a:r>
-            <a:endParaRPr lang="en-US"/>
-          </a:p>
-        </p:txBody>
-      </p:sp>
-      <p:sp>
-        <p:nvSpPr>
-          <p:cNvPr id="4" name="Date Placeholder 3"/>
-          <p:cNvSpPr>
-            <a:spLocks noGrp="1"/>
-          </p:cNvSpPr>
-          <p:nvPr>
-            <p:ph type="dt" sz="half" idx="10"/>
-          </p:nvPr>
-        </p:nvSpPr>
-        <p:spPr/>
-        <p:txBody>
-          <a:bodyPr/>
-          <a:lstStyle/>
           <a:p>
             <a:fld id="{BA035BE2-8B57-421B-A3F0-969438867093}" type="datetimeFigureOut">
               <a:rPr lang="en-US" smtClean="0"/>
@@ -296,7 +415,7 @@
       </p:sp>
       <p:sp>
         <p:nvSpPr>
-          <p:cNvPr id="5" name="Footer Placeholder 4"/>
+          <p:cNvPr id="17" name="Footer Placeholder 16"/>
           <p:cNvSpPr>
             <a:spLocks noGrp="1"/>
           </p:cNvSpPr>
@@ -304,10 +423,23 @@
             <p:ph type="ftr" sz="quarter" idx="11"/>
           </p:nvPr>
         </p:nvSpPr>
-        <p:spPr/>
+        <p:spPr>
+          <a:xfrm>
+            <a:off x="2085393" y="236538"/>
+            <a:ext cx="5867400" cy="365125"/>
+          </a:xfrm>
+        </p:spPr>
         <p:txBody>
           <a:bodyPr/>
-          <a:lstStyle/>
+          <a:lstStyle>
+            <a:lvl1pPr algn="r">
+              <a:defRPr>
+                <a:solidFill>
+                  <a:schemeClr val="tx2"/>
+                </a:solidFill>
+              </a:defRPr>
+            </a:lvl1pPr>
+          </a:lstStyle>
           <a:p>
             <a:endParaRPr lang="en-US"/>
           </a:p>
@@ -315,7 +447,7 @@
       </p:sp>
       <p:sp>
         <p:nvSpPr>
-          <p:cNvPr id="6" name="Slide Number Placeholder 5"/>
+          <p:cNvPr id="29" name="Slide Number Placeholder 28"/>
           <p:cNvSpPr>
             <a:spLocks noGrp="1"/>
           </p:cNvSpPr>
@@ -323,10 +455,23 @@
             <p:ph type="sldNum" sz="quarter" idx="12"/>
           </p:nvPr>
         </p:nvSpPr>
-        <p:spPr/>
+        <p:spPr>
+          <a:xfrm>
+            <a:off x="8001000" y="228600"/>
+            <a:ext cx="838200" cy="381000"/>
+          </a:xfrm>
+        </p:spPr>
         <p:txBody>
           <a:bodyPr/>
-          <a:lstStyle/>
+          <a:lstStyle>
+            <a:lvl1pPr>
+              <a:defRPr>
+                <a:solidFill>
+                  <a:schemeClr val="tx2"/>
+                </a:solidFill>
+              </a:defRPr>
+            </a:lvl1pPr>
+          </a:lstStyle>
           <a:p>
             <a:fld id="{C167EAE1-8CCC-4105-B513-1057695FDB6D}" type="slidenum">
               <a:rPr lang="en-US" smtClean="0"/>
@@ -337,14 +482,9 @@
         </p:txBody>
       </p:sp>
     </p:spTree>
-    <p:extLst>
-      <p:ext uri="{BB962C8B-B14F-4D97-AF65-F5344CB8AC3E}">
-        <p14:creationId xmlns:p14="http://schemas.microsoft.com/office/powerpoint/2010/main" val="582638446"/>
-      </p:ext>
-    </p:extLst>
   </p:cSld>
   <p:clrMapOvr>
-    <a:masterClrMapping/>
+    <a:overrideClrMapping bg1="dk1" tx1="lt1" bg2="dk2" tx2="lt2" accent1="accent1" accent2="accent2" accent3="accent3" accent4="accent4" accent5="accent5" accent6="accent6" hlink="hlink" folHlink="folHlink"/>
   </p:clrMapOvr>
 </p:sldLayout>
 </file>
@@ -382,10 +522,10 @@
           <a:lstStyle/>
           <a:p>
             <a:r>
-              <a:rPr lang="en-US" smtClean="0"/>
+              <a:rPr kumimoji="0" lang="en-US" smtClean="0"/>
               <a:t>Click to edit Master title style</a:t>
             </a:r>
-            <a:endParaRPr lang="en-US"/>
+            <a:endParaRPr kumimoji="0" lang="en-US"/>
           </a:p>
         </p:txBody>
       </p:sp>
@@ -404,40 +544,40 @@
           <a:bodyPr vert="eaVert"/>
           <a:lstStyle/>
           <a:p>
-            <a:pPr lvl="0"/>
+            <a:pPr lvl="0" eaLnBrk="1" latinLnBrk="0" hangingPunct="1"/>
             <a:r>
               <a:rPr lang="en-US" smtClean="0"/>
               <a:t>Click to edit Master text styles</a:t>
             </a:r>
           </a:p>
           <a:p>
-            <a:pPr lvl="1"/>
+            <a:pPr lvl="1" eaLnBrk="1" latinLnBrk="0" hangingPunct="1"/>
             <a:r>
               <a:rPr lang="en-US" smtClean="0"/>
               <a:t>Second level</a:t>
             </a:r>
           </a:p>
           <a:p>
-            <a:pPr lvl="2"/>
+            <a:pPr lvl="2" eaLnBrk="1" latinLnBrk="0" hangingPunct="1"/>
             <a:r>
               <a:rPr lang="en-US" smtClean="0"/>
               <a:t>Third level</a:t>
             </a:r>
           </a:p>
           <a:p>
-            <a:pPr lvl="3"/>
+            <a:pPr lvl="3" eaLnBrk="1" latinLnBrk="0" hangingPunct="1"/>
             <a:r>
               <a:rPr lang="en-US" smtClean="0"/>
               <a:t>Fourth level</a:t>
             </a:r>
           </a:p>
           <a:p>
-            <a:pPr lvl="4"/>
+            <a:pPr lvl="4" eaLnBrk="1" latinLnBrk="0" hangingPunct="1"/>
             <a:r>
               <a:rPr lang="en-US" smtClean="0"/>
               <a:t>Fifth level</a:t>
             </a:r>
-            <a:endParaRPr lang="en-US"/>
+            <a:endParaRPr kumimoji="0" lang="en-US"/>
           </a:p>
         </p:txBody>
       </p:sp>
@@ -507,11 +647,6 @@
         </p:txBody>
       </p:sp>
     </p:spTree>
-    <p:extLst>
-      <p:ext uri="{BB962C8B-B14F-4D97-AF65-F5344CB8AC3E}">
-        <p14:creationId xmlns:p14="http://schemas.microsoft.com/office/powerpoint/2010/main" val="2766412232"/>
-      </p:ext>
-    </p:extLst>
   </p:cSld>
   <p:clrMapOvr>
     <a:masterClrMapping/>
@@ -520,8 +655,13 @@
 </file>
 
 <file path=ppt/slideLayouts/slideLayout11.xml><?xml version="1.0" encoding="utf-8"?>
-<p:sldLayout xmlns:a="http://schemas.openxmlformats.org/drawingml/2006/main" xmlns:r="http://schemas.openxmlformats.org/officeDocument/2006/relationships" xmlns:p="http://schemas.openxmlformats.org/presentationml/2006/main" type="vertTitleAndTx" preserve="1">
+<p:sldLayout xmlns:a="http://schemas.openxmlformats.org/drawingml/2006/main" xmlns:r="http://schemas.openxmlformats.org/officeDocument/2006/relationships" xmlns:p="http://schemas.openxmlformats.org/presentationml/2006/main" showMasterSp="0" type="vertTitleAndTx" preserve="1">
   <p:cSld name="Vertical Title and Text">
+    <p:bg>
+      <p:bgRef idx="1001">
+        <a:schemeClr val="bg1"/>
+      </p:bgRef>
+    </p:bg>
     <p:spTree>
       <p:nvGrpSpPr>
         <p:cNvPr id="1" name=""/>
@@ -548,8 +688,8 @@
         </p:nvSpPr>
         <p:spPr>
           <a:xfrm>
-            <a:off x="6629400" y="274638"/>
-            <a:ext cx="2057400" cy="5851525"/>
+            <a:off x="6553200" y="609600"/>
+            <a:ext cx="2057400" cy="5516563"/>
           </a:xfrm>
         </p:spPr>
         <p:txBody>
@@ -557,10 +697,10 @@
           <a:lstStyle/>
           <a:p>
             <a:r>
-              <a:rPr lang="en-US" smtClean="0"/>
+              <a:rPr kumimoji="0" lang="en-US" smtClean="0"/>
               <a:t>Click to edit Master title style</a:t>
             </a:r>
-            <a:endParaRPr lang="en-US"/>
+            <a:endParaRPr kumimoji="0" lang="en-US"/>
           </a:p>
         </p:txBody>
       </p:sp>
@@ -576,48 +716,48 @@
         </p:nvSpPr>
         <p:spPr>
           <a:xfrm>
-            <a:off x="457200" y="274638"/>
-            <a:ext cx="6019800" cy="5851525"/>
+            <a:off x="457200" y="609600"/>
+            <a:ext cx="5562600" cy="5516564"/>
           </a:xfrm>
         </p:spPr>
         <p:txBody>
           <a:bodyPr vert="eaVert"/>
           <a:lstStyle/>
           <a:p>
-            <a:pPr lvl="0"/>
+            <a:pPr lvl="0" eaLnBrk="1" latinLnBrk="0" hangingPunct="1"/>
             <a:r>
               <a:rPr lang="en-US" smtClean="0"/>
               <a:t>Click to edit Master text styles</a:t>
             </a:r>
           </a:p>
           <a:p>
-            <a:pPr lvl="1"/>
+            <a:pPr lvl="1" eaLnBrk="1" latinLnBrk="0" hangingPunct="1"/>
             <a:r>
               <a:rPr lang="en-US" smtClean="0"/>
               <a:t>Second level</a:t>
             </a:r>
           </a:p>
           <a:p>
-            <a:pPr lvl="2"/>
+            <a:pPr lvl="2" eaLnBrk="1" latinLnBrk="0" hangingPunct="1"/>
             <a:r>
               <a:rPr lang="en-US" smtClean="0"/>
               <a:t>Third level</a:t>
             </a:r>
           </a:p>
           <a:p>
-            <a:pPr lvl="3"/>
+            <a:pPr lvl="3" eaLnBrk="1" latinLnBrk="0" hangingPunct="1"/>
             <a:r>
               <a:rPr lang="en-US" smtClean="0"/>
               <a:t>Fourth level</a:t>
             </a:r>
           </a:p>
           <a:p>
-            <a:pPr lvl="4"/>
+            <a:pPr lvl="4" eaLnBrk="1" latinLnBrk="0" hangingPunct="1"/>
             <a:r>
               <a:rPr lang="en-US" smtClean="0"/>
               <a:t>Fifth level</a:t>
             </a:r>
-            <a:endParaRPr lang="en-US"/>
+            <a:endParaRPr kumimoji="0" lang="en-US"/>
           </a:p>
         </p:txBody>
       </p:sp>
@@ -631,7 +771,12 @@
             <p:ph type="dt" sz="half" idx="10"/>
           </p:nvPr>
         </p:nvSpPr>
-        <p:spPr/>
+        <p:spPr>
+          <a:xfrm>
+            <a:off x="6553200" y="6248402"/>
+            <a:ext cx="2209800" cy="365125"/>
+          </a:xfrm>
+        </p:spPr>
         <p:txBody>
           <a:bodyPr/>
           <a:lstStyle/>
@@ -654,7 +799,12 @@
             <p:ph type="ftr" sz="quarter" idx="11"/>
           </p:nvPr>
         </p:nvSpPr>
-        <p:spPr/>
+        <p:spPr>
+          <a:xfrm>
+            <a:off x="457201" y="6248207"/>
+            <a:ext cx="5573483" cy="365125"/>
+          </a:xfrm>
+        </p:spPr>
         <p:txBody>
           <a:bodyPr/>
           <a:lstStyle/>
@@ -665,6 +815,141 @@
       </p:sp>
       <p:sp>
         <p:nvSpPr>
+          <p:cNvPr id="7" name="Rectangle 6"/>
+          <p:cNvSpPr/>
+          <p:nvPr/>
+        </p:nvSpPr>
+        <p:spPr bwMode="white">
+          <a:xfrm>
+            <a:off x="6096318" y="0"/>
+            <a:ext cx="320040" cy="6858000"/>
+          </a:xfrm>
+          <a:prstGeom prst="rect">
+            <a:avLst/>
+          </a:prstGeom>
+          <a:solidFill>
+            <a:srgbClr val="FFFFFF"/>
+          </a:solidFill>
+          <a:ln w="19050" cap="flat" cmpd="sng" algn="ctr">
+            <a:noFill/>
+            <a:prstDash val="solid"/>
+          </a:ln>
+        </p:spPr>
+        <p:style>
+          <a:lnRef idx="2">
+            <a:schemeClr val="accent1"/>
+          </a:lnRef>
+          <a:fillRef idx="1">
+            <a:schemeClr val="accent1"/>
+          </a:fillRef>
+          <a:effectRef idx="0">
+            <a:schemeClr val="accent1"/>
+          </a:effectRef>
+          <a:fontRef idx="minor">
+            <a:schemeClr val="lt1"/>
+          </a:fontRef>
+        </p:style>
+        <p:txBody>
+          <a:bodyPr rtlCol="0" anchor="ctr"/>
+          <a:lstStyle/>
+          <a:p>
+            <a:pPr algn="ctr" eaLnBrk="1" latinLnBrk="0" hangingPunct="1"/>
+            <a:endParaRPr kumimoji="0" lang="en-US"/>
+          </a:p>
+        </p:txBody>
+      </p:sp>
+      <p:sp>
+        <p:nvSpPr>
+          <p:cNvPr id="8" name="Rectangle 7"/>
+          <p:cNvSpPr/>
+          <p:nvPr/>
+        </p:nvSpPr>
+        <p:spPr>
+          <a:xfrm>
+            <a:off x="6142038" y="609600"/>
+            <a:ext cx="228600" cy="6248400"/>
+          </a:xfrm>
+          <a:prstGeom prst="rect">
+            <a:avLst/>
+          </a:prstGeom>
+          <a:solidFill>
+            <a:schemeClr val="accent1"/>
+          </a:solidFill>
+          <a:ln w="19050" cap="flat" cmpd="sng" algn="ctr">
+            <a:noFill/>
+            <a:prstDash val="solid"/>
+          </a:ln>
+        </p:spPr>
+        <p:style>
+          <a:lnRef idx="2">
+            <a:schemeClr val="accent1"/>
+          </a:lnRef>
+          <a:fillRef idx="1">
+            <a:schemeClr val="accent1"/>
+          </a:fillRef>
+          <a:effectRef idx="0">
+            <a:schemeClr val="accent1"/>
+          </a:effectRef>
+          <a:fontRef idx="minor">
+            <a:schemeClr val="lt1"/>
+          </a:fontRef>
+        </p:style>
+        <p:txBody>
+          <a:bodyPr rtlCol="0" anchor="ctr"/>
+          <a:lstStyle/>
+          <a:p>
+            <a:pPr algn="ctr" eaLnBrk="1" latinLnBrk="0" hangingPunct="1"/>
+            <a:endParaRPr kumimoji="0" lang="en-US"/>
+          </a:p>
+        </p:txBody>
+      </p:sp>
+      <p:sp>
+        <p:nvSpPr>
+          <p:cNvPr id="9" name="Rectangle 8"/>
+          <p:cNvSpPr/>
+          <p:nvPr/>
+        </p:nvSpPr>
+        <p:spPr>
+          <a:xfrm>
+            <a:off x="6142038" y="0"/>
+            <a:ext cx="228600" cy="533400"/>
+          </a:xfrm>
+          <a:prstGeom prst="rect">
+            <a:avLst/>
+          </a:prstGeom>
+          <a:solidFill>
+            <a:schemeClr val="accent2"/>
+          </a:solidFill>
+          <a:ln w="19050" cap="flat" cmpd="sng" algn="ctr">
+            <a:noFill/>
+            <a:prstDash val="solid"/>
+          </a:ln>
+        </p:spPr>
+        <p:style>
+          <a:lnRef idx="2">
+            <a:schemeClr val="accent1"/>
+          </a:lnRef>
+          <a:fillRef idx="1">
+            <a:schemeClr val="accent1"/>
+          </a:fillRef>
+          <a:effectRef idx="0">
+            <a:schemeClr val="accent1"/>
+          </a:effectRef>
+          <a:fontRef idx="minor">
+            <a:schemeClr val="lt1"/>
+          </a:fontRef>
+        </p:style>
+        <p:txBody>
+          <a:bodyPr rtlCol="0" anchor="ctr"/>
+          <a:lstStyle/>
+          <a:p>
+            <a:pPr algn="ctr" eaLnBrk="1" latinLnBrk="0" hangingPunct="1"/>
+            <a:endParaRPr kumimoji="0" lang="en-US"/>
+          </a:p>
+        </p:txBody>
+      </p:sp>
+      <p:sp>
+        <p:nvSpPr>
           <p:cNvPr id="6" name="Slide Number Placeholder 5"/>
           <p:cNvSpPr>
             <a:spLocks noGrp="1"/>
@@ -673,7 +958,12 @@
             <p:ph type="sldNum" sz="quarter" idx="12"/>
           </p:nvPr>
         </p:nvSpPr>
-        <p:spPr/>
+        <p:spPr>
+          <a:xfrm rot="5400000">
+            <a:off x="5989638" y="144462"/>
+            <a:ext cx="533400" cy="244476"/>
+          </a:xfrm>
+        </p:spPr>
         <p:txBody>
           <a:bodyPr/>
           <a:lstStyle/>
@@ -687,14 +977,9 @@
         </p:txBody>
       </p:sp>
     </p:spTree>
-    <p:extLst>
-      <p:ext uri="{BB962C8B-B14F-4D97-AF65-F5344CB8AC3E}">
-        <p14:creationId xmlns:p14="http://schemas.microsoft.com/office/powerpoint/2010/main" val="4079418639"/>
-      </p:ext>
-    </p:extLst>
   </p:cSld>
   <p:clrMapOvr>
-    <a:masterClrMapping/>
+    <a:overrideClrMapping bg1="lt1" tx1="dk1" bg2="lt2" tx2="dk2" accent1="accent1" accent2="accent2" accent3="accent3" accent4="accent4" accent5="accent5" accent6="accent6" hlink="hlink" folHlink="folHlink"/>
   </p:clrMapOvr>
 </p:sldLayout>
 </file>
@@ -726,68 +1011,21 @@
             <p:ph type="title"/>
           </p:nvPr>
         </p:nvSpPr>
-        <p:spPr/>
+        <p:spPr>
+          <a:xfrm>
+            <a:off x="612648" y="228600"/>
+            <a:ext cx="8153400" cy="990600"/>
+          </a:xfrm>
+        </p:spPr>
         <p:txBody>
           <a:bodyPr/>
           <a:lstStyle/>
           <a:p>
             <a:r>
-              <a:rPr lang="en-US" smtClean="0"/>
+              <a:rPr kumimoji="0" lang="en-US" smtClean="0"/>
               <a:t>Click to edit Master title style</a:t>
             </a:r>
-            <a:endParaRPr lang="en-US"/>
-          </a:p>
-        </p:txBody>
-      </p:sp>
-      <p:sp>
-        <p:nvSpPr>
-          <p:cNvPr id="3" name="Content Placeholder 2"/>
-          <p:cNvSpPr>
-            <a:spLocks noGrp="1"/>
-          </p:cNvSpPr>
-          <p:nvPr>
-            <p:ph idx="1"/>
-          </p:nvPr>
-        </p:nvSpPr>
-        <p:spPr/>
-        <p:txBody>
-          <a:bodyPr/>
-          <a:lstStyle/>
-          <a:p>
-            <a:pPr lvl="0"/>
-            <a:r>
-              <a:rPr lang="en-US" smtClean="0"/>
-              <a:t>Click to edit Master text styles</a:t>
-            </a:r>
-          </a:p>
-          <a:p>
-            <a:pPr lvl="1"/>
-            <a:r>
-              <a:rPr lang="en-US" smtClean="0"/>
-              <a:t>Second level</a:t>
-            </a:r>
-          </a:p>
-          <a:p>
-            <a:pPr lvl="2"/>
-            <a:r>
-              <a:rPr lang="en-US" smtClean="0"/>
-              <a:t>Third level</a:t>
-            </a:r>
-          </a:p>
-          <a:p>
-            <a:pPr lvl="3"/>
-            <a:r>
-              <a:rPr lang="en-US" smtClean="0"/>
-              <a:t>Fourth level</a:t>
-            </a:r>
-          </a:p>
-          <a:p>
-            <a:pPr lvl="4"/>
-            <a:r>
-              <a:rPr lang="en-US" smtClean="0"/>
-              <a:t>Fifth level</a:t>
-            </a:r>
-            <a:endParaRPr lang="en-US"/>
+            <a:endParaRPr kumimoji="0" lang="en-US"/>
           </a:p>
         </p:txBody>
       </p:sp>
@@ -846,7 +1084,15 @@
         <p:spPr/>
         <p:txBody>
           <a:bodyPr/>
-          <a:lstStyle/>
+          <a:lstStyle>
+            <a:lvl1pPr>
+              <a:defRPr>
+                <a:solidFill>
+                  <a:srgbClr val="FFFFFF"/>
+                </a:solidFill>
+              </a:defRPr>
+            </a:lvl1pPr>
+          </a:lstStyle>
           <a:p>
             <a:fld id="{C167EAE1-8CCC-4105-B513-1057695FDB6D}" type="slidenum">
               <a:rPr lang="en-US" smtClean="0"/>
@@ -856,12 +1102,64 @@
           </a:p>
         </p:txBody>
       </p:sp>
+      <p:sp>
+        <p:nvSpPr>
+          <p:cNvPr id="8" name="Content Placeholder 7"/>
+          <p:cNvSpPr>
+            <a:spLocks noGrp="1"/>
+          </p:cNvSpPr>
+          <p:nvPr>
+            <p:ph sz="quarter" idx="1"/>
+          </p:nvPr>
+        </p:nvSpPr>
+        <p:spPr>
+          <a:xfrm>
+            <a:off x="612648" y="1600200"/>
+            <a:ext cx="8153400" cy="4495800"/>
+          </a:xfrm>
+        </p:spPr>
+        <p:txBody>
+          <a:bodyPr/>
+          <a:lstStyle/>
+          <a:p>
+            <a:pPr lvl="0" eaLnBrk="1" latinLnBrk="0" hangingPunct="1"/>
+            <a:r>
+              <a:rPr lang="en-US" smtClean="0"/>
+              <a:t>Click to edit Master text styles</a:t>
+            </a:r>
+          </a:p>
+          <a:p>
+            <a:pPr lvl="1" eaLnBrk="1" latinLnBrk="0" hangingPunct="1"/>
+            <a:r>
+              <a:rPr lang="en-US" smtClean="0"/>
+              <a:t>Second level</a:t>
+            </a:r>
+          </a:p>
+          <a:p>
+            <a:pPr lvl="2" eaLnBrk="1" latinLnBrk="0" hangingPunct="1"/>
+            <a:r>
+              <a:rPr lang="en-US" smtClean="0"/>
+              <a:t>Third level</a:t>
+            </a:r>
+          </a:p>
+          <a:p>
+            <a:pPr lvl="3" eaLnBrk="1" latinLnBrk="0" hangingPunct="1"/>
+            <a:r>
+              <a:rPr lang="en-US" smtClean="0"/>
+              <a:t>Fourth level</a:t>
+            </a:r>
+          </a:p>
+          <a:p>
+            <a:pPr lvl="4" eaLnBrk="1" latinLnBrk="0" hangingPunct="1"/>
+            <a:r>
+              <a:rPr lang="en-US" smtClean="0"/>
+              <a:t>Fifth level</a:t>
+            </a:r>
+            <a:endParaRPr kumimoji="0" lang="en-US"/>
+          </a:p>
+        </p:txBody>
+      </p:sp>
     </p:spTree>
-    <p:extLst>
-      <p:ext uri="{BB962C8B-B14F-4D97-AF65-F5344CB8AC3E}">
-        <p14:creationId xmlns:p14="http://schemas.microsoft.com/office/powerpoint/2010/main" val="3533573160"/>
-      </p:ext>
-    </p:extLst>
   </p:cSld>
   <p:clrMapOvr>
     <a:masterClrMapping/>
@@ -870,8 +1168,13 @@
 </file>
 
 <file path=ppt/slideLayouts/slideLayout3.xml><?xml version="1.0" encoding="utf-8"?>
-<p:sldLayout xmlns:a="http://schemas.openxmlformats.org/drawingml/2006/main" xmlns:r="http://schemas.openxmlformats.org/officeDocument/2006/relationships" xmlns:p="http://schemas.openxmlformats.org/presentationml/2006/main" type="secHead" preserve="1">
+<p:sldLayout xmlns:a="http://schemas.openxmlformats.org/drawingml/2006/main" xmlns:r="http://schemas.openxmlformats.org/officeDocument/2006/relationships" xmlns:p="http://schemas.openxmlformats.org/presentationml/2006/main" showMasterSp="0" type="secHead" preserve="1">
   <p:cSld name="Section Header">
+    <p:bg>
+      <p:bgRef idx="1003">
+        <a:schemeClr val="bg1"/>
+      </p:bgRef>
+    </p:bg>
     <p:spTree>
       <p:nvGrpSpPr>
         <p:cNvPr id="1" name=""/>
@@ -888,66 +1191,32 @@
       </p:grpSpPr>
       <p:sp>
         <p:nvSpPr>
-          <p:cNvPr id="2" name="Title 1"/>
-          <p:cNvSpPr>
-            <a:spLocks noGrp="1"/>
-          </p:cNvSpPr>
-          <p:nvPr>
-            <p:ph type="title"/>
+          <p:cNvPr id="3" name="Text Placeholder 2"/>
+          <p:cNvSpPr>
+            <a:spLocks noGrp="1"/>
+          </p:cNvSpPr>
+          <p:nvPr>
+            <p:ph type="body" idx="1"/>
           </p:nvPr>
         </p:nvSpPr>
         <p:spPr>
           <a:xfrm>
-            <a:off x="722313" y="4406900"/>
-            <a:ext cx="7772400" cy="1362075"/>
+            <a:off x="1371600" y="2743200"/>
+            <a:ext cx="7123113" cy="1673225"/>
           </a:xfrm>
         </p:spPr>
         <p:txBody>
           <a:bodyPr anchor="t"/>
-          <a:lstStyle>
-            <a:lvl1pPr algn="l">
-              <a:defRPr sz="4000" b="1" cap="all"/>
-            </a:lvl1pPr>
-          </a:lstStyle>
-          <a:p>
-            <a:r>
-              <a:rPr lang="en-US" smtClean="0"/>
-              <a:t>Click to edit Master title style</a:t>
-            </a:r>
-            <a:endParaRPr lang="en-US"/>
-          </a:p>
-        </p:txBody>
-      </p:sp>
-      <p:sp>
-        <p:nvSpPr>
-          <p:cNvPr id="3" name="Text Placeholder 2"/>
-          <p:cNvSpPr>
-            <a:spLocks noGrp="1"/>
-          </p:cNvSpPr>
-          <p:nvPr>
-            <p:ph type="body" idx="1"/>
-          </p:nvPr>
-        </p:nvSpPr>
-        <p:spPr>
-          <a:xfrm>
-            <a:off x="722313" y="2906713"/>
-            <a:ext cx="7772400" cy="1500187"/>
-          </a:xfrm>
-        </p:spPr>
-        <p:txBody>
-          <a:bodyPr anchor="b"/>
           <a:lstStyle>
             <a:lvl1pPr marL="0" indent="0">
               <a:buNone/>
-              <a:defRPr sz="2000">
+              <a:defRPr sz="2800">
                 <a:solidFill>
-                  <a:schemeClr val="tx1">
-                    <a:tint val="75000"/>
-                  </a:schemeClr>
+                  <a:schemeClr val="tx2"/>
                 </a:solidFill>
               </a:defRPr>
             </a:lvl1pPr>
-            <a:lvl2pPr marL="457200" indent="0">
+            <a:lvl2pPr>
               <a:buNone/>
               <a:defRPr sz="1800">
                 <a:solidFill>
@@ -957,7 +1226,7 @@
                 </a:solidFill>
               </a:defRPr>
             </a:lvl2pPr>
-            <a:lvl3pPr marL="914400" indent="0">
+            <a:lvl3pPr>
               <a:buNone/>
               <a:defRPr sz="1600">
                 <a:solidFill>
@@ -967,7 +1236,7 @@
                 </a:solidFill>
               </a:defRPr>
             </a:lvl3pPr>
-            <a:lvl4pPr marL="1371600" indent="0">
+            <a:lvl4pPr>
               <a:buNone/>
               <a:defRPr sz="1400">
                 <a:solidFill>
@@ -977,7 +1246,7 @@
                 </a:solidFill>
               </a:defRPr>
             </a:lvl4pPr>
-            <a:lvl5pPr marL="1828800" indent="0">
+            <a:lvl5pPr>
               <a:buNone/>
               <a:defRPr sz="1400">
                 <a:solidFill>
@@ -987,59 +1256,198 @@
                 </a:solidFill>
               </a:defRPr>
             </a:lvl5pPr>
-            <a:lvl6pPr marL="2286000" indent="0">
+          </a:lstStyle>
+          <a:p>
+            <a:pPr lvl="0" eaLnBrk="1" latinLnBrk="0" hangingPunct="1"/>
+            <a:r>
+              <a:rPr kumimoji="0" lang="en-US" smtClean="0"/>
+              <a:t>Click to edit Master text styles</a:t>
+            </a:r>
+          </a:p>
+        </p:txBody>
+      </p:sp>
+      <p:sp>
+        <p:nvSpPr>
+          <p:cNvPr id="7" name="Rectangle 6"/>
+          <p:cNvSpPr/>
+          <p:nvPr/>
+        </p:nvSpPr>
+        <p:spPr bwMode="white">
+          <a:xfrm>
+            <a:off x="0" y="1524000"/>
+            <a:ext cx="9144000" cy="1143000"/>
+          </a:xfrm>
+          <a:prstGeom prst="rect">
+            <a:avLst/>
+          </a:prstGeom>
+          <a:solidFill>
+            <a:srgbClr val="FFFFFF"/>
+          </a:solidFill>
+          <a:ln w="50800" cap="rnd" cmpd="dbl" algn="ctr">
+            <a:noFill/>
+            <a:prstDash val="solid"/>
+          </a:ln>
+          <a:effectLst/>
+        </p:spPr>
+        <p:style>
+          <a:lnRef idx="3">
+            <a:schemeClr val="lt1"/>
+          </a:lnRef>
+          <a:fillRef idx="1">
+            <a:schemeClr val="accent1"/>
+          </a:fillRef>
+          <a:effectRef idx="1">
+            <a:schemeClr val="accent1"/>
+          </a:effectRef>
+          <a:fontRef idx="minor">
+            <a:schemeClr val="lt1"/>
+          </a:fontRef>
+        </p:style>
+        <p:txBody>
+          <a:bodyPr anchor="ctr"/>
+          <a:lstStyle/>
+          <a:p>
+            <a:pPr algn="ctr" eaLnBrk="1" latinLnBrk="0" hangingPunct="1"/>
+            <a:endParaRPr kumimoji="0" lang="en-US"/>
+          </a:p>
+        </p:txBody>
+      </p:sp>
+      <p:sp>
+        <p:nvSpPr>
+          <p:cNvPr id="8" name="Rectangle 7"/>
+          <p:cNvSpPr/>
+          <p:nvPr/>
+        </p:nvSpPr>
+        <p:spPr>
+          <a:xfrm>
+            <a:off x="0" y="1600200"/>
+            <a:ext cx="1295400" cy="990600"/>
+          </a:xfrm>
+          <a:prstGeom prst="rect">
+            <a:avLst/>
+          </a:prstGeom>
+          <a:solidFill>
+            <a:schemeClr val="accent2">
+              <a:alpha val="100000"/>
+            </a:schemeClr>
+          </a:solidFill>
+          <a:ln w="50800" cap="rnd" cmpd="dbl" algn="ctr">
+            <a:noFill/>
+            <a:prstDash val="solid"/>
+          </a:ln>
+          <a:effectLst/>
+        </p:spPr>
+        <p:style>
+          <a:lnRef idx="3">
+            <a:schemeClr val="lt1"/>
+          </a:lnRef>
+          <a:fillRef idx="1">
+            <a:schemeClr val="accent1"/>
+          </a:fillRef>
+          <a:effectRef idx="1">
+            <a:schemeClr val="accent1"/>
+          </a:effectRef>
+          <a:fontRef idx="minor">
+            <a:schemeClr val="lt1"/>
+          </a:fontRef>
+        </p:style>
+        <p:txBody>
+          <a:bodyPr anchor="ctr"/>
+          <a:lstStyle/>
+          <a:p>
+            <a:pPr algn="ctr" eaLnBrk="1" latinLnBrk="0" hangingPunct="1"/>
+            <a:endParaRPr kumimoji="0" lang="en-US"/>
+          </a:p>
+        </p:txBody>
+      </p:sp>
+      <p:sp>
+        <p:nvSpPr>
+          <p:cNvPr id="9" name="Rectangle 8"/>
+          <p:cNvSpPr/>
+          <p:nvPr/>
+        </p:nvSpPr>
+        <p:spPr>
+          <a:xfrm>
+            <a:off x="1371600" y="1600200"/>
+            <a:ext cx="7772400" cy="990600"/>
+          </a:xfrm>
+          <a:prstGeom prst="rect">
+            <a:avLst/>
+          </a:prstGeom>
+          <a:solidFill>
+            <a:schemeClr val="accent1">
+              <a:alpha val="100000"/>
+            </a:schemeClr>
+          </a:solidFill>
+          <a:ln w="50800" cap="rnd" cmpd="dbl" algn="ctr">
+            <a:noFill/>
+            <a:prstDash val="solid"/>
+          </a:ln>
+          <a:effectLst/>
+        </p:spPr>
+        <p:style>
+          <a:lnRef idx="3">
+            <a:schemeClr val="lt1"/>
+          </a:lnRef>
+          <a:fillRef idx="1">
+            <a:schemeClr val="accent1"/>
+          </a:fillRef>
+          <a:effectRef idx="1">
+            <a:schemeClr val="accent1"/>
+          </a:effectRef>
+          <a:fontRef idx="minor">
+            <a:schemeClr val="lt1"/>
+          </a:fontRef>
+        </p:style>
+        <p:txBody>
+          <a:bodyPr anchor="ctr"/>
+          <a:lstStyle/>
+          <a:p>
+            <a:pPr algn="ctr" eaLnBrk="1" latinLnBrk="0" hangingPunct="1"/>
+            <a:endParaRPr kumimoji="0" lang="en-US"/>
+          </a:p>
+        </p:txBody>
+      </p:sp>
+      <p:sp>
+        <p:nvSpPr>
+          <p:cNvPr id="2" name="Title 1"/>
+          <p:cNvSpPr>
+            <a:spLocks noGrp="1"/>
+          </p:cNvSpPr>
+          <p:nvPr>
+            <p:ph type="title"/>
+          </p:nvPr>
+        </p:nvSpPr>
+        <p:spPr>
+          <a:xfrm>
+            <a:off x="1371600" y="1600200"/>
+            <a:ext cx="7620000" cy="990600"/>
+          </a:xfrm>
+        </p:spPr>
+        <p:txBody>
+          <a:bodyPr/>
+          <a:lstStyle>
+            <a:lvl1pPr algn="l">
               <a:buNone/>
-              <a:defRPr sz="1400">
+              <a:defRPr sz="4400" b="0" cap="none">
                 <a:solidFill>
-                  <a:schemeClr val="tx1">
-                    <a:tint val="75000"/>
-                  </a:schemeClr>
+                  <a:srgbClr val="FFFFFF"/>
                 </a:solidFill>
               </a:defRPr>
-            </a:lvl6pPr>
-            <a:lvl7pPr marL="2743200" indent="0">
-              <a:buNone/>
-              <a:defRPr sz="1400">
-                <a:solidFill>
-                  <a:schemeClr val="tx1">
-                    <a:tint val="75000"/>
-                  </a:schemeClr>
-                </a:solidFill>
-              </a:defRPr>
-            </a:lvl7pPr>
-            <a:lvl8pPr marL="3200400" indent="0">
-              <a:buNone/>
-              <a:defRPr sz="1400">
-                <a:solidFill>
-                  <a:schemeClr val="tx1">
-                    <a:tint val="75000"/>
-                  </a:schemeClr>
-                </a:solidFill>
-              </a:defRPr>
-            </a:lvl8pPr>
-            <a:lvl9pPr marL="3657600" indent="0">
-              <a:buNone/>
-              <a:defRPr sz="1400">
-                <a:solidFill>
-                  <a:schemeClr val="tx1">
-                    <a:tint val="75000"/>
-                  </a:schemeClr>
-                </a:solidFill>
-              </a:defRPr>
-            </a:lvl9pPr>
+            </a:lvl1pPr>
           </a:lstStyle>
           <a:p>
-            <a:pPr lvl="0"/>
-            <a:r>
-              <a:rPr lang="en-US" smtClean="0"/>
-              <a:t>Click to edit Master text styles</a:t>
-            </a:r>
-          </a:p>
-        </p:txBody>
-      </p:sp>
-      <p:sp>
-        <p:nvSpPr>
-          <p:cNvPr id="4" name="Date Placeholder 3"/>
+            <a:r>
+              <a:rPr kumimoji="0" lang="en-US" smtClean="0"/>
+              <a:t>Click to edit Master title style</a:t>
+            </a:r>
+            <a:endParaRPr kumimoji="0" lang="en-US"/>
+          </a:p>
+        </p:txBody>
+      </p:sp>
+      <p:sp>
+        <p:nvSpPr>
+          <p:cNvPr id="12" name="Date Placeholder 11"/>
           <p:cNvSpPr>
             <a:spLocks noGrp="1"/>
           </p:cNvSpPr>
@@ -1062,37 +1470,33 @@
       </p:sp>
       <p:sp>
         <p:nvSpPr>
-          <p:cNvPr id="5" name="Footer Placeholder 4"/>
-          <p:cNvSpPr>
-            <a:spLocks noGrp="1"/>
-          </p:cNvSpPr>
-          <p:nvPr>
-            <p:ph type="ftr" sz="quarter" idx="11"/>
-          </p:nvPr>
-        </p:nvSpPr>
-        <p:spPr/>
-        <p:txBody>
-          <a:bodyPr/>
-          <a:lstStyle/>
-          <a:p>
-            <a:endParaRPr lang="en-US"/>
-          </a:p>
-        </p:txBody>
-      </p:sp>
-      <p:sp>
-        <p:nvSpPr>
-          <p:cNvPr id="6" name="Slide Number Placeholder 5"/>
-          <p:cNvSpPr>
-            <a:spLocks noGrp="1"/>
-          </p:cNvSpPr>
-          <p:nvPr>
-            <p:ph type="sldNum" sz="quarter" idx="12"/>
-          </p:nvPr>
-        </p:nvSpPr>
-        <p:spPr/>
-        <p:txBody>
-          <a:bodyPr/>
-          <a:lstStyle/>
+          <p:cNvPr id="13" name="Slide Number Placeholder 12"/>
+          <p:cNvSpPr>
+            <a:spLocks noGrp="1"/>
+          </p:cNvSpPr>
+          <p:nvPr>
+            <p:ph type="sldNum" sz="quarter" idx="11"/>
+          </p:nvPr>
+        </p:nvSpPr>
+        <p:spPr>
+          <a:xfrm>
+            <a:off x="0" y="1752600"/>
+            <a:ext cx="1295400" cy="701676"/>
+          </a:xfrm>
+        </p:spPr>
+        <p:txBody>
+          <a:bodyPr>
+            <a:noAutofit/>
+          </a:bodyPr>
+          <a:lstStyle>
+            <a:lvl1pPr>
+              <a:defRPr sz="2400">
+                <a:solidFill>
+                  <a:srgbClr val="FFFFFF"/>
+                </a:solidFill>
+              </a:defRPr>
+            </a:lvl1pPr>
+          </a:lstStyle>
           <a:p>
             <a:fld id="{C167EAE1-8CCC-4105-B513-1057695FDB6D}" type="slidenum">
               <a:rPr lang="en-US" smtClean="0"/>
@@ -1102,15 +1506,29 @@
           </a:p>
         </p:txBody>
       </p:sp>
+      <p:sp>
+        <p:nvSpPr>
+          <p:cNvPr id="14" name="Footer Placeholder 13"/>
+          <p:cNvSpPr>
+            <a:spLocks noGrp="1"/>
+          </p:cNvSpPr>
+          <p:nvPr>
+            <p:ph type="ftr" sz="quarter" idx="12"/>
+          </p:nvPr>
+        </p:nvSpPr>
+        <p:spPr/>
+        <p:txBody>
+          <a:bodyPr/>
+          <a:lstStyle/>
+          <a:p>
+            <a:endParaRPr lang="en-US"/>
+          </a:p>
+        </p:txBody>
+      </p:sp>
     </p:spTree>
-    <p:extLst>
-      <p:ext uri="{BB962C8B-B14F-4D97-AF65-F5344CB8AC3E}">
-        <p14:creationId xmlns:p14="http://schemas.microsoft.com/office/powerpoint/2010/main" val="379402392"/>
-      </p:ext>
-    </p:extLst>
   </p:cSld>
   <p:clrMapOvr>
-    <a:masterClrMapping/>
+    <a:overrideClrMapping bg1="lt1" tx1="dk1" bg2="lt2" tx2="dk2" accent1="accent1" accent2="accent2" accent3="accent3" accent4="accent4" accent5="accent5" accent6="accent6" hlink="hlink" folHlink="folHlink"/>
   </p:clrMapOvr>
 </p:sldLayout>
 </file>
@@ -1148,196 +1566,140 @@
           <a:lstStyle/>
           <a:p>
             <a:r>
-              <a:rPr lang="en-US" smtClean="0"/>
+              <a:rPr kumimoji="0" lang="en-US" smtClean="0"/>
               <a:t>Click to edit Master title style</a:t>
             </a:r>
-            <a:endParaRPr lang="en-US"/>
-          </a:p>
-        </p:txBody>
-      </p:sp>
-      <p:sp>
-        <p:nvSpPr>
-          <p:cNvPr id="3" name="Content Placeholder 2"/>
-          <p:cNvSpPr>
-            <a:spLocks noGrp="1"/>
-          </p:cNvSpPr>
-          <p:nvPr>
-            <p:ph sz="half" idx="1"/>
+            <a:endParaRPr kumimoji="0" lang="en-US"/>
+          </a:p>
+        </p:txBody>
+      </p:sp>
+      <p:sp>
+        <p:nvSpPr>
+          <p:cNvPr id="9" name="Content Placeholder 8"/>
+          <p:cNvSpPr>
+            <a:spLocks noGrp="1"/>
+          </p:cNvSpPr>
+          <p:nvPr>
+            <p:ph sz="quarter" idx="1"/>
           </p:nvPr>
         </p:nvSpPr>
         <p:spPr>
           <a:xfrm>
-            <a:off x="457200" y="1600200"/>
-            <a:ext cx="4038600" cy="4525963"/>
+            <a:off x="609600" y="1589567"/>
+            <a:ext cx="3886200" cy="4572000"/>
           </a:xfrm>
         </p:spPr>
         <p:txBody>
           <a:bodyPr/>
-          <a:lstStyle>
-            <a:lvl1pPr>
-              <a:defRPr sz="2800"/>
-            </a:lvl1pPr>
-            <a:lvl2pPr>
-              <a:defRPr sz="2400"/>
-            </a:lvl2pPr>
-            <a:lvl3pPr>
-              <a:defRPr sz="2000"/>
-            </a:lvl3pPr>
-            <a:lvl4pPr>
-              <a:defRPr sz="1800"/>
-            </a:lvl4pPr>
-            <a:lvl5pPr>
-              <a:defRPr sz="1800"/>
-            </a:lvl5pPr>
-            <a:lvl6pPr>
-              <a:defRPr sz="1800"/>
-            </a:lvl6pPr>
-            <a:lvl7pPr>
-              <a:defRPr sz="1800"/>
-            </a:lvl7pPr>
-            <a:lvl8pPr>
-              <a:defRPr sz="1800"/>
-            </a:lvl8pPr>
-            <a:lvl9pPr>
-              <a:defRPr sz="1800"/>
-            </a:lvl9pPr>
-          </a:lstStyle>
-          <a:p>
-            <a:pPr lvl="0"/>
+          <a:lstStyle/>
+          <a:p>
+            <a:pPr lvl="0" eaLnBrk="1" latinLnBrk="0" hangingPunct="1"/>
             <a:r>
               <a:rPr lang="en-US" smtClean="0"/>
               <a:t>Click to edit Master text styles</a:t>
             </a:r>
           </a:p>
           <a:p>
-            <a:pPr lvl="1"/>
+            <a:pPr lvl="1" eaLnBrk="1" latinLnBrk="0" hangingPunct="1"/>
             <a:r>
               <a:rPr lang="en-US" smtClean="0"/>
               <a:t>Second level</a:t>
             </a:r>
           </a:p>
           <a:p>
-            <a:pPr lvl="2"/>
+            <a:pPr lvl="2" eaLnBrk="1" latinLnBrk="0" hangingPunct="1"/>
             <a:r>
               <a:rPr lang="en-US" smtClean="0"/>
               <a:t>Third level</a:t>
             </a:r>
           </a:p>
           <a:p>
-            <a:pPr lvl="3"/>
+            <a:pPr lvl="3" eaLnBrk="1" latinLnBrk="0" hangingPunct="1"/>
             <a:r>
               <a:rPr lang="en-US" smtClean="0"/>
               <a:t>Fourth level</a:t>
             </a:r>
           </a:p>
           <a:p>
-            <a:pPr lvl="4"/>
+            <a:pPr lvl="4" eaLnBrk="1" latinLnBrk="0" hangingPunct="1"/>
             <a:r>
               <a:rPr lang="en-US" smtClean="0"/>
               <a:t>Fifth level</a:t>
             </a:r>
-            <a:endParaRPr lang="en-US"/>
-          </a:p>
-        </p:txBody>
-      </p:sp>
-      <p:sp>
-        <p:nvSpPr>
-          <p:cNvPr id="4" name="Content Placeholder 3"/>
-          <p:cNvSpPr>
-            <a:spLocks noGrp="1"/>
-          </p:cNvSpPr>
-          <p:nvPr>
-            <p:ph sz="half" idx="2"/>
+            <a:endParaRPr kumimoji="0" lang="en-US"/>
+          </a:p>
+        </p:txBody>
+      </p:sp>
+      <p:sp>
+        <p:nvSpPr>
+          <p:cNvPr id="11" name="Content Placeholder 10"/>
+          <p:cNvSpPr>
+            <a:spLocks noGrp="1"/>
+          </p:cNvSpPr>
+          <p:nvPr>
+            <p:ph sz="quarter" idx="2"/>
           </p:nvPr>
         </p:nvSpPr>
         <p:spPr>
           <a:xfrm>
-            <a:off x="4648200" y="1600200"/>
-            <a:ext cx="4038600" cy="4525963"/>
+            <a:off x="4844901" y="1589567"/>
+            <a:ext cx="3886200" cy="4572000"/>
           </a:xfrm>
         </p:spPr>
         <p:txBody>
           <a:bodyPr/>
-          <a:lstStyle>
-            <a:lvl1pPr>
-              <a:defRPr sz="2800"/>
-            </a:lvl1pPr>
-            <a:lvl2pPr>
-              <a:defRPr sz="2400"/>
-            </a:lvl2pPr>
-            <a:lvl3pPr>
-              <a:defRPr sz="2000"/>
-            </a:lvl3pPr>
-            <a:lvl4pPr>
-              <a:defRPr sz="1800"/>
-            </a:lvl4pPr>
-            <a:lvl5pPr>
-              <a:defRPr sz="1800"/>
-            </a:lvl5pPr>
-            <a:lvl6pPr>
-              <a:defRPr sz="1800"/>
-            </a:lvl6pPr>
-            <a:lvl7pPr>
-              <a:defRPr sz="1800"/>
-            </a:lvl7pPr>
-            <a:lvl8pPr>
-              <a:defRPr sz="1800"/>
-            </a:lvl8pPr>
-            <a:lvl9pPr>
-              <a:defRPr sz="1800"/>
-            </a:lvl9pPr>
-          </a:lstStyle>
-          <a:p>
-            <a:pPr lvl="0"/>
+          <a:lstStyle/>
+          <a:p>
+            <a:pPr lvl="0" eaLnBrk="1" latinLnBrk="0" hangingPunct="1"/>
             <a:r>
               <a:rPr lang="en-US" smtClean="0"/>
               <a:t>Click to edit Master text styles</a:t>
             </a:r>
           </a:p>
           <a:p>
-            <a:pPr lvl="1"/>
+            <a:pPr lvl="1" eaLnBrk="1" latinLnBrk="0" hangingPunct="1"/>
             <a:r>
               <a:rPr lang="en-US" smtClean="0"/>
               <a:t>Second level</a:t>
             </a:r>
           </a:p>
           <a:p>
-            <a:pPr lvl="2"/>
+            <a:pPr lvl="2" eaLnBrk="1" latinLnBrk="0" hangingPunct="1"/>
             <a:r>
               <a:rPr lang="en-US" smtClean="0"/>
               <a:t>Third level</a:t>
             </a:r>
           </a:p>
           <a:p>
-            <a:pPr lvl="3"/>
+            <a:pPr lvl="3" eaLnBrk="1" latinLnBrk="0" hangingPunct="1"/>
             <a:r>
               <a:rPr lang="en-US" smtClean="0"/>
               <a:t>Fourth level</a:t>
             </a:r>
           </a:p>
           <a:p>
-            <a:pPr lvl="4"/>
+            <a:pPr lvl="4" eaLnBrk="1" latinLnBrk="0" hangingPunct="1"/>
             <a:r>
               <a:rPr lang="en-US" smtClean="0"/>
               <a:t>Fifth level</a:t>
             </a:r>
-            <a:endParaRPr lang="en-US"/>
-          </a:p>
-        </p:txBody>
-      </p:sp>
-      <p:sp>
-        <p:nvSpPr>
-          <p:cNvPr id="5" name="Date Placeholder 4"/>
-          <p:cNvSpPr>
-            <a:spLocks noGrp="1"/>
-          </p:cNvSpPr>
-          <p:nvPr>
-            <p:ph type="dt" sz="half" idx="10"/>
+            <a:endParaRPr kumimoji="0" lang="en-US"/>
+          </a:p>
+        </p:txBody>
+      </p:sp>
+      <p:sp>
+        <p:nvSpPr>
+          <p:cNvPr id="8" name="Date Placeholder 7"/>
+          <p:cNvSpPr>
+            <a:spLocks noGrp="1"/>
+          </p:cNvSpPr>
+          <p:nvPr>
+            <p:ph type="dt" sz="half" idx="15"/>
           </p:nvPr>
         </p:nvSpPr>
         <p:spPr/>
         <p:txBody>
-          <a:bodyPr/>
+          <a:bodyPr rtlCol="0"/>
           <a:lstStyle/>
           <a:p>
             <a:fld id="{BA035BE2-8B57-421B-A3F0-969438867093}" type="datetimeFigureOut">
@@ -1350,36 +1712,17 @@
       </p:sp>
       <p:sp>
         <p:nvSpPr>
-          <p:cNvPr id="6" name="Footer Placeholder 5"/>
-          <p:cNvSpPr>
-            <a:spLocks noGrp="1"/>
-          </p:cNvSpPr>
-          <p:nvPr>
-            <p:ph type="ftr" sz="quarter" idx="11"/>
+          <p:cNvPr id="10" name="Slide Number Placeholder 9"/>
+          <p:cNvSpPr>
+            <a:spLocks noGrp="1"/>
+          </p:cNvSpPr>
+          <p:nvPr>
+            <p:ph type="sldNum" sz="quarter" idx="16"/>
           </p:nvPr>
         </p:nvSpPr>
         <p:spPr/>
         <p:txBody>
-          <a:bodyPr/>
-          <a:lstStyle/>
-          <a:p>
-            <a:endParaRPr lang="en-US"/>
-          </a:p>
-        </p:txBody>
-      </p:sp>
-      <p:sp>
-        <p:nvSpPr>
-          <p:cNvPr id="7" name="Slide Number Placeholder 6"/>
-          <p:cNvSpPr>
-            <a:spLocks noGrp="1"/>
-          </p:cNvSpPr>
-          <p:nvPr>
-            <p:ph type="sldNum" sz="quarter" idx="12"/>
-          </p:nvPr>
-        </p:nvSpPr>
-        <p:spPr/>
-        <p:txBody>
-          <a:bodyPr/>
+          <a:bodyPr rtlCol="0"/>
           <a:lstStyle/>
           <a:p>
             <a:fld id="{C167EAE1-8CCC-4105-B513-1057695FDB6D}" type="slidenum">
@@ -1390,12 +1733,26 @@
           </a:p>
         </p:txBody>
       </p:sp>
+      <p:sp>
+        <p:nvSpPr>
+          <p:cNvPr id="12" name="Footer Placeholder 11"/>
+          <p:cNvSpPr>
+            <a:spLocks noGrp="1"/>
+          </p:cNvSpPr>
+          <p:nvPr>
+            <p:ph type="ftr" sz="quarter" idx="17"/>
+          </p:nvPr>
+        </p:nvSpPr>
+        <p:spPr/>
+        <p:txBody>
+          <a:bodyPr rtlCol="0"/>
+          <a:lstStyle/>
+          <a:p>
+            <a:endParaRPr lang="en-US"/>
+          </a:p>
+        </p:txBody>
+      </p:sp>
     </p:spTree>
-    <p:extLst>
-      <p:ext uri="{BB962C8B-B14F-4D97-AF65-F5344CB8AC3E}">
-        <p14:creationId xmlns:p14="http://schemas.microsoft.com/office/powerpoint/2010/main" val="3373060626"/>
-      </p:ext>
-    </p:extLst>
   </p:cSld>
   <p:clrMapOvr>
     <a:masterClrMapping/>
@@ -1430,9 +1787,14 @@
             <p:ph type="title"/>
           </p:nvPr>
         </p:nvSpPr>
-        <p:spPr/>
-        <p:txBody>
-          <a:bodyPr/>
+        <p:spPr>
+          <a:xfrm>
+            <a:off x="533400" y="273050"/>
+            <a:ext cx="8153400" cy="869950"/>
+          </a:xfrm>
+        </p:spPr>
+        <p:txBody>
+          <a:bodyPr anchor="ctr"/>
           <a:lstStyle>
             <a:lvl1pPr>
               <a:defRPr/>
@@ -1440,326 +1802,140 @@
           </a:lstStyle>
           <a:p>
             <a:r>
-              <a:rPr lang="en-US" smtClean="0"/>
+              <a:rPr kumimoji="0" lang="en-US" smtClean="0"/>
               <a:t>Click to edit Master title style</a:t>
             </a:r>
-            <a:endParaRPr lang="en-US"/>
-          </a:p>
-        </p:txBody>
-      </p:sp>
-      <p:sp>
-        <p:nvSpPr>
-          <p:cNvPr id="3" name="Text Placeholder 2"/>
-          <p:cNvSpPr>
-            <a:spLocks noGrp="1"/>
-          </p:cNvSpPr>
-          <p:nvPr>
-            <p:ph type="body" idx="1"/>
+            <a:endParaRPr kumimoji="0" lang="en-US"/>
+          </a:p>
+        </p:txBody>
+      </p:sp>
+      <p:sp>
+        <p:nvSpPr>
+          <p:cNvPr id="11" name="Content Placeholder 10"/>
+          <p:cNvSpPr>
+            <a:spLocks noGrp="1"/>
+          </p:cNvSpPr>
+          <p:nvPr>
+            <p:ph sz="quarter" idx="2"/>
           </p:nvPr>
         </p:nvSpPr>
         <p:spPr>
           <a:xfrm>
-            <a:off x="457200" y="1535113"/>
-            <a:ext cx="4040188" cy="639762"/>
-          </a:xfrm>
-        </p:spPr>
-        <p:txBody>
-          <a:bodyPr anchor="b"/>
-          <a:lstStyle>
-            <a:lvl1pPr marL="0" indent="0">
-              <a:buNone/>
-              <a:defRPr sz="2400" b="1"/>
-            </a:lvl1pPr>
-            <a:lvl2pPr marL="457200" indent="0">
-              <a:buNone/>
-              <a:defRPr sz="2000" b="1"/>
-            </a:lvl2pPr>
-            <a:lvl3pPr marL="914400" indent="0">
-              <a:buNone/>
-              <a:defRPr sz="1800" b="1"/>
-            </a:lvl3pPr>
-            <a:lvl4pPr marL="1371600" indent="0">
-              <a:buNone/>
-              <a:defRPr sz="1600" b="1"/>
-            </a:lvl4pPr>
-            <a:lvl5pPr marL="1828800" indent="0">
-              <a:buNone/>
-              <a:defRPr sz="1600" b="1"/>
-            </a:lvl5pPr>
-            <a:lvl6pPr marL="2286000" indent="0">
-              <a:buNone/>
-              <a:defRPr sz="1600" b="1"/>
-            </a:lvl6pPr>
-            <a:lvl7pPr marL="2743200" indent="0">
-              <a:buNone/>
-              <a:defRPr sz="1600" b="1"/>
-            </a:lvl7pPr>
-            <a:lvl8pPr marL="3200400" indent="0">
-              <a:buNone/>
-              <a:defRPr sz="1600" b="1"/>
-            </a:lvl8pPr>
-            <a:lvl9pPr marL="3657600" indent="0">
-              <a:buNone/>
-              <a:defRPr sz="1600" b="1"/>
-            </a:lvl9pPr>
-          </a:lstStyle>
-          <a:p>
-            <a:pPr lvl="0"/>
+            <a:off x="609600" y="2438400"/>
+            <a:ext cx="3886200" cy="3581400"/>
+          </a:xfrm>
+        </p:spPr>
+        <p:txBody>
+          <a:bodyPr/>
+          <a:lstStyle/>
+          <a:p>
+            <a:pPr lvl="0" eaLnBrk="1" latinLnBrk="0" hangingPunct="1"/>
             <a:r>
               <a:rPr lang="en-US" smtClean="0"/>
               <a:t>Click to edit Master text styles</a:t>
             </a:r>
           </a:p>
-        </p:txBody>
-      </p:sp>
-      <p:sp>
-        <p:nvSpPr>
-          <p:cNvPr id="4" name="Content Placeholder 3"/>
-          <p:cNvSpPr>
-            <a:spLocks noGrp="1"/>
-          </p:cNvSpPr>
-          <p:nvPr>
-            <p:ph sz="half" idx="2"/>
+          <a:p>
+            <a:pPr lvl="1" eaLnBrk="1" latinLnBrk="0" hangingPunct="1"/>
+            <a:r>
+              <a:rPr lang="en-US" smtClean="0"/>
+              <a:t>Second level</a:t>
+            </a:r>
+          </a:p>
+          <a:p>
+            <a:pPr lvl="2" eaLnBrk="1" latinLnBrk="0" hangingPunct="1"/>
+            <a:r>
+              <a:rPr lang="en-US" smtClean="0"/>
+              <a:t>Third level</a:t>
+            </a:r>
+          </a:p>
+          <a:p>
+            <a:pPr lvl="3" eaLnBrk="1" latinLnBrk="0" hangingPunct="1"/>
+            <a:r>
+              <a:rPr lang="en-US" smtClean="0"/>
+              <a:t>Fourth level</a:t>
+            </a:r>
+          </a:p>
+          <a:p>
+            <a:pPr lvl="4" eaLnBrk="1" latinLnBrk="0" hangingPunct="1"/>
+            <a:r>
+              <a:rPr lang="en-US" smtClean="0"/>
+              <a:t>Fifth level</a:t>
+            </a:r>
+            <a:endParaRPr kumimoji="0" lang="en-US"/>
+          </a:p>
+        </p:txBody>
+      </p:sp>
+      <p:sp>
+        <p:nvSpPr>
+          <p:cNvPr id="13" name="Content Placeholder 12"/>
+          <p:cNvSpPr>
+            <a:spLocks noGrp="1"/>
+          </p:cNvSpPr>
+          <p:nvPr>
+            <p:ph sz="quarter" idx="4"/>
           </p:nvPr>
         </p:nvSpPr>
         <p:spPr>
           <a:xfrm>
-            <a:off x="457200" y="2174875"/>
-            <a:ext cx="4040188" cy="3951288"/>
+            <a:off x="4800600" y="2438400"/>
+            <a:ext cx="3886200" cy="3581400"/>
           </a:xfrm>
         </p:spPr>
         <p:txBody>
           <a:bodyPr/>
-          <a:lstStyle>
-            <a:lvl1pPr>
-              <a:defRPr sz="2400"/>
-            </a:lvl1pPr>
-            <a:lvl2pPr>
-              <a:defRPr sz="2000"/>
-            </a:lvl2pPr>
-            <a:lvl3pPr>
-              <a:defRPr sz="1800"/>
-            </a:lvl3pPr>
-            <a:lvl4pPr>
-              <a:defRPr sz="1600"/>
-            </a:lvl4pPr>
-            <a:lvl5pPr>
-              <a:defRPr sz="1600"/>
-            </a:lvl5pPr>
-            <a:lvl6pPr>
-              <a:defRPr sz="1600"/>
-            </a:lvl6pPr>
-            <a:lvl7pPr>
-              <a:defRPr sz="1600"/>
-            </a:lvl7pPr>
-            <a:lvl8pPr>
-              <a:defRPr sz="1600"/>
-            </a:lvl8pPr>
-            <a:lvl9pPr>
-              <a:defRPr sz="1600"/>
-            </a:lvl9pPr>
-          </a:lstStyle>
-          <a:p>
-            <a:pPr lvl="0"/>
+          <a:lstStyle/>
+          <a:p>
+            <a:pPr lvl="0" eaLnBrk="1" latinLnBrk="0" hangingPunct="1"/>
             <a:r>
               <a:rPr lang="en-US" smtClean="0"/>
               <a:t>Click to edit Master text styles</a:t>
             </a:r>
           </a:p>
           <a:p>
-            <a:pPr lvl="1"/>
+            <a:pPr lvl="1" eaLnBrk="1" latinLnBrk="0" hangingPunct="1"/>
             <a:r>
               <a:rPr lang="en-US" smtClean="0"/>
               <a:t>Second level</a:t>
             </a:r>
           </a:p>
           <a:p>
-            <a:pPr lvl="2"/>
+            <a:pPr lvl="2" eaLnBrk="1" latinLnBrk="0" hangingPunct="1"/>
             <a:r>
               <a:rPr lang="en-US" smtClean="0"/>
               <a:t>Third level</a:t>
             </a:r>
           </a:p>
           <a:p>
-            <a:pPr lvl="3"/>
+            <a:pPr lvl="3" eaLnBrk="1" latinLnBrk="0" hangingPunct="1"/>
             <a:r>
               <a:rPr lang="en-US" smtClean="0"/>
               <a:t>Fourth level</a:t>
             </a:r>
           </a:p>
           <a:p>
-            <a:pPr lvl="4"/>
+            <a:pPr lvl="4" eaLnBrk="1" latinLnBrk="0" hangingPunct="1"/>
             <a:r>
               <a:rPr lang="en-US" smtClean="0"/>
               <a:t>Fifth level</a:t>
             </a:r>
-            <a:endParaRPr lang="en-US"/>
-          </a:p>
-        </p:txBody>
-      </p:sp>
-      <p:sp>
-        <p:nvSpPr>
-          <p:cNvPr id="5" name="Text Placeholder 4"/>
-          <p:cNvSpPr>
-            <a:spLocks noGrp="1"/>
-          </p:cNvSpPr>
-          <p:nvPr>
-            <p:ph type="body" sz="quarter" idx="3"/>
-          </p:nvPr>
-        </p:nvSpPr>
-        <p:spPr>
-          <a:xfrm>
-            <a:off x="4645025" y="1535113"/>
-            <a:ext cx="4041775" cy="639762"/>
-          </a:xfrm>
-        </p:spPr>
-        <p:txBody>
-          <a:bodyPr anchor="b"/>
-          <a:lstStyle>
-            <a:lvl1pPr marL="0" indent="0">
-              <a:buNone/>
-              <a:defRPr sz="2400" b="1"/>
-            </a:lvl1pPr>
-            <a:lvl2pPr marL="457200" indent="0">
-              <a:buNone/>
-              <a:defRPr sz="2000" b="1"/>
-            </a:lvl2pPr>
-            <a:lvl3pPr marL="914400" indent="0">
-              <a:buNone/>
-              <a:defRPr sz="1800" b="1"/>
-            </a:lvl3pPr>
-            <a:lvl4pPr marL="1371600" indent="0">
-              <a:buNone/>
-              <a:defRPr sz="1600" b="1"/>
-            </a:lvl4pPr>
-            <a:lvl5pPr marL="1828800" indent="0">
-              <a:buNone/>
-              <a:defRPr sz="1600" b="1"/>
-            </a:lvl5pPr>
-            <a:lvl6pPr marL="2286000" indent="0">
-              <a:buNone/>
-              <a:defRPr sz="1600" b="1"/>
-            </a:lvl6pPr>
-            <a:lvl7pPr marL="2743200" indent="0">
-              <a:buNone/>
-              <a:defRPr sz="1600" b="1"/>
-            </a:lvl7pPr>
-            <a:lvl8pPr marL="3200400" indent="0">
-              <a:buNone/>
-              <a:defRPr sz="1600" b="1"/>
-            </a:lvl8pPr>
-            <a:lvl9pPr marL="3657600" indent="0">
-              <a:buNone/>
-              <a:defRPr sz="1600" b="1"/>
-            </a:lvl9pPr>
-          </a:lstStyle>
-          <a:p>
-            <a:pPr lvl="0"/>
-            <a:r>
-              <a:rPr lang="en-US" smtClean="0"/>
-              <a:t>Click to edit Master text styles</a:t>
-            </a:r>
-          </a:p>
-        </p:txBody>
-      </p:sp>
-      <p:sp>
-        <p:nvSpPr>
-          <p:cNvPr id="6" name="Content Placeholder 5"/>
-          <p:cNvSpPr>
-            <a:spLocks noGrp="1"/>
-          </p:cNvSpPr>
-          <p:nvPr>
-            <p:ph sz="quarter" idx="4"/>
-          </p:nvPr>
-        </p:nvSpPr>
-        <p:spPr>
-          <a:xfrm>
-            <a:off x="4645025" y="2174875"/>
-            <a:ext cx="4041775" cy="3951288"/>
-          </a:xfrm>
-        </p:spPr>
-        <p:txBody>
-          <a:bodyPr/>
-          <a:lstStyle>
-            <a:lvl1pPr>
-              <a:defRPr sz="2400"/>
-            </a:lvl1pPr>
-            <a:lvl2pPr>
-              <a:defRPr sz="2000"/>
-            </a:lvl2pPr>
-            <a:lvl3pPr>
-              <a:defRPr sz="1800"/>
-            </a:lvl3pPr>
-            <a:lvl4pPr>
-              <a:defRPr sz="1600"/>
-            </a:lvl4pPr>
-            <a:lvl5pPr>
-              <a:defRPr sz="1600"/>
-            </a:lvl5pPr>
-            <a:lvl6pPr>
-              <a:defRPr sz="1600"/>
-            </a:lvl6pPr>
-            <a:lvl7pPr>
-              <a:defRPr sz="1600"/>
-            </a:lvl7pPr>
-            <a:lvl8pPr>
-              <a:defRPr sz="1600"/>
-            </a:lvl8pPr>
-            <a:lvl9pPr>
-              <a:defRPr sz="1600"/>
-            </a:lvl9pPr>
-          </a:lstStyle>
-          <a:p>
-            <a:pPr lvl="0"/>
-            <a:r>
-              <a:rPr lang="en-US" smtClean="0"/>
-              <a:t>Click to edit Master text styles</a:t>
-            </a:r>
-          </a:p>
-          <a:p>
-            <a:pPr lvl="1"/>
-            <a:r>
-              <a:rPr lang="en-US" smtClean="0"/>
-              <a:t>Second level</a:t>
-            </a:r>
-          </a:p>
-          <a:p>
-            <a:pPr lvl="2"/>
-            <a:r>
-              <a:rPr lang="en-US" smtClean="0"/>
-              <a:t>Third level</a:t>
-            </a:r>
-          </a:p>
-          <a:p>
-            <a:pPr lvl="3"/>
-            <a:r>
-              <a:rPr lang="en-US" smtClean="0"/>
-              <a:t>Fourth level</a:t>
-            </a:r>
-          </a:p>
-          <a:p>
-            <a:pPr lvl="4"/>
-            <a:r>
-              <a:rPr lang="en-US" smtClean="0"/>
-              <a:t>Fifth level</a:t>
-            </a:r>
-            <a:endParaRPr lang="en-US"/>
-          </a:p>
-        </p:txBody>
-      </p:sp>
-      <p:sp>
-        <p:nvSpPr>
-          <p:cNvPr id="7" name="Date Placeholder 6"/>
-          <p:cNvSpPr>
-            <a:spLocks noGrp="1"/>
-          </p:cNvSpPr>
-          <p:nvPr>
-            <p:ph type="dt" sz="half" idx="10"/>
+            <a:endParaRPr kumimoji="0" lang="en-US"/>
+          </a:p>
+        </p:txBody>
+      </p:sp>
+      <p:sp>
+        <p:nvSpPr>
+          <p:cNvPr id="10" name="Date Placeholder 9"/>
+          <p:cNvSpPr>
+            <a:spLocks noGrp="1"/>
+          </p:cNvSpPr>
+          <p:nvPr>
+            <p:ph type="dt" sz="half" idx="15"/>
           </p:nvPr>
         </p:nvSpPr>
         <p:spPr/>
         <p:txBody>
-          <a:bodyPr/>
+          <a:bodyPr rtlCol="0"/>
           <a:lstStyle/>
           <a:p>
             <a:fld id="{BA035BE2-8B57-421B-A3F0-969438867093}" type="datetimeFigureOut">
@@ -1772,36 +1948,17 @@
       </p:sp>
       <p:sp>
         <p:nvSpPr>
-          <p:cNvPr id="8" name="Footer Placeholder 7"/>
-          <p:cNvSpPr>
-            <a:spLocks noGrp="1"/>
-          </p:cNvSpPr>
-          <p:nvPr>
-            <p:ph type="ftr" sz="quarter" idx="11"/>
+          <p:cNvPr id="12" name="Slide Number Placeholder 11"/>
+          <p:cNvSpPr>
+            <a:spLocks noGrp="1"/>
+          </p:cNvSpPr>
+          <p:nvPr>
+            <p:ph type="sldNum" sz="quarter" idx="16"/>
           </p:nvPr>
         </p:nvSpPr>
         <p:spPr/>
         <p:txBody>
-          <a:bodyPr/>
-          <a:lstStyle/>
-          <a:p>
-            <a:endParaRPr lang="en-US"/>
-          </a:p>
-        </p:txBody>
-      </p:sp>
-      <p:sp>
-        <p:nvSpPr>
-          <p:cNvPr id="9" name="Slide Number Placeholder 8"/>
-          <p:cNvSpPr>
-            <a:spLocks noGrp="1"/>
-          </p:cNvSpPr>
-          <p:nvPr>
-            <p:ph type="sldNum" sz="quarter" idx="12"/>
-          </p:nvPr>
-        </p:nvSpPr>
-        <p:spPr/>
-        <p:txBody>
-          <a:bodyPr/>
+          <a:bodyPr rtlCol="0"/>
           <a:lstStyle/>
           <a:p>
             <a:fld id="{C167EAE1-8CCC-4105-B513-1057695FDB6D}" type="slidenum">
@@ -1812,12 +1969,108 @@
           </a:p>
         </p:txBody>
       </p:sp>
+      <p:sp>
+        <p:nvSpPr>
+          <p:cNvPr id="14" name="Footer Placeholder 13"/>
+          <p:cNvSpPr>
+            <a:spLocks noGrp="1"/>
+          </p:cNvSpPr>
+          <p:nvPr>
+            <p:ph type="ftr" sz="quarter" idx="17"/>
+          </p:nvPr>
+        </p:nvSpPr>
+        <p:spPr/>
+        <p:txBody>
+          <a:bodyPr rtlCol="0"/>
+          <a:lstStyle/>
+          <a:p>
+            <a:endParaRPr lang="en-US"/>
+          </a:p>
+        </p:txBody>
+      </p:sp>
+      <p:sp>
+        <p:nvSpPr>
+          <p:cNvPr id="16" name="Text Placeholder 15"/>
+          <p:cNvSpPr>
+            <a:spLocks noGrp="1"/>
+          </p:cNvSpPr>
+          <p:nvPr>
+            <p:ph type="body" sz="quarter" idx="1"/>
+          </p:nvPr>
+        </p:nvSpPr>
+        <p:spPr>
+          <a:xfrm>
+            <a:off x="609600" y="1752600"/>
+            <a:ext cx="3886200" cy="640080"/>
+          </a:xfrm>
+          <a:solidFill>
+            <a:schemeClr val="accent2"/>
+          </a:solidFill>
+        </p:spPr>
+        <p:txBody>
+          <a:bodyPr rtlCol="0" anchor="ctr"/>
+          <a:lstStyle>
+            <a:lvl1pPr marL="0" indent="0">
+              <a:buFontTx/>
+              <a:buNone/>
+              <a:defRPr sz="2000" b="1">
+                <a:solidFill>
+                  <a:srgbClr val="FFFFFF"/>
+                </a:solidFill>
+              </a:defRPr>
+            </a:lvl1pPr>
+          </a:lstStyle>
+          <a:p>
+            <a:pPr lvl="0" eaLnBrk="1" latinLnBrk="0" hangingPunct="1"/>
+            <a:r>
+              <a:rPr kumimoji="0" lang="en-US" smtClean="0"/>
+              <a:t>Click to edit Master text styles</a:t>
+            </a:r>
+          </a:p>
+        </p:txBody>
+      </p:sp>
+      <p:sp>
+        <p:nvSpPr>
+          <p:cNvPr id="15" name="Text Placeholder 14"/>
+          <p:cNvSpPr>
+            <a:spLocks noGrp="1"/>
+          </p:cNvSpPr>
+          <p:nvPr>
+            <p:ph type="body" sz="quarter" idx="3"/>
+          </p:nvPr>
+        </p:nvSpPr>
+        <p:spPr>
+          <a:xfrm>
+            <a:off x="4800600" y="1752600"/>
+            <a:ext cx="3886200" cy="640080"/>
+          </a:xfrm>
+          <a:solidFill>
+            <a:schemeClr val="accent4"/>
+          </a:solidFill>
+        </p:spPr>
+        <p:txBody>
+          <a:bodyPr rtlCol="0" anchor="ctr"/>
+          <a:lstStyle>
+            <a:lvl1pPr marL="0" indent="0">
+              <a:buFontTx/>
+              <a:buNone/>
+              <a:defRPr sz="2000" b="1">
+                <a:solidFill>
+                  <a:srgbClr val="FFFFFF"/>
+                </a:solidFill>
+              </a:defRPr>
+            </a:lvl1pPr>
+          </a:lstStyle>
+          <a:p>
+            <a:pPr lvl="0" eaLnBrk="1" latinLnBrk="0" hangingPunct="1"/>
+            <a:r>
+              <a:rPr kumimoji="0" lang="en-US" smtClean="0"/>
+              <a:t>Click to edit Master text styles</a:t>
+            </a:r>
+          </a:p>
+        </p:txBody>
+      </p:sp>
     </p:spTree>
-    <p:extLst>
-      <p:ext uri="{BB962C8B-B14F-4D97-AF65-F5344CB8AC3E}">
-        <p14:creationId xmlns:p14="http://schemas.microsoft.com/office/powerpoint/2010/main" val="3776130316"/>
-      </p:ext>
-    </p:extLst>
   </p:cSld>
   <p:clrMapOvr>
     <a:masterClrMapping/>
@@ -1858,10 +2111,10 @@
           <a:lstStyle/>
           <a:p>
             <a:r>
-              <a:rPr lang="en-US" smtClean="0"/>
+              <a:rPr kumimoji="0" lang="en-US" smtClean="0"/>
               <a:t>Click to edit Master title style</a:t>
             </a:r>
-            <a:endParaRPr lang="en-US"/>
+            <a:endParaRPr kumimoji="0" lang="en-US"/>
           </a:p>
         </p:txBody>
       </p:sp>
@@ -1920,7 +2173,15 @@
         <p:spPr/>
         <p:txBody>
           <a:bodyPr/>
-          <a:lstStyle/>
+          <a:lstStyle>
+            <a:lvl1pPr>
+              <a:defRPr>
+                <a:solidFill>
+                  <a:srgbClr val="FFFFFF"/>
+                </a:solidFill>
+              </a:defRPr>
+            </a:lvl1pPr>
+          </a:lstStyle>
           <a:p>
             <a:fld id="{C167EAE1-8CCC-4105-B513-1057695FDB6D}" type="slidenum">
               <a:rPr lang="en-US" smtClean="0"/>
@@ -1931,11 +2192,6 @@
         </p:txBody>
       </p:sp>
     </p:spTree>
-    <p:extLst>
-      <p:ext uri="{BB962C8B-B14F-4D97-AF65-F5344CB8AC3E}">
-        <p14:creationId xmlns:p14="http://schemas.microsoft.com/office/powerpoint/2010/main" val="1840940212"/>
-      </p:ext>
-    </p:extLst>
   </p:cSld>
   <p:clrMapOvr>
     <a:masterClrMapping/>
@@ -1944,7 +2200,7 @@
 </file>
 
 <file path=ppt/slideLayouts/slideLayout7.xml><?xml version="1.0" encoding="utf-8"?>
-<p:sldLayout xmlns:a="http://schemas.openxmlformats.org/drawingml/2006/main" xmlns:r="http://schemas.openxmlformats.org/officeDocument/2006/relationships" xmlns:p="http://schemas.openxmlformats.org/presentationml/2006/main" type="blank" preserve="1">
+<p:sldLayout xmlns:a="http://schemas.openxmlformats.org/drawingml/2006/main" xmlns:r="http://schemas.openxmlformats.org/officeDocument/2006/relationships" xmlns:p="http://schemas.openxmlformats.org/presentationml/2006/main" showMasterSp="0" type="blank" preserve="1">
   <p:cSld name="Blank">
     <p:spTree>
       <p:nvGrpSpPr>
@@ -2012,10 +2268,23 @@
             <p:ph type="sldNum" sz="quarter" idx="12"/>
           </p:nvPr>
         </p:nvSpPr>
-        <p:spPr/>
+        <p:spPr>
+          <a:xfrm>
+            <a:off x="0" y="6248400"/>
+            <a:ext cx="533400" cy="381000"/>
+          </a:xfrm>
+        </p:spPr>
         <p:txBody>
           <a:bodyPr/>
-          <a:lstStyle/>
+          <a:lstStyle>
+            <a:lvl1pPr>
+              <a:defRPr>
+                <a:solidFill>
+                  <a:schemeClr val="tx2"/>
+                </a:solidFill>
+              </a:defRPr>
+            </a:lvl1pPr>
+          </a:lstStyle>
           <a:p>
             <a:fld id="{C167EAE1-8CCC-4105-B513-1057695FDB6D}" type="slidenum">
               <a:rPr lang="en-US" smtClean="0"/>
@@ -2026,11 +2295,6 @@
         </p:txBody>
       </p:sp>
     </p:spTree>
-    <p:extLst>
-      <p:ext uri="{BB962C8B-B14F-4D97-AF65-F5344CB8AC3E}">
-        <p14:creationId xmlns:p14="http://schemas.microsoft.com/office/powerpoint/2010/main" val="1875300719"/>
-      </p:ext>
-    </p:extLst>
   </p:cSld>
   <p:clrMapOvr>
     <a:masterClrMapping/>
@@ -2067,171 +2331,169 @@
         </p:nvSpPr>
         <p:spPr>
           <a:xfrm>
-            <a:off x="457200" y="273050"/>
-            <a:ext cx="3008313" cy="1162050"/>
-          </a:xfrm>
-        </p:spPr>
-        <p:txBody>
-          <a:bodyPr anchor="b"/>
+            <a:off x="609600" y="273050"/>
+            <a:ext cx="8077200" cy="869950"/>
+          </a:xfrm>
+        </p:spPr>
+        <p:txBody>
+          <a:bodyPr anchor="ctr"/>
           <a:lstStyle>
             <a:lvl1pPr algn="l">
-              <a:defRPr sz="2000" b="1"/>
+              <a:buNone/>
+              <a:defRPr sz="4400" b="0"/>
             </a:lvl1pPr>
           </a:lstStyle>
           <a:p>
             <a:r>
-              <a:rPr lang="en-US" smtClean="0"/>
+              <a:rPr kumimoji="0" lang="en-US" smtClean="0"/>
               <a:t>Click to edit Master title style</a:t>
             </a:r>
+            <a:endParaRPr kumimoji="0" lang="en-US"/>
+          </a:p>
+        </p:txBody>
+      </p:sp>
+      <p:sp>
+        <p:nvSpPr>
+          <p:cNvPr id="5" name="Date Placeholder 4"/>
+          <p:cNvSpPr>
+            <a:spLocks noGrp="1"/>
+          </p:cNvSpPr>
+          <p:nvPr>
+            <p:ph type="dt" sz="half" idx="10"/>
+          </p:nvPr>
+        </p:nvSpPr>
+        <p:spPr/>
+        <p:txBody>
+          <a:bodyPr/>
+          <a:lstStyle/>
+          <a:p>
+            <a:fld id="{BA035BE2-8B57-421B-A3F0-969438867093}" type="datetimeFigureOut">
+              <a:rPr lang="en-US" smtClean="0"/>
+              <a:t>2/12/2017</a:t>
+            </a:fld>
             <a:endParaRPr lang="en-US"/>
           </a:p>
         </p:txBody>
       </p:sp>
       <p:sp>
         <p:nvSpPr>
-          <p:cNvPr id="3" name="Content Placeholder 2"/>
-          <p:cNvSpPr>
-            <a:spLocks noGrp="1"/>
-          </p:cNvSpPr>
-          <p:nvPr>
-            <p:ph idx="1"/>
-          </p:nvPr>
-        </p:nvSpPr>
-        <p:spPr>
-          <a:xfrm>
-            <a:off x="3575050" y="273050"/>
-            <a:ext cx="5111750" cy="5853113"/>
-          </a:xfrm>
-        </p:spPr>
+          <p:cNvPr id="6" name="Footer Placeholder 5"/>
+          <p:cNvSpPr>
+            <a:spLocks noGrp="1"/>
+          </p:cNvSpPr>
+          <p:nvPr>
+            <p:ph type="ftr" sz="quarter" idx="11"/>
+          </p:nvPr>
+        </p:nvSpPr>
+        <p:spPr/>
+        <p:txBody>
+          <a:bodyPr/>
+          <a:lstStyle/>
+          <a:p>
+            <a:endParaRPr lang="en-US"/>
+          </a:p>
+        </p:txBody>
+      </p:sp>
+      <p:sp>
+        <p:nvSpPr>
+          <p:cNvPr id="7" name="Slide Number Placeholder 6"/>
+          <p:cNvSpPr>
+            <a:spLocks noGrp="1"/>
+          </p:cNvSpPr>
+          <p:nvPr>
+            <p:ph type="sldNum" sz="quarter" idx="12"/>
+          </p:nvPr>
+        </p:nvSpPr>
+        <p:spPr/>
         <p:txBody>
           <a:bodyPr/>
           <a:lstStyle>
             <a:lvl1pPr>
-              <a:defRPr sz="3200"/>
+              <a:defRPr>
+                <a:solidFill>
+                  <a:srgbClr val="FFFFFF"/>
+                </a:solidFill>
+              </a:defRPr>
+            </a:lvl1pPr>
+          </a:lstStyle>
+          <a:p>
+            <a:fld id="{C167EAE1-8CCC-4105-B513-1057695FDB6D}" type="slidenum">
+              <a:rPr lang="en-US" smtClean="0"/>
+              <a:t>‹#›</a:t>
+            </a:fld>
+            <a:endParaRPr lang="en-US"/>
+          </a:p>
+        </p:txBody>
+      </p:sp>
+      <p:sp>
+        <p:nvSpPr>
+          <p:cNvPr id="3" name="Text Placeholder 2"/>
+          <p:cNvSpPr>
+            <a:spLocks noGrp="1"/>
+          </p:cNvSpPr>
+          <p:nvPr>
+            <p:ph type="body" idx="2"/>
+          </p:nvPr>
+        </p:nvSpPr>
+        <p:spPr>
+          <a:xfrm>
+            <a:off x="609600" y="1752600"/>
+            <a:ext cx="1600200" cy="4343400"/>
+          </a:xfrm>
+          <a:ln w="50800" cap="sq" cmpd="dbl" algn="ctr">
+            <a:solidFill>
+              <a:schemeClr val="accent2"/>
+            </a:solidFill>
+            <a:prstDash val="solid"/>
+            <a:miter lim="800000"/>
+          </a:ln>
+          <a:effectLst/>
+        </p:spPr>
+        <p:style>
+          <a:lnRef idx="3">
+            <a:schemeClr val="lt1"/>
+          </a:lnRef>
+          <a:fillRef idx="1">
+            <a:schemeClr val="accent2"/>
+          </a:fillRef>
+          <a:effectRef idx="1">
+            <a:schemeClr val="accent2"/>
+          </a:effectRef>
+          <a:fontRef idx="minor">
+            <a:schemeClr val="lt1"/>
+          </a:fontRef>
+        </p:style>
+        <p:txBody>
+          <a:bodyPr lIns="137160" tIns="182880" rIns="137160" bIns="91440"/>
+          <a:lstStyle>
+            <a:lvl1pPr marL="0" indent="0">
+              <a:spcAft>
+                <a:spcPts val="1000"/>
+              </a:spcAft>
+              <a:buNone/>
+              <a:defRPr sz="1800"/>
             </a:lvl1pPr>
             <a:lvl2pPr>
-              <a:defRPr sz="2800"/>
-            </a:lvl2pPr>
-            <a:lvl3pPr>
-              <a:defRPr sz="2400"/>
-            </a:lvl3pPr>
-            <a:lvl4pPr>
-              <a:defRPr sz="2000"/>
-            </a:lvl4pPr>
-            <a:lvl5pPr>
-              <a:defRPr sz="2000"/>
-            </a:lvl5pPr>
-            <a:lvl6pPr>
-              <a:defRPr sz="2000"/>
-            </a:lvl6pPr>
-            <a:lvl7pPr>
-              <a:defRPr sz="2000"/>
-            </a:lvl7pPr>
-            <a:lvl8pPr>
-              <a:defRPr sz="2000"/>
-            </a:lvl8pPr>
-            <a:lvl9pPr>
-              <a:defRPr sz="2000"/>
-            </a:lvl9pPr>
-          </a:lstStyle>
-          <a:p>
-            <a:pPr lvl="0"/>
-            <a:r>
-              <a:rPr lang="en-US" smtClean="0"/>
-              <a:t>Click to edit Master text styles</a:t>
-            </a:r>
-          </a:p>
-          <a:p>
-            <a:pPr lvl="1"/>
-            <a:r>
-              <a:rPr lang="en-US" smtClean="0"/>
-              <a:t>Second level</a:t>
-            </a:r>
-          </a:p>
-          <a:p>
-            <a:pPr lvl="2"/>
-            <a:r>
-              <a:rPr lang="en-US" smtClean="0"/>
-              <a:t>Third level</a:t>
-            </a:r>
-          </a:p>
-          <a:p>
-            <a:pPr lvl="3"/>
-            <a:r>
-              <a:rPr lang="en-US" smtClean="0"/>
-              <a:t>Fourth level</a:t>
-            </a:r>
-          </a:p>
-          <a:p>
-            <a:pPr lvl="4"/>
-            <a:r>
-              <a:rPr lang="en-US" smtClean="0"/>
-              <a:t>Fifth level</a:t>
-            </a:r>
-            <a:endParaRPr lang="en-US"/>
-          </a:p>
-        </p:txBody>
-      </p:sp>
-      <p:sp>
-        <p:nvSpPr>
-          <p:cNvPr id="4" name="Text Placeholder 3"/>
-          <p:cNvSpPr>
-            <a:spLocks noGrp="1"/>
-          </p:cNvSpPr>
-          <p:nvPr>
-            <p:ph type="body" sz="half" idx="2"/>
-          </p:nvPr>
-        </p:nvSpPr>
-        <p:spPr>
-          <a:xfrm>
-            <a:off x="457200" y="1435100"/>
-            <a:ext cx="3008313" cy="4691063"/>
-          </a:xfrm>
-        </p:spPr>
-        <p:txBody>
-          <a:bodyPr/>
-          <a:lstStyle>
-            <a:lvl1pPr marL="0" indent="0">
-              <a:buNone/>
-              <a:defRPr sz="1400"/>
-            </a:lvl1pPr>
-            <a:lvl2pPr marL="457200" indent="0">
               <a:buNone/>
               <a:defRPr sz="1200"/>
             </a:lvl2pPr>
-            <a:lvl3pPr marL="914400" indent="0">
+            <a:lvl3pPr>
               <a:buNone/>
               <a:defRPr sz="1000"/>
             </a:lvl3pPr>
-            <a:lvl4pPr marL="1371600" indent="0">
+            <a:lvl4pPr>
               <a:buNone/>
               <a:defRPr sz="900"/>
             </a:lvl4pPr>
-            <a:lvl5pPr marL="1828800" indent="0">
+            <a:lvl5pPr>
               <a:buNone/>
               <a:defRPr sz="900"/>
             </a:lvl5pPr>
-            <a:lvl6pPr marL="2286000" indent="0">
-              <a:buNone/>
-              <a:defRPr sz="900"/>
-            </a:lvl6pPr>
-            <a:lvl7pPr marL="2743200" indent="0">
-              <a:buNone/>
-              <a:defRPr sz="900"/>
-            </a:lvl7pPr>
-            <a:lvl8pPr marL="3200400" indent="0">
-              <a:buNone/>
-              <a:defRPr sz="900"/>
-            </a:lvl8pPr>
-            <a:lvl9pPr marL="3657600" indent="0">
-              <a:buNone/>
-              <a:defRPr sz="900"/>
-            </a:lvl9pPr>
           </a:lstStyle>
           <a:p>
-            <a:pPr lvl="0"/>
-            <a:r>
-              <a:rPr lang="en-US" smtClean="0"/>
+            <a:pPr lvl="0" eaLnBrk="1" latinLnBrk="0" hangingPunct="1"/>
+            <a:r>
+              <a:rPr kumimoji="0" lang="en-US" smtClean="0"/>
               <a:t>Click to edit Master text styles</a:t>
             </a:r>
           </a:p>
@@ -2239,75 +2501,62 @@
       </p:sp>
       <p:sp>
         <p:nvSpPr>
-          <p:cNvPr id="5" name="Date Placeholder 4"/>
-          <p:cNvSpPr>
-            <a:spLocks noGrp="1"/>
-          </p:cNvSpPr>
-          <p:nvPr>
-            <p:ph type="dt" sz="half" idx="10"/>
-          </p:nvPr>
-        </p:nvSpPr>
-        <p:spPr/>
+          <p:cNvPr id="9" name="Content Placeholder 8"/>
+          <p:cNvSpPr>
+            <a:spLocks noGrp="1"/>
+          </p:cNvSpPr>
+          <p:nvPr>
+            <p:ph sz="quarter" idx="1"/>
+          </p:nvPr>
+        </p:nvSpPr>
+        <p:spPr>
+          <a:xfrm>
+            <a:off x="2362200" y="1752600"/>
+            <a:ext cx="6400800" cy="4419600"/>
+          </a:xfrm>
+        </p:spPr>
         <p:txBody>
           <a:bodyPr/>
           <a:lstStyle/>
           <a:p>
-            <a:fld id="{BA035BE2-8B57-421B-A3F0-969438867093}" type="datetimeFigureOut">
-              <a:rPr lang="en-US" smtClean="0"/>
-              <a:t>2/12/2017</a:t>
-            </a:fld>
-            <a:endParaRPr lang="en-US"/>
-          </a:p>
-        </p:txBody>
-      </p:sp>
-      <p:sp>
-        <p:nvSpPr>
-          <p:cNvPr id="6" name="Footer Placeholder 5"/>
-          <p:cNvSpPr>
-            <a:spLocks noGrp="1"/>
-          </p:cNvSpPr>
-          <p:nvPr>
-            <p:ph type="ftr" sz="quarter" idx="11"/>
-          </p:nvPr>
-        </p:nvSpPr>
-        <p:spPr/>
-        <p:txBody>
-          <a:bodyPr/>
-          <a:lstStyle/>
-          <a:p>
-            <a:endParaRPr lang="en-US"/>
-          </a:p>
-        </p:txBody>
-      </p:sp>
-      <p:sp>
-        <p:nvSpPr>
-          <p:cNvPr id="7" name="Slide Number Placeholder 6"/>
-          <p:cNvSpPr>
-            <a:spLocks noGrp="1"/>
-          </p:cNvSpPr>
-          <p:nvPr>
-            <p:ph type="sldNum" sz="quarter" idx="12"/>
-          </p:nvPr>
-        </p:nvSpPr>
-        <p:spPr/>
-        <p:txBody>
-          <a:bodyPr/>
-          <a:lstStyle/>
-          <a:p>
-            <a:fld id="{C167EAE1-8CCC-4105-B513-1057695FDB6D}" type="slidenum">
-              <a:rPr lang="en-US" smtClean="0"/>
-              <a:t>‹#›</a:t>
-            </a:fld>
-            <a:endParaRPr lang="en-US"/>
+            <a:pPr lvl="0" eaLnBrk="1" latinLnBrk="0" hangingPunct="1"/>
+            <a:r>
+              <a:rPr lang="en-US" smtClean="0"/>
+              <a:t>Click to edit Master text styles</a:t>
+            </a:r>
+          </a:p>
+          <a:p>
+            <a:pPr lvl="1" eaLnBrk="1" latinLnBrk="0" hangingPunct="1"/>
+            <a:r>
+              <a:rPr lang="en-US" smtClean="0"/>
+              <a:t>Second level</a:t>
+            </a:r>
+          </a:p>
+          <a:p>
+            <a:pPr lvl="2" eaLnBrk="1" latinLnBrk="0" hangingPunct="1"/>
+            <a:r>
+              <a:rPr lang="en-US" smtClean="0"/>
+              <a:t>Third level</a:t>
+            </a:r>
+          </a:p>
+          <a:p>
+            <a:pPr lvl="3" eaLnBrk="1" latinLnBrk="0" hangingPunct="1"/>
+            <a:r>
+              <a:rPr lang="en-US" smtClean="0"/>
+              <a:t>Fourth level</a:t>
+            </a:r>
+          </a:p>
+          <a:p>
+            <a:pPr lvl="4" eaLnBrk="1" latinLnBrk="0" hangingPunct="1"/>
+            <a:r>
+              <a:rPr lang="en-US" smtClean="0"/>
+              <a:t>Fifth level</a:t>
+            </a:r>
+            <a:endParaRPr kumimoji="0" lang="en-US"/>
           </a:p>
         </p:txBody>
       </p:sp>
     </p:spTree>
-    <p:extLst>
-      <p:ext uri="{BB962C8B-B14F-4D97-AF65-F5344CB8AC3E}">
-        <p14:creationId xmlns:p14="http://schemas.microsoft.com/office/powerpoint/2010/main" val="1496835346"/>
-      </p:ext>
-    </p:extLst>
   </p:cSld>
   <p:clrMapOvr>
     <a:masterClrMapping/>
@@ -2316,8 +2565,13 @@
 </file>
 
 <file path=ppt/slideLayouts/slideLayout9.xml><?xml version="1.0" encoding="utf-8"?>
-<p:sldLayout xmlns:a="http://schemas.openxmlformats.org/drawingml/2006/main" xmlns:r="http://schemas.openxmlformats.org/officeDocument/2006/relationships" xmlns:p="http://schemas.openxmlformats.org/presentationml/2006/main" type="picTx" preserve="1">
+<p:sldLayout xmlns:a="http://schemas.openxmlformats.org/drawingml/2006/main" xmlns:r="http://schemas.openxmlformats.org/officeDocument/2006/relationships" xmlns:p="http://schemas.openxmlformats.org/presentationml/2006/main" showMasterSp="0" type="picTx" preserve="1">
   <p:cSld name="Picture with Caption">
+    <p:bg>
+      <p:bgRef idx="1003">
+        <a:schemeClr val="bg2"/>
+      </p:bgRef>
+    </p:bg>
     <p:spTree>
       <p:nvGrpSpPr>
         <p:cNvPr id="1" name=""/>
@@ -2334,51 +2588,390 @@
       </p:grpSpPr>
       <p:sp>
         <p:nvSpPr>
-          <p:cNvPr id="2" name="Title 1"/>
-          <p:cNvSpPr>
-            <a:spLocks noGrp="1"/>
-          </p:cNvSpPr>
-          <p:nvPr>
-            <p:ph type="title"/>
+          <p:cNvPr id="4" name="Text Placeholder 3"/>
+          <p:cNvSpPr>
+            <a:spLocks noGrp="1"/>
+          </p:cNvSpPr>
+          <p:nvPr>
+            <p:ph type="body" sz="half" idx="2"/>
           </p:nvPr>
         </p:nvSpPr>
         <p:spPr>
           <a:xfrm>
-            <a:off x="1792288" y="4800600"/>
-            <a:ext cx="5486400" cy="566738"/>
-          </a:xfrm>
-        </p:spPr>
-        <p:txBody>
-          <a:bodyPr anchor="b"/>
+            <a:off x="1600200" y="5486400"/>
+            <a:ext cx="7315200" cy="685800"/>
+          </a:xfrm>
+        </p:spPr>
+        <p:txBody>
+          <a:bodyPr/>
+          <a:lstStyle>
+            <a:lvl1pPr marL="0" indent="0">
+              <a:buFontTx/>
+              <a:buNone/>
+              <a:defRPr sz="1700"/>
+            </a:lvl1pPr>
+            <a:lvl2pPr>
+              <a:buFontTx/>
+              <a:buNone/>
+              <a:defRPr sz="1200"/>
+            </a:lvl2pPr>
+            <a:lvl3pPr>
+              <a:buFontTx/>
+              <a:buNone/>
+              <a:defRPr sz="1000"/>
+            </a:lvl3pPr>
+            <a:lvl4pPr>
+              <a:buFontTx/>
+              <a:buNone/>
+              <a:defRPr sz="900"/>
+            </a:lvl4pPr>
+            <a:lvl5pPr>
+              <a:buFontTx/>
+              <a:buNone/>
+              <a:defRPr sz="900"/>
+            </a:lvl5pPr>
+          </a:lstStyle>
+          <a:p>
+            <a:pPr lvl="0" eaLnBrk="1" latinLnBrk="0" hangingPunct="1"/>
+            <a:r>
+              <a:rPr kumimoji="0" lang="en-US" smtClean="0"/>
+              <a:t>Click to edit Master text styles</a:t>
+            </a:r>
+          </a:p>
+        </p:txBody>
+      </p:sp>
+      <p:sp>
+        <p:nvSpPr>
+          <p:cNvPr id="8" name="Rectangle 7"/>
+          <p:cNvSpPr/>
+          <p:nvPr/>
+        </p:nvSpPr>
+        <p:spPr bwMode="white">
+          <a:xfrm>
+            <a:off x="-9144" y="4572000"/>
+            <a:ext cx="9144000" cy="886968"/>
+          </a:xfrm>
+          <a:prstGeom prst="rect">
+            <a:avLst/>
+          </a:prstGeom>
+          <a:solidFill>
+            <a:srgbClr val="FFFFFF"/>
+          </a:solidFill>
+          <a:ln w="50800" cap="rnd" cmpd="dbl" algn="ctr">
+            <a:noFill/>
+            <a:prstDash val="solid"/>
+          </a:ln>
+          <a:effectLst/>
+        </p:spPr>
+        <p:style>
+          <a:lnRef idx="3">
+            <a:schemeClr val="lt1"/>
+          </a:lnRef>
+          <a:fillRef idx="1">
+            <a:schemeClr val="accent1"/>
+          </a:fillRef>
+          <a:effectRef idx="1">
+            <a:schemeClr val="accent1"/>
+          </a:effectRef>
+          <a:fontRef idx="minor">
+            <a:schemeClr val="lt1"/>
+          </a:fontRef>
+        </p:style>
+        <p:txBody>
+          <a:bodyPr anchor="ctr"/>
+          <a:lstStyle/>
+          <a:p>
+            <a:pPr algn="ctr" eaLnBrk="1" latinLnBrk="0" hangingPunct="1"/>
+            <a:endParaRPr kumimoji="0" lang="en-US"/>
+          </a:p>
+        </p:txBody>
+      </p:sp>
+      <p:sp>
+        <p:nvSpPr>
+          <p:cNvPr id="9" name="Rectangle 8"/>
+          <p:cNvSpPr/>
+          <p:nvPr/>
+        </p:nvSpPr>
+        <p:spPr>
+          <a:xfrm>
+            <a:off x="-9144" y="4663440"/>
+            <a:ext cx="1463040" cy="713232"/>
+          </a:xfrm>
+          <a:prstGeom prst="rect">
+            <a:avLst/>
+          </a:prstGeom>
+          <a:solidFill>
+            <a:schemeClr val="accent2">
+              <a:alpha val="100000"/>
+            </a:schemeClr>
+          </a:solidFill>
+          <a:ln w="50800" cap="rnd" cmpd="dbl" algn="ctr">
+            <a:noFill/>
+            <a:prstDash val="solid"/>
+          </a:ln>
+          <a:effectLst/>
+        </p:spPr>
+        <p:style>
+          <a:lnRef idx="3">
+            <a:schemeClr val="lt1"/>
+          </a:lnRef>
+          <a:fillRef idx="1">
+            <a:schemeClr val="accent1"/>
+          </a:fillRef>
+          <a:effectRef idx="1">
+            <a:schemeClr val="accent1"/>
+          </a:effectRef>
+          <a:fontRef idx="minor">
+            <a:schemeClr val="lt1"/>
+          </a:fontRef>
+        </p:style>
+        <p:txBody>
+          <a:bodyPr anchor="ctr"/>
+          <a:lstStyle/>
+          <a:p>
+            <a:pPr algn="ctr" eaLnBrk="1" latinLnBrk="0" hangingPunct="1"/>
+            <a:endParaRPr kumimoji="0" lang="en-US"/>
+          </a:p>
+        </p:txBody>
+      </p:sp>
+      <p:sp>
+        <p:nvSpPr>
+          <p:cNvPr id="10" name="Rectangle 9"/>
+          <p:cNvSpPr/>
+          <p:nvPr/>
+        </p:nvSpPr>
+        <p:spPr>
+          <a:xfrm>
+            <a:off x="1545336" y="4654296"/>
+            <a:ext cx="7598664" cy="713232"/>
+          </a:xfrm>
+          <a:prstGeom prst="rect">
+            <a:avLst/>
+          </a:prstGeom>
+          <a:solidFill>
+            <a:schemeClr val="accent1">
+              <a:alpha val="100000"/>
+            </a:schemeClr>
+          </a:solidFill>
+          <a:ln w="50800" cap="rnd" cmpd="dbl" algn="ctr">
+            <a:noFill/>
+            <a:prstDash val="solid"/>
+          </a:ln>
+          <a:effectLst/>
+        </p:spPr>
+        <p:style>
+          <a:lnRef idx="3">
+            <a:schemeClr val="lt1"/>
+          </a:lnRef>
+          <a:fillRef idx="1">
+            <a:schemeClr val="accent1"/>
+          </a:fillRef>
+          <a:effectRef idx="1">
+            <a:schemeClr val="accent1"/>
+          </a:effectRef>
+          <a:fontRef idx="minor">
+            <a:schemeClr val="lt1"/>
+          </a:fontRef>
+        </p:style>
+        <p:txBody>
+          <a:bodyPr anchor="ctr"/>
+          <a:lstStyle/>
+          <a:p>
+            <a:pPr algn="ctr" eaLnBrk="1" latinLnBrk="0" hangingPunct="1"/>
+            <a:endParaRPr kumimoji="0" lang="en-US"/>
+          </a:p>
+        </p:txBody>
+      </p:sp>
+      <p:sp>
+        <p:nvSpPr>
+          <p:cNvPr id="2" name="Title 1"/>
+          <p:cNvSpPr>
+            <a:spLocks noGrp="1"/>
+          </p:cNvSpPr>
+          <p:nvPr>
+            <p:ph type="title"/>
+          </p:nvPr>
+        </p:nvSpPr>
+        <p:spPr>
+          <a:xfrm>
+            <a:off x="1600200" y="4648200"/>
+            <a:ext cx="7315200" cy="685800"/>
+          </a:xfrm>
+        </p:spPr>
+        <p:txBody>
+          <a:bodyPr anchor="ctr"/>
           <a:lstStyle>
             <a:lvl1pPr algn="l">
-              <a:defRPr sz="2000" b="1"/>
+              <a:buNone/>
+              <a:defRPr sz="2800" b="0">
+                <a:solidFill>
+                  <a:srgbClr val="FFFFFF"/>
+                </a:solidFill>
+              </a:defRPr>
             </a:lvl1pPr>
           </a:lstStyle>
           <a:p>
             <a:r>
-              <a:rPr lang="en-US" smtClean="0"/>
+              <a:rPr kumimoji="0" lang="en-US" smtClean="0"/>
               <a:t>Click to edit Master title style</a:t>
             </a:r>
-            <a:endParaRPr lang="en-US"/>
-          </a:p>
-        </p:txBody>
-      </p:sp>
-      <p:sp>
-        <p:nvSpPr>
-          <p:cNvPr id="3" name="Picture Placeholder 2"/>
-          <p:cNvSpPr>
-            <a:spLocks noGrp="1"/>
-          </p:cNvSpPr>
-          <p:nvPr>
-            <p:ph type="pic" idx="1"/>
+            <a:endParaRPr kumimoji="0" lang="en-US"/>
+          </a:p>
+        </p:txBody>
+      </p:sp>
+      <p:sp>
+        <p:nvSpPr>
+          <p:cNvPr id="11" name="Rectangle 10"/>
+          <p:cNvSpPr/>
+          <p:nvPr/>
+        </p:nvSpPr>
+        <p:spPr bwMode="white">
+          <a:xfrm>
+            <a:off x="1447800" y="0"/>
+            <a:ext cx="100584" cy="6867144"/>
+          </a:xfrm>
+          <a:prstGeom prst="rect">
+            <a:avLst/>
+          </a:prstGeom>
+          <a:solidFill>
+            <a:srgbClr val="FFFFFF"/>
+          </a:solidFill>
+          <a:ln w="50800" cap="rnd" cmpd="dbl" algn="ctr">
+            <a:noFill/>
+            <a:prstDash val="solid"/>
+          </a:ln>
+          <a:effectLst/>
+        </p:spPr>
+        <p:style>
+          <a:lnRef idx="3">
+            <a:schemeClr val="lt1"/>
+          </a:lnRef>
+          <a:fillRef idx="1">
+            <a:schemeClr val="accent1"/>
+          </a:fillRef>
+          <a:effectRef idx="1">
+            <a:schemeClr val="accent1"/>
+          </a:effectRef>
+          <a:fontRef idx="minor">
+            <a:schemeClr val="lt1"/>
+          </a:fontRef>
+        </p:style>
+        <p:txBody>
+          <a:bodyPr anchor="ctr"/>
+          <a:lstStyle/>
+          <a:p>
+            <a:pPr algn="ctr" eaLnBrk="1" latinLnBrk="0" hangingPunct="1"/>
+            <a:endParaRPr kumimoji="0" lang="en-US"/>
+          </a:p>
+        </p:txBody>
+      </p:sp>
+      <p:sp>
+        <p:nvSpPr>
+          <p:cNvPr id="12" name="Date Placeholder 11"/>
+          <p:cNvSpPr>
+            <a:spLocks noGrp="1"/>
+          </p:cNvSpPr>
+          <p:nvPr>
+            <p:ph type="dt" sz="half" idx="10"/>
           </p:nvPr>
         </p:nvSpPr>
         <p:spPr>
           <a:xfrm>
-            <a:off x="1792288" y="612775"/>
-            <a:ext cx="5486400" cy="4114800"/>
-          </a:xfrm>
+            <a:off x="6248400" y="6248400"/>
+            <a:ext cx="2667000" cy="365125"/>
+          </a:xfrm>
+        </p:spPr>
+        <p:txBody>
+          <a:bodyPr rtlCol="0"/>
+          <a:lstStyle/>
+          <a:p>
+            <a:fld id="{BA035BE2-8B57-421B-A3F0-969438867093}" type="datetimeFigureOut">
+              <a:rPr lang="en-US" smtClean="0"/>
+              <a:t>2/12/2017</a:t>
+            </a:fld>
+            <a:endParaRPr lang="en-US"/>
+          </a:p>
+        </p:txBody>
+      </p:sp>
+      <p:sp>
+        <p:nvSpPr>
+          <p:cNvPr id="13" name="Slide Number Placeholder 12"/>
+          <p:cNvSpPr>
+            <a:spLocks noGrp="1"/>
+          </p:cNvSpPr>
+          <p:nvPr>
+            <p:ph type="sldNum" sz="quarter" idx="11"/>
+          </p:nvPr>
+        </p:nvSpPr>
+        <p:spPr>
+          <a:xfrm>
+            <a:off x="0" y="4667249"/>
+            <a:ext cx="1447800" cy="663578"/>
+          </a:xfrm>
+        </p:spPr>
+        <p:txBody>
+          <a:bodyPr rtlCol="0"/>
+          <a:lstStyle>
+            <a:lvl1pPr>
+              <a:defRPr sz="2800"/>
+            </a:lvl1pPr>
+          </a:lstStyle>
+          <a:p>
+            <a:fld id="{C167EAE1-8CCC-4105-B513-1057695FDB6D}" type="slidenum">
+              <a:rPr lang="en-US" smtClean="0"/>
+              <a:t>‹#›</a:t>
+            </a:fld>
+            <a:endParaRPr lang="en-US"/>
+          </a:p>
+        </p:txBody>
+      </p:sp>
+      <p:sp>
+        <p:nvSpPr>
+          <p:cNvPr id="14" name="Footer Placeholder 13"/>
+          <p:cNvSpPr>
+            <a:spLocks noGrp="1"/>
+          </p:cNvSpPr>
+          <p:nvPr>
+            <p:ph type="ftr" sz="quarter" idx="12"/>
+          </p:nvPr>
+        </p:nvSpPr>
+        <p:spPr>
+          <a:xfrm>
+            <a:off x="1600200" y="6248206"/>
+            <a:ext cx="4572000" cy="365125"/>
+          </a:xfrm>
+        </p:spPr>
+        <p:txBody>
+          <a:bodyPr rtlCol="0"/>
+          <a:lstStyle/>
+          <a:p>
+            <a:endParaRPr lang="en-US"/>
+          </a:p>
+        </p:txBody>
+      </p:sp>
+      <p:sp>
+        <p:nvSpPr>
+          <p:cNvPr id="3" name="Picture Placeholder 2"/>
+          <p:cNvSpPr>
+            <a:spLocks noGrp="1"/>
+          </p:cNvSpPr>
+          <p:nvPr>
+            <p:ph type="pic" idx="1"/>
+          </p:nvPr>
+        </p:nvSpPr>
+        <p:spPr>
+          <a:xfrm>
+            <a:off x="1560576" y="0"/>
+            <a:ext cx="7583424" cy="4568952"/>
+          </a:xfrm>
+          <a:solidFill>
+            <a:schemeClr val="accent1">
+              <a:tint val="40000"/>
+            </a:schemeClr>
+          </a:solidFill>
+          <a:ln>
+            <a:noFill/>
+          </a:ln>
         </p:spPr>
         <p:txBody>
           <a:bodyPr/>
@@ -2387,183 +2980,20 @@
               <a:buNone/>
               <a:defRPr sz="3200"/>
             </a:lvl1pPr>
-            <a:lvl2pPr marL="457200" indent="0">
-              <a:buNone/>
-              <a:defRPr sz="2800"/>
-            </a:lvl2pPr>
-            <a:lvl3pPr marL="914400" indent="0">
-              <a:buNone/>
-              <a:defRPr sz="2400"/>
-            </a:lvl3pPr>
-            <a:lvl4pPr marL="1371600" indent="0">
-              <a:buNone/>
-              <a:defRPr sz="2000"/>
-            </a:lvl4pPr>
-            <a:lvl5pPr marL="1828800" indent="0">
-              <a:buNone/>
-              <a:defRPr sz="2000"/>
-            </a:lvl5pPr>
-            <a:lvl6pPr marL="2286000" indent="0">
-              <a:buNone/>
-              <a:defRPr sz="2000"/>
-            </a:lvl6pPr>
-            <a:lvl7pPr marL="2743200" indent="0">
-              <a:buNone/>
-              <a:defRPr sz="2000"/>
-            </a:lvl7pPr>
-            <a:lvl8pPr marL="3200400" indent="0">
-              <a:buNone/>
-              <a:defRPr sz="2000"/>
-            </a:lvl8pPr>
-            <a:lvl9pPr marL="3657600" indent="0">
-              <a:buNone/>
-              <a:defRPr sz="2000"/>
-            </a:lvl9pPr>
           </a:lstStyle>
           <a:p>
-            <a:endParaRPr lang="en-US"/>
-          </a:p>
-        </p:txBody>
-      </p:sp>
-      <p:sp>
-        <p:nvSpPr>
-          <p:cNvPr id="4" name="Text Placeholder 3"/>
-          <p:cNvSpPr>
-            <a:spLocks noGrp="1"/>
-          </p:cNvSpPr>
-          <p:nvPr>
-            <p:ph type="body" sz="half" idx="2"/>
-          </p:nvPr>
-        </p:nvSpPr>
-        <p:spPr>
-          <a:xfrm>
-            <a:off x="1792288" y="5367338"/>
-            <a:ext cx="5486400" cy="804862"/>
-          </a:xfrm>
-        </p:spPr>
-        <p:txBody>
-          <a:bodyPr/>
-          <a:lstStyle>
-            <a:lvl1pPr marL="0" indent="0">
-              <a:buNone/>
-              <a:defRPr sz="1400"/>
-            </a:lvl1pPr>
-            <a:lvl2pPr marL="457200" indent="0">
-              <a:buNone/>
-              <a:defRPr sz="1200"/>
-            </a:lvl2pPr>
-            <a:lvl3pPr marL="914400" indent="0">
-              <a:buNone/>
-              <a:defRPr sz="1000"/>
-            </a:lvl3pPr>
-            <a:lvl4pPr marL="1371600" indent="0">
-              <a:buNone/>
-              <a:defRPr sz="900"/>
-            </a:lvl4pPr>
-            <a:lvl5pPr marL="1828800" indent="0">
-              <a:buNone/>
-              <a:defRPr sz="900"/>
-            </a:lvl5pPr>
-            <a:lvl6pPr marL="2286000" indent="0">
-              <a:buNone/>
-              <a:defRPr sz="900"/>
-            </a:lvl6pPr>
-            <a:lvl7pPr marL="2743200" indent="0">
-              <a:buNone/>
-              <a:defRPr sz="900"/>
-            </a:lvl7pPr>
-            <a:lvl8pPr marL="3200400" indent="0">
-              <a:buNone/>
-              <a:defRPr sz="900"/>
-            </a:lvl8pPr>
-            <a:lvl9pPr marL="3657600" indent="0">
-              <a:buNone/>
-              <a:defRPr sz="900"/>
-            </a:lvl9pPr>
-          </a:lstStyle>
-          <a:p>
-            <a:pPr lvl="0"/>
-            <a:r>
-              <a:rPr lang="en-US" smtClean="0"/>
-              <a:t>Click to edit Master text styles</a:t>
-            </a:r>
-          </a:p>
-        </p:txBody>
-      </p:sp>
-      <p:sp>
-        <p:nvSpPr>
-          <p:cNvPr id="5" name="Date Placeholder 4"/>
-          <p:cNvSpPr>
-            <a:spLocks noGrp="1"/>
-          </p:cNvSpPr>
-          <p:nvPr>
-            <p:ph type="dt" sz="half" idx="10"/>
-          </p:nvPr>
-        </p:nvSpPr>
-        <p:spPr/>
-        <p:txBody>
-          <a:bodyPr/>
-          <a:lstStyle/>
-          <a:p>
-            <a:fld id="{BA035BE2-8B57-421B-A3F0-969438867093}" type="datetimeFigureOut">
-              <a:rPr lang="en-US" smtClean="0"/>
-              <a:t>2/12/2017</a:t>
-            </a:fld>
-            <a:endParaRPr lang="en-US"/>
-          </a:p>
-        </p:txBody>
-      </p:sp>
-      <p:sp>
-        <p:nvSpPr>
-          <p:cNvPr id="6" name="Footer Placeholder 5"/>
-          <p:cNvSpPr>
-            <a:spLocks noGrp="1"/>
-          </p:cNvSpPr>
-          <p:nvPr>
-            <p:ph type="ftr" sz="quarter" idx="11"/>
-          </p:nvPr>
-        </p:nvSpPr>
-        <p:spPr/>
-        <p:txBody>
-          <a:bodyPr/>
-          <a:lstStyle/>
-          <a:p>
-            <a:endParaRPr lang="en-US"/>
-          </a:p>
-        </p:txBody>
-      </p:sp>
-      <p:sp>
-        <p:nvSpPr>
-          <p:cNvPr id="7" name="Slide Number Placeholder 6"/>
-          <p:cNvSpPr>
-            <a:spLocks noGrp="1"/>
-          </p:cNvSpPr>
-          <p:nvPr>
-            <p:ph type="sldNum" sz="quarter" idx="12"/>
-          </p:nvPr>
-        </p:nvSpPr>
-        <p:spPr/>
-        <p:txBody>
-          <a:bodyPr/>
-          <a:lstStyle/>
-          <a:p>
-            <a:fld id="{C167EAE1-8CCC-4105-B513-1057695FDB6D}" type="slidenum">
-              <a:rPr lang="en-US" smtClean="0"/>
-              <a:t>‹#›</a:t>
-            </a:fld>
-            <a:endParaRPr lang="en-US"/>
+            <a:r>
+              <a:rPr kumimoji="0" lang="en-US" smtClean="0"/>
+              <a:t>Click icon to add picture</a:t>
+            </a:r>
+            <a:endParaRPr kumimoji="0" lang="en-US" dirty="0"/>
           </a:p>
         </p:txBody>
       </p:sp>
     </p:spTree>
-    <p:extLst>
-      <p:ext uri="{BB962C8B-B14F-4D97-AF65-F5344CB8AC3E}">
-        <p14:creationId xmlns:p14="http://schemas.microsoft.com/office/powerpoint/2010/main" val="3760485077"/>
-      </p:ext>
-    </p:extLst>
   </p:cSld>
   <p:clrMapOvr>
-    <a:masterClrMapping/>
+    <a:overrideClrMapping bg1="lt1" tx1="dk1" bg2="lt2" tx2="dk2" accent1="accent1" accent2="accent2" accent3="accent3" accent4="accent4" accent5="accent5" accent6="accent6" hlink="hlink" folHlink="folHlink"/>
   </p:clrMapOvr>
 </p:sldLayout>
 </file>
@@ -2592,7 +3022,7 @@
       </p:grpSpPr>
       <p:sp>
         <p:nvSpPr>
-          <p:cNvPr id="2" name="Title Placeholder 1"/>
+          <p:cNvPr id="22" name="Title Placeholder 21"/>
           <p:cNvSpPr>
             <a:spLocks noGrp="1"/>
           </p:cNvSpPr>
@@ -2602,30 +3032,30 @@
         </p:nvSpPr>
         <p:spPr>
           <a:xfrm>
-            <a:off x="457200" y="274638"/>
-            <a:ext cx="8229600" cy="1143000"/>
+            <a:off x="609600" y="228600"/>
+            <a:ext cx="8153400" cy="990600"/>
           </a:xfrm>
           <a:prstGeom prst="rect">
             <a:avLst/>
           </a:prstGeom>
         </p:spPr>
         <p:txBody>
-          <a:bodyPr vert="horz" lIns="91440" tIns="45720" rIns="91440" bIns="45720" rtlCol="0" anchor="ctr">
+          <a:bodyPr vert="horz" anchor="ctr">
             <a:normAutofit/>
           </a:bodyPr>
           <a:lstStyle/>
           <a:p>
             <a:r>
-              <a:rPr lang="en-US" smtClean="0"/>
+              <a:rPr kumimoji="0" lang="en-US" smtClean="0"/>
               <a:t>Click to edit Master title style</a:t>
             </a:r>
-            <a:endParaRPr lang="en-US"/>
-          </a:p>
-        </p:txBody>
-      </p:sp>
-      <p:sp>
-        <p:nvSpPr>
-          <p:cNvPr id="3" name="Text Placeholder 2"/>
+            <a:endParaRPr kumimoji="0" lang="en-US"/>
+          </a:p>
+        </p:txBody>
+      </p:sp>
+      <p:sp>
+        <p:nvSpPr>
+          <p:cNvPr id="13" name="Text Placeholder 12"/>
           <p:cNvSpPr>
             <a:spLocks noGrp="1"/>
           </p:cNvSpPr>
@@ -2635,59 +3065,59 @@
         </p:nvSpPr>
         <p:spPr>
           <a:xfrm>
-            <a:off x="457200" y="1600200"/>
-            <a:ext cx="8229600" cy="4525963"/>
+            <a:off x="612648" y="1600200"/>
+            <a:ext cx="8153400" cy="4526280"/>
           </a:xfrm>
           <a:prstGeom prst="rect">
             <a:avLst/>
           </a:prstGeom>
         </p:spPr>
         <p:txBody>
-          <a:bodyPr vert="horz" lIns="91440" tIns="45720" rIns="91440" bIns="45720" rtlCol="0">
+          <a:bodyPr vert="horz">
             <a:normAutofit/>
           </a:bodyPr>
           <a:lstStyle/>
           <a:p>
-            <a:pPr lvl="0"/>
-            <a:r>
-              <a:rPr lang="en-US" smtClean="0"/>
+            <a:pPr lvl="0" eaLnBrk="1" latinLnBrk="0" hangingPunct="1"/>
+            <a:r>
+              <a:rPr kumimoji="0" lang="en-US" smtClean="0"/>
               <a:t>Click to edit Master text styles</a:t>
             </a:r>
           </a:p>
           <a:p>
-            <a:pPr lvl="1"/>
-            <a:r>
-              <a:rPr lang="en-US" smtClean="0"/>
+            <a:pPr lvl="1" eaLnBrk="1" latinLnBrk="0" hangingPunct="1"/>
+            <a:r>
+              <a:rPr kumimoji="0" lang="en-US" smtClean="0"/>
               <a:t>Second level</a:t>
             </a:r>
           </a:p>
           <a:p>
-            <a:pPr lvl="2"/>
-            <a:r>
-              <a:rPr lang="en-US" smtClean="0"/>
+            <a:pPr lvl="2" eaLnBrk="1" latinLnBrk="0" hangingPunct="1"/>
+            <a:r>
+              <a:rPr kumimoji="0" lang="en-US" smtClean="0"/>
               <a:t>Third level</a:t>
             </a:r>
           </a:p>
           <a:p>
-            <a:pPr lvl="3"/>
-            <a:r>
-              <a:rPr lang="en-US" smtClean="0"/>
+            <a:pPr lvl="3" eaLnBrk="1" latinLnBrk="0" hangingPunct="1"/>
+            <a:r>
+              <a:rPr kumimoji="0" lang="en-US" smtClean="0"/>
               <a:t>Fourth level</a:t>
             </a:r>
           </a:p>
           <a:p>
-            <a:pPr lvl="4"/>
-            <a:r>
-              <a:rPr lang="en-US" smtClean="0"/>
+            <a:pPr lvl="4" eaLnBrk="1" latinLnBrk="0" hangingPunct="1"/>
+            <a:r>
+              <a:rPr kumimoji="0" lang="en-US" smtClean="0"/>
               <a:t>Fifth level</a:t>
             </a:r>
-            <a:endParaRPr lang="en-US"/>
-          </a:p>
-        </p:txBody>
-      </p:sp>
-      <p:sp>
-        <p:nvSpPr>
-          <p:cNvPr id="4" name="Date Placeholder 3"/>
+            <a:endParaRPr kumimoji="0" lang="en-US"/>
+          </a:p>
+        </p:txBody>
+      </p:sp>
+      <p:sp>
+        <p:nvSpPr>
+          <p:cNvPr id="14" name="Date Placeholder 13"/>
           <p:cNvSpPr>
             <a:spLocks noGrp="1"/>
           </p:cNvSpPr>
@@ -2697,22 +3127,20 @@
         </p:nvSpPr>
         <p:spPr>
           <a:xfrm>
-            <a:off x="457200" y="6356350"/>
-            <a:ext cx="2133600" cy="365125"/>
+            <a:off x="6096000" y="6248400"/>
+            <a:ext cx="2667000" cy="365125"/>
           </a:xfrm>
           <a:prstGeom prst="rect">
             <a:avLst/>
           </a:prstGeom>
         </p:spPr>
         <p:txBody>
-          <a:bodyPr vert="horz" lIns="91440" tIns="45720" rIns="91440" bIns="45720" rtlCol="0" anchor="ctr"/>
+          <a:bodyPr vert="horz" anchor="ctr" anchorCtr="0"/>
           <a:lstStyle>
-            <a:lvl1pPr algn="l">
-              <a:defRPr sz="1200">
+            <a:lvl1pPr algn="l" eaLnBrk="1" latinLnBrk="0" hangingPunct="1">
+              <a:defRPr kumimoji="0" sz="1400">
                 <a:solidFill>
-                  <a:schemeClr val="tx1">
-                    <a:tint val="75000"/>
-                  </a:schemeClr>
+                  <a:schemeClr val="tx2"/>
                 </a:solidFill>
               </a:defRPr>
             </a:lvl1pPr>
@@ -2728,7 +3156,7 @@
       </p:sp>
       <p:sp>
         <p:nvSpPr>
-          <p:cNvPr id="5" name="Footer Placeholder 4"/>
+          <p:cNvPr id="3" name="Footer Placeholder 2"/>
           <p:cNvSpPr>
             <a:spLocks noGrp="1"/>
           </p:cNvSpPr>
@@ -2738,22 +3166,20 @@
         </p:nvSpPr>
         <p:spPr>
           <a:xfrm>
-            <a:off x="3124200" y="6356350"/>
-            <a:ext cx="2895600" cy="365125"/>
+            <a:off x="609600" y="6248206"/>
+            <a:ext cx="5421083" cy="365125"/>
           </a:xfrm>
           <a:prstGeom prst="rect">
             <a:avLst/>
           </a:prstGeom>
         </p:spPr>
         <p:txBody>
-          <a:bodyPr vert="horz" lIns="91440" tIns="45720" rIns="91440" bIns="45720" rtlCol="0" anchor="ctr"/>
+          <a:bodyPr vert="horz" anchor="ctr"/>
           <a:lstStyle>
-            <a:lvl1pPr algn="ctr">
-              <a:defRPr sz="1200">
+            <a:lvl1pPr algn="r" eaLnBrk="1" latinLnBrk="0" hangingPunct="1">
+              <a:defRPr kumimoji="0" sz="1400">
                 <a:solidFill>
-                  <a:schemeClr val="tx1">
-                    <a:tint val="75000"/>
-                  </a:schemeClr>
+                  <a:schemeClr val="tx2"/>
                 </a:solidFill>
               </a:defRPr>
             </a:lvl1pPr>
@@ -2765,32 +3191,174 @@
       </p:sp>
       <p:sp>
         <p:nvSpPr>
-          <p:cNvPr id="6" name="Slide Number Placeholder 5"/>
-          <p:cNvSpPr>
-            <a:spLocks noGrp="1"/>
-          </p:cNvSpPr>
-          <p:nvPr>
-            <p:ph type="sldNum" sz="quarter" idx="4"/>
-          </p:nvPr>
-        </p:nvSpPr>
-        <p:spPr>
+          <p:cNvPr id="7" name="Rectangle 6"/>
+          <p:cNvSpPr/>
+          <p:nvPr/>
+        </p:nvSpPr>
+        <p:spPr bwMode="white">
           <a:xfrm>
-            <a:off x="6553200" y="6356350"/>
-            <a:ext cx="2133600" cy="365125"/>
+            <a:off x="0" y="1234440"/>
+            <a:ext cx="9144000" cy="320040"/>
           </a:xfrm>
           <a:prstGeom prst="rect">
             <a:avLst/>
           </a:prstGeom>
-        </p:spPr>
-        <p:txBody>
-          <a:bodyPr vert="horz" lIns="91440" tIns="45720" rIns="91440" bIns="45720" rtlCol="0" anchor="ctr"/>
+          <a:solidFill>
+            <a:srgbClr val="FFFFFF"/>
+          </a:solidFill>
+          <a:ln w="50800" cap="rnd" cmpd="dbl" algn="ctr">
+            <a:noFill/>
+            <a:prstDash val="solid"/>
+          </a:ln>
+          <a:effectLst/>
+        </p:spPr>
+        <p:style>
+          <a:lnRef idx="3">
+            <a:schemeClr val="lt1"/>
+          </a:lnRef>
+          <a:fillRef idx="1">
+            <a:schemeClr val="accent1"/>
+          </a:fillRef>
+          <a:effectRef idx="1">
+            <a:schemeClr val="accent1"/>
+          </a:effectRef>
+          <a:fontRef idx="minor">
+            <a:schemeClr val="lt1"/>
+          </a:fontRef>
+        </p:style>
+        <p:txBody>
+          <a:bodyPr anchor="ctr"/>
+          <a:lstStyle/>
+          <a:p>
+            <a:pPr algn="ctr" eaLnBrk="1" latinLnBrk="0" hangingPunct="1"/>
+            <a:endParaRPr kumimoji="0" lang="en-US"/>
+          </a:p>
+        </p:txBody>
+      </p:sp>
+      <p:sp>
+        <p:nvSpPr>
+          <p:cNvPr id="8" name="Rectangle 7"/>
+          <p:cNvSpPr/>
+          <p:nvPr/>
+        </p:nvSpPr>
+        <p:spPr>
+          <a:xfrm>
+            <a:off x="0" y="1280160"/>
+            <a:ext cx="533400" cy="228600"/>
+          </a:xfrm>
+          <a:prstGeom prst="rect">
+            <a:avLst/>
+          </a:prstGeom>
+          <a:solidFill>
+            <a:schemeClr val="accent2">
+              <a:alpha val="100000"/>
+            </a:schemeClr>
+          </a:solidFill>
+          <a:ln w="50800" cap="rnd" cmpd="dbl" algn="ctr">
+            <a:noFill/>
+            <a:prstDash val="solid"/>
+          </a:ln>
+          <a:effectLst/>
+        </p:spPr>
+        <p:style>
+          <a:lnRef idx="3">
+            <a:schemeClr val="lt1"/>
+          </a:lnRef>
+          <a:fillRef idx="1">
+            <a:schemeClr val="accent1"/>
+          </a:fillRef>
+          <a:effectRef idx="1">
+            <a:schemeClr val="accent1"/>
+          </a:effectRef>
+          <a:fontRef idx="minor">
+            <a:schemeClr val="lt1"/>
+          </a:fontRef>
+        </p:style>
+        <p:txBody>
+          <a:bodyPr anchor="ctr"/>
+          <a:lstStyle/>
+          <a:p>
+            <a:pPr algn="ctr" eaLnBrk="1" latinLnBrk="0" hangingPunct="1"/>
+            <a:endParaRPr kumimoji="0" lang="en-US"/>
+          </a:p>
+        </p:txBody>
+      </p:sp>
+      <p:sp>
+        <p:nvSpPr>
+          <p:cNvPr id="9" name="Rectangle 8"/>
+          <p:cNvSpPr/>
+          <p:nvPr/>
+        </p:nvSpPr>
+        <p:spPr>
+          <a:xfrm>
+            <a:off x="590550" y="1280160"/>
+            <a:ext cx="8553450" cy="228600"/>
+          </a:xfrm>
+          <a:prstGeom prst="rect">
+            <a:avLst/>
+          </a:prstGeom>
+          <a:solidFill>
+            <a:schemeClr val="accent1">
+              <a:alpha val="100000"/>
+            </a:schemeClr>
+          </a:solidFill>
+          <a:ln w="50800" cap="rnd" cmpd="dbl" algn="ctr">
+            <a:noFill/>
+            <a:prstDash val="solid"/>
+          </a:ln>
+          <a:effectLst/>
+        </p:spPr>
+        <p:style>
+          <a:lnRef idx="3">
+            <a:schemeClr val="lt1"/>
+          </a:lnRef>
+          <a:fillRef idx="1">
+            <a:schemeClr val="accent1"/>
+          </a:fillRef>
+          <a:effectRef idx="1">
+            <a:schemeClr val="accent1"/>
+          </a:effectRef>
+          <a:fontRef idx="minor">
+            <a:schemeClr val="lt1"/>
+          </a:fontRef>
+        </p:style>
+        <p:txBody>
+          <a:bodyPr anchor="ctr"/>
+          <a:lstStyle/>
+          <a:p>
+            <a:pPr algn="ctr" eaLnBrk="1" latinLnBrk="0" hangingPunct="1"/>
+            <a:endParaRPr kumimoji="0" lang="en-US"/>
+          </a:p>
+        </p:txBody>
+      </p:sp>
+      <p:sp>
+        <p:nvSpPr>
+          <p:cNvPr id="23" name="Slide Number Placeholder 22"/>
+          <p:cNvSpPr>
+            <a:spLocks noGrp="1"/>
+          </p:cNvSpPr>
+          <p:nvPr>
+            <p:ph type="sldNum" sz="quarter" idx="4"/>
+          </p:nvPr>
+        </p:nvSpPr>
+        <p:spPr>
+          <a:xfrm>
+            <a:off x="0" y="1272222"/>
+            <a:ext cx="533400" cy="244476"/>
+          </a:xfrm>
+          <a:prstGeom prst="rect">
+            <a:avLst/>
+          </a:prstGeom>
+        </p:spPr>
+        <p:txBody>
+          <a:bodyPr vert="horz" anchor="ctr" anchorCtr="0">
+            <a:normAutofit/>
+          </a:bodyPr>
           <a:lstStyle>
-            <a:lvl1pPr algn="r">
-              <a:defRPr sz="1200">
+            <a:lvl1pPr algn="ctr" eaLnBrk="1" latinLnBrk="0" hangingPunct="1">
+              <a:defRPr kumimoji="0" sz="1400" b="1">
                 <a:solidFill>
-                  <a:schemeClr val="tx1">
-                    <a:tint val="75000"/>
-                  </a:schemeClr>
+                  <a:srgbClr val="FFFFFF"/>
                 </a:solidFill>
               </a:defRPr>
             </a:lvl1pPr>
@@ -2805,36 +3373,31 @@
         </p:txBody>
       </p:sp>
     </p:spTree>
-    <p:extLst>
-      <p:ext uri="{BB962C8B-B14F-4D97-AF65-F5344CB8AC3E}">
-        <p14:creationId xmlns:p14="http://schemas.microsoft.com/office/powerpoint/2010/main" val="2093631453"/>
-      </p:ext>
-    </p:extLst>
   </p:cSld>
   <p:clrMap bg1="lt1" tx1="dk1" bg2="lt2" tx2="dk2" accent1="accent1" accent2="accent2" accent3="accent3" accent4="accent4" accent5="accent5" accent6="accent6" hlink="hlink" folHlink="folHlink"/>
   <p:sldLayoutIdLst>
-    <p:sldLayoutId id="2147483649" r:id="rId1"/>
-    <p:sldLayoutId id="2147483650" r:id="rId2"/>
-    <p:sldLayoutId id="2147483651" r:id="rId3"/>
-    <p:sldLayoutId id="2147483652" r:id="rId4"/>
-    <p:sldLayoutId id="2147483653" r:id="rId5"/>
-    <p:sldLayoutId id="2147483654" r:id="rId6"/>
-    <p:sldLayoutId id="2147483655" r:id="rId7"/>
-    <p:sldLayoutId id="2147483656" r:id="rId8"/>
-    <p:sldLayoutId id="2147483657" r:id="rId9"/>
-    <p:sldLayoutId id="2147483658" r:id="rId10"/>
-    <p:sldLayoutId id="2147483659" r:id="rId11"/>
+    <p:sldLayoutId id="2147483661" r:id="rId1"/>
+    <p:sldLayoutId id="2147483662" r:id="rId2"/>
+    <p:sldLayoutId id="2147483663" r:id="rId3"/>
+    <p:sldLayoutId id="2147483664" r:id="rId4"/>
+    <p:sldLayoutId id="2147483665" r:id="rId5"/>
+    <p:sldLayoutId id="2147483666" r:id="rId6"/>
+    <p:sldLayoutId id="2147483667" r:id="rId7"/>
+    <p:sldLayoutId id="2147483668" r:id="rId8"/>
+    <p:sldLayoutId id="2147483669" r:id="rId9"/>
+    <p:sldLayoutId id="2147483670" r:id="rId10"/>
+    <p:sldLayoutId id="2147483671" r:id="rId11"/>
   </p:sldLayoutIdLst>
   <p:txStyles>
     <p:titleStyle>
-      <a:lvl1pPr algn="ctr" defTabSz="914400" rtl="0" eaLnBrk="1" latinLnBrk="0" hangingPunct="1">
+      <a:lvl1pPr algn="l" rtl="0" eaLnBrk="1" latinLnBrk="0" hangingPunct="1">
         <a:spcBef>
           <a:spcPct val="0"/>
         </a:spcBef>
         <a:buNone/>
-        <a:defRPr sz="4400" kern="1200">
+        <a:defRPr kumimoji="0" sz="4400" kern="1200">
           <a:solidFill>
-            <a:schemeClr val="tx1"/>
+            <a:schemeClr val="tx2"/>
           </a:solidFill>
           <a:latin typeface="+mj-lt"/>
           <a:ea typeface="+mj-ea"/>
@@ -2843,13 +3406,17 @@
       </a:lvl1pPr>
     </p:titleStyle>
     <p:bodyStyle>
-      <a:lvl1pPr marL="342900" indent="-342900" algn="l" defTabSz="914400" rtl="0" eaLnBrk="1" latinLnBrk="0" hangingPunct="1">
+      <a:lvl1pPr marL="320040" indent="-320040" algn="l" rtl="0" eaLnBrk="1" latinLnBrk="0" hangingPunct="1">
         <a:spcBef>
-          <a:spcPct val="20000"/>
+          <a:spcPts val="700"/>
         </a:spcBef>
-        <a:buFont typeface="Arial" panose="020B0604020202020204" pitchFamily="34" charset="0"/>
-        <a:buChar char="•"/>
-        <a:defRPr sz="3200" kern="1200">
+        <a:buClr>
+          <a:schemeClr val="accent2"/>
+        </a:buClr>
+        <a:buSzPct val="60000"/>
+        <a:buFont typeface="Wingdings"/>
+        <a:buChar char=""/>
+        <a:defRPr kumimoji="0" sz="2900" kern="1200">
           <a:solidFill>
             <a:schemeClr val="tx1"/>
           </a:solidFill>
@@ -2858,13 +3425,17 @@
           <a:cs typeface="+mn-cs"/>
         </a:defRPr>
       </a:lvl1pPr>
-      <a:lvl2pPr marL="742950" indent="-285750" algn="l" defTabSz="914400" rtl="0" eaLnBrk="1" latinLnBrk="0" hangingPunct="1">
+      <a:lvl2pPr marL="640080" indent="-274320" algn="l" rtl="0" eaLnBrk="1" latinLnBrk="0" hangingPunct="1">
         <a:spcBef>
-          <a:spcPct val="20000"/>
+          <a:spcPts val="550"/>
         </a:spcBef>
-        <a:buFont typeface="Arial" panose="020B0604020202020204" pitchFamily="34" charset="0"/>
-        <a:buChar char="–"/>
-        <a:defRPr sz="2800" kern="1200">
+        <a:buClr>
+          <a:schemeClr val="accent1"/>
+        </a:buClr>
+        <a:buSzPct val="70000"/>
+        <a:buFont typeface="Wingdings 2"/>
+        <a:buChar char=""/>
+        <a:defRPr kumimoji="0" sz="2600" kern="1200">
           <a:solidFill>
             <a:schemeClr val="tx1"/>
           </a:solidFill>
@@ -2873,13 +3444,17 @@
           <a:cs typeface="+mn-cs"/>
         </a:defRPr>
       </a:lvl2pPr>
-      <a:lvl3pPr marL="1143000" indent="-228600" algn="l" defTabSz="914400" rtl="0" eaLnBrk="1" latinLnBrk="0" hangingPunct="1">
+      <a:lvl3pPr marL="914400" indent="-228600" algn="l" rtl="0" eaLnBrk="1" latinLnBrk="0" hangingPunct="1">
         <a:spcBef>
-          <a:spcPct val="20000"/>
+          <a:spcPts val="500"/>
         </a:spcBef>
-        <a:buFont typeface="Arial" panose="020B0604020202020204" pitchFamily="34" charset="0"/>
-        <a:buChar char="•"/>
-        <a:defRPr sz="2400" kern="1200">
+        <a:buClr>
+          <a:schemeClr val="accent2"/>
+        </a:buClr>
+        <a:buSzPct val="75000"/>
+        <a:buFont typeface="Wingdings"/>
+        <a:buChar char=""/>
+        <a:defRPr kumimoji="0" sz="2300" kern="1200">
           <a:solidFill>
             <a:schemeClr val="tx1"/>
           </a:solidFill>
@@ -2888,13 +3463,17 @@
           <a:cs typeface="+mn-cs"/>
         </a:defRPr>
       </a:lvl3pPr>
-      <a:lvl4pPr marL="1600200" indent="-228600" algn="l" defTabSz="914400" rtl="0" eaLnBrk="1" latinLnBrk="0" hangingPunct="1">
+      <a:lvl4pPr marL="1371600" indent="-228600" algn="l" rtl="0" eaLnBrk="1" latinLnBrk="0" hangingPunct="1">
         <a:spcBef>
-          <a:spcPct val="20000"/>
+          <a:spcPts val="400"/>
         </a:spcBef>
-        <a:buFont typeface="Arial" panose="020B0604020202020204" pitchFamily="34" charset="0"/>
-        <a:buChar char="–"/>
-        <a:defRPr sz="2000" kern="1200">
+        <a:buClr>
+          <a:schemeClr val="accent3"/>
+        </a:buClr>
+        <a:buSzPct val="75000"/>
+        <a:buFont typeface="Wingdings"/>
+        <a:buChar char=""/>
+        <a:defRPr kumimoji="0" sz="2000" kern="1200">
           <a:solidFill>
             <a:schemeClr val="tx1"/>
           </a:solidFill>
@@ -2903,13 +3482,17 @@
           <a:cs typeface="+mn-cs"/>
         </a:defRPr>
       </a:lvl4pPr>
-      <a:lvl5pPr marL="2057400" indent="-228600" algn="l" defTabSz="914400" rtl="0" eaLnBrk="1" latinLnBrk="0" hangingPunct="1">
+      <a:lvl5pPr marL="1828800" indent="-228600" algn="l" rtl="0" eaLnBrk="1" latinLnBrk="0" hangingPunct="1">
         <a:spcBef>
-          <a:spcPct val="20000"/>
+          <a:spcPts val="400"/>
         </a:spcBef>
-        <a:buFont typeface="Arial" panose="020B0604020202020204" pitchFamily="34" charset="0"/>
-        <a:buChar char="»"/>
-        <a:defRPr sz="2000" kern="1200">
+        <a:buClr>
+          <a:schemeClr val="accent4"/>
+        </a:buClr>
+        <a:buSzPct val="65000"/>
+        <a:buFont typeface="Wingdings"/>
+        <a:buChar char=""/>
+        <a:defRPr kumimoji="0" sz="2000" kern="1200">
           <a:solidFill>
             <a:schemeClr val="tx1"/>
           </a:solidFill>
@@ -2918,13 +3501,16 @@
           <a:cs typeface="+mn-cs"/>
         </a:defRPr>
       </a:lvl5pPr>
-      <a:lvl6pPr marL="2514600" indent="-228600" algn="l" defTabSz="914400" rtl="0" eaLnBrk="1" latinLnBrk="0" hangingPunct="1">
+      <a:lvl6pPr marL="2103120" indent="-228600" algn="l" rtl="0" eaLnBrk="1" latinLnBrk="0" hangingPunct="1">
         <a:spcBef>
           <a:spcPct val="20000"/>
         </a:spcBef>
-        <a:buFont typeface="Arial" panose="020B0604020202020204" pitchFamily="34" charset="0"/>
-        <a:buChar char="•"/>
-        <a:defRPr sz="2000" kern="1200">
+        <a:buClr>
+          <a:schemeClr val="accent1"/>
+        </a:buClr>
+        <a:buFont typeface="Wingdings"/>
+        <a:buChar char="§"/>
+        <a:defRPr kumimoji="0" sz="1800" kern="1200" baseline="0">
           <a:solidFill>
             <a:schemeClr val="tx1"/>
           </a:solidFill>
@@ -2933,13 +3519,16 @@
           <a:cs typeface="+mn-cs"/>
         </a:defRPr>
       </a:lvl6pPr>
-      <a:lvl7pPr marL="2971800" indent="-228600" algn="l" defTabSz="914400" rtl="0" eaLnBrk="1" latinLnBrk="0" hangingPunct="1">
+      <a:lvl7pPr marL="2377440" indent="-228600" algn="l" rtl="0" eaLnBrk="1" latinLnBrk="0" hangingPunct="1">
         <a:spcBef>
           <a:spcPct val="20000"/>
         </a:spcBef>
-        <a:buFont typeface="Arial" panose="020B0604020202020204" pitchFamily="34" charset="0"/>
-        <a:buChar char="•"/>
-        <a:defRPr sz="2000" kern="1200">
+        <a:buClr>
+          <a:schemeClr val="accent2"/>
+        </a:buClr>
+        <a:buFont typeface="Wingdings"/>
+        <a:buChar char="§"/>
+        <a:defRPr kumimoji="0" sz="1800" kern="1200" baseline="0">
           <a:solidFill>
             <a:schemeClr val="tx1"/>
           </a:solidFill>
@@ -2948,13 +3537,16 @@
           <a:cs typeface="+mn-cs"/>
         </a:defRPr>
       </a:lvl7pPr>
-      <a:lvl8pPr marL="3429000" indent="-228600" algn="l" defTabSz="914400" rtl="0" eaLnBrk="1" latinLnBrk="0" hangingPunct="1">
+      <a:lvl8pPr marL="2651760" indent="-228600" algn="l" rtl="0" eaLnBrk="1" latinLnBrk="0" hangingPunct="1">
         <a:spcBef>
           <a:spcPct val="20000"/>
         </a:spcBef>
-        <a:buFont typeface="Arial" panose="020B0604020202020204" pitchFamily="34" charset="0"/>
-        <a:buChar char="•"/>
-        <a:defRPr sz="2000" kern="1200">
+        <a:buClr>
+          <a:schemeClr val="accent3"/>
+        </a:buClr>
+        <a:buFont typeface="Wingdings"/>
+        <a:buChar char="§"/>
+        <a:defRPr kumimoji="0" sz="1800" kern="1200" baseline="0">
           <a:solidFill>
             <a:schemeClr val="tx1"/>
           </a:solidFill>
@@ -2963,13 +3555,16 @@
           <a:cs typeface="+mn-cs"/>
         </a:defRPr>
       </a:lvl8pPr>
-      <a:lvl9pPr marL="3886200" indent="-228600" algn="l" defTabSz="914400" rtl="0" eaLnBrk="1" latinLnBrk="0" hangingPunct="1">
+      <a:lvl9pPr marL="2926080" indent="-228600" algn="l" rtl="0" eaLnBrk="1" latinLnBrk="0" hangingPunct="1">
         <a:spcBef>
           <a:spcPct val="20000"/>
         </a:spcBef>
-        <a:buFont typeface="Arial" panose="020B0604020202020204" pitchFamily="34" charset="0"/>
-        <a:buChar char="•"/>
-        <a:defRPr sz="2000" kern="1200">
+        <a:buClr>
+          <a:schemeClr val="accent4"/>
+        </a:buClr>
+        <a:buFont typeface="Wingdings"/>
+        <a:buChar char="§"/>
+        <a:defRPr kumimoji="0" sz="1800" kern="1200" baseline="0">
           <a:solidFill>
             <a:schemeClr val="tx1"/>
           </a:solidFill>
@@ -2980,11 +3575,8 @@
       </a:lvl9pPr>
     </p:bodyStyle>
     <p:otherStyle>
-      <a:defPPr>
-        <a:defRPr lang="en-US"/>
-      </a:defPPr>
-      <a:lvl1pPr marL="0" algn="l" defTabSz="914400" rtl="0" eaLnBrk="1" latinLnBrk="0" hangingPunct="1">
-        <a:defRPr sz="1800" kern="1200">
+      <a:lvl1pPr marL="0" algn="l" rtl="0" eaLnBrk="1" latinLnBrk="0" hangingPunct="1">
+        <a:defRPr kumimoji="0" kern="1200">
           <a:solidFill>
             <a:schemeClr val="tx1"/>
           </a:solidFill>
@@ -2993,8 +3585,8 @@
           <a:cs typeface="+mn-cs"/>
         </a:defRPr>
       </a:lvl1pPr>
-      <a:lvl2pPr marL="457200" algn="l" defTabSz="914400" rtl="0" eaLnBrk="1" latinLnBrk="0" hangingPunct="1">
-        <a:defRPr sz="1800" kern="1200">
+      <a:lvl2pPr marL="457200" algn="l" rtl="0" eaLnBrk="1" latinLnBrk="0" hangingPunct="1">
+        <a:defRPr kumimoji="0" kern="1200">
           <a:solidFill>
             <a:schemeClr val="tx1"/>
           </a:solidFill>
@@ -3003,8 +3595,8 @@
           <a:cs typeface="+mn-cs"/>
         </a:defRPr>
       </a:lvl2pPr>
-      <a:lvl3pPr marL="914400" algn="l" defTabSz="914400" rtl="0" eaLnBrk="1" latinLnBrk="0" hangingPunct="1">
-        <a:defRPr sz="1800" kern="1200">
+      <a:lvl3pPr marL="914400" algn="l" rtl="0" eaLnBrk="1" latinLnBrk="0" hangingPunct="1">
+        <a:defRPr kumimoji="0" kern="1200">
           <a:solidFill>
             <a:schemeClr val="tx1"/>
           </a:solidFill>
@@ -3013,8 +3605,8 @@
           <a:cs typeface="+mn-cs"/>
         </a:defRPr>
       </a:lvl3pPr>
-      <a:lvl4pPr marL="1371600" algn="l" defTabSz="914400" rtl="0" eaLnBrk="1" latinLnBrk="0" hangingPunct="1">
-        <a:defRPr sz="1800" kern="1200">
+      <a:lvl4pPr marL="1371600" algn="l" rtl="0" eaLnBrk="1" latinLnBrk="0" hangingPunct="1">
+        <a:defRPr kumimoji="0" kern="1200">
           <a:solidFill>
             <a:schemeClr val="tx1"/>
           </a:solidFill>
@@ -3023,8 +3615,8 @@
           <a:cs typeface="+mn-cs"/>
         </a:defRPr>
       </a:lvl4pPr>
-      <a:lvl5pPr marL="1828800" algn="l" defTabSz="914400" rtl="0" eaLnBrk="1" latinLnBrk="0" hangingPunct="1">
-        <a:defRPr sz="1800" kern="1200">
+      <a:lvl5pPr marL="1828800" algn="l" rtl="0" eaLnBrk="1" latinLnBrk="0" hangingPunct="1">
+        <a:defRPr kumimoji="0" kern="1200">
           <a:solidFill>
             <a:schemeClr val="tx1"/>
           </a:solidFill>
@@ -3033,8 +3625,8 @@
           <a:cs typeface="+mn-cs"/>
         </a:defRPr>
       </a:lvl5pPr>
-      <a:lvl6pPr marL="2286000" algn="l" defTabSz="914400" rtl="0" eaLnBrk="1" latinLnBrk="0" hangingPunct="1">
-        <a:defRPr sz="1800" kern="1200">
+      <a:lvl6pPr marL="2286000" algn="l" rtl="0" eaLnBrk="1" latinLnBrk="0" hangingPunct="1">
+        <a:defRPr kumimoji="0" kern="1200">
           <a:solidFill>
             <a:schemeClr val="tx1"/>
           </a:solidFill>
@@ -3043,8 +3635,8 @@
           <a:cs typeface="+mn-cs"/>
         </a:defRPr>
       </a:lvl6pPr>
-      <a:lvl7pPr marL="2743200" algn="l" defTabSz="914400" rtl="0" eaLnBrk="1" latinLnBrk="0" hangingPunct="1">
-        <a:defRPr sz="1800" kern="1200">
+      <a:lvl7pPr marL="2743200" algn="l" rtl="0" eaLnBrk="1" latinLnBrk="0" hangingPunct="1">
+        <a:defRPr kumimoji="0" kern="1200">
           <a:solidFill>
             <a:schemeClr val="tx1"/>
           </a:solidFill>
@@ -3053,8 +3645,8 @@
           <a:cs typeface="+mn-cs"/>
         </a:defRPr>
       </a:lvl7pPr>
-      <a:lvl8pPr marL="3200400" algn="l" defTabSz="914400" rtl="0" eaLnBrk="1" latinLnBrk="0" hangingPunct="1">
-        <a:defRPr sz="1800" kern="1200">
+      <a:lvl8pPr marL="3200400" algn="l" rtl="0" eaLnBrk="1" latinLnBrk="0" hangingPunct="1">
+        <a:defRPr kumimoji="0" kern="1200">
           <a:solidFill>
             <a:schemeClr val="tx1"/>
           </a:solidFill>
@@ -3063,8 +3655,8 @@
           <a:cs typeface="+mn-cs"/>
         </a:defRPr>
       </a:lvl8pPr>
-      <a:lvl9pPr marL="3657600" algn="l" defTabSz="914400" rtl="0" eaLnBrk="1" latinLnBrk="0" hangingPunct="1">
-        <a:defRPr sz="1800" kern="1200">
+      <a:lvl9pPr marL="3657600" algn="l" rtl="0" eaLnBrk="1" latinLnBrk="0" hangingPunct="1">
+        <a:defRPr kumimoji="0" kern="1200">
           <a:solidFill>
             <a:schemeClr val="tx1"/>
           </a:solidFill>
@@ -3110,7 +3702,11 @@
           <a:bodyPr/>
           <a:lstStyle/>
           <a:p>
-            <a:endParaRPr lang="en-US"/>
+            <a:r>
+              <a:rPr lang="en-US" dirty="0" smtClean="0"/>
+              <a:t>Pocket Chef</a:t>
+            </a:r>
+            <a:endParaRPr lang="en-US" dirty="0"/>
           </a:p>
         </p:txBody>
       </p:sp>
@@ -3129,7 +3725,7 @@
           <a:bodyPr/>
           <a:lstStyle/>
           <a:p>
-            <a:endParaRPr lang="en-US"/>
+            <a:endParaRPr lang="en-US" dirty="0"/>
           </a:p>
         </p:txBody>
       </p:sp>
@@ -3146,10 +3742,1207 @@
 </p:sld>
 </file>
 
+<file path=ppt/slides/slide10.xml><?xml version="1.0" encoding="utf-8"?>
+<p:sld xmlns:a="http://schemas.openxmlformats.org/drawingml/2006/main" xmlns:r="http://schemas.openxmlformats.org/officeDocument/2006/relationships" xmlns:p="http://schemas.openxmlformats.org/presentationml/2006/main">
+  <p:cSld>
+    <p:spTree>
+      <p:nvGrpSpPr>
+        <p:cNvPr id="1" name=""/>
+        <p:cNvGrpSpPr/>
+        <p:nvPr/>
+      </p:nvGrpSpPr>
+      <p:grpSpPr>
+        <a:xfrm>
+          <a:off x="0" y="0"/>
+          <a:ext cx="0" cy="0"/>
+          <a:chOff x="0" y="0"/>
+          <a:chExt cx="0" cy="0"/>
+        </a:xfrm>
+      </p:grpSpPr>
+      <p:sp>
+        <p:nvSpPr>
+          <p:cNvPr id="2" name="Title 1"/>
+          <p:cNvSpPr>
+            <a:spLocks noGrp="1"/>
+          </p:cNvSpPr>
+          <p:nvPr>
+            <p:ph type="title"/>
+          </p:nvPr>
+        </p:nvSpPr>
+        <p:spPr/>
+        <p:txBody>
+          <a:bodyPr/>
+          <a:lstStyle/>
+          <a:p>
+            <a:r>
+              <a:rPr lang="en-US" dirty="0" smtClean="0"/>
+              <a:t>Risk Assessment</a:t>
+            </a:r>
+            <a:endParaRPr lang="en-US" dirty="0"/>
+          </a:p>
+        </p:txBody>
+      </p:sp>
+      <p:sp>
+        <p:nvSpPr>
+          <p:cNvPr id="3" name="Content Placeholder 2"/>
+          <p:cNvSpPr>
+            <a:spLocks noGrp="1"/>
+          </p:cNvSpPr>
+          <p:nvPr>
+            <p:ph sz="quarter" idx="1"/>
+          </p:nvPr>
+        </p:nvSpPr>
+        <p:spPr/>
+        <p:txBody>
+          <a:bodyPr/>
+          <a:lstStyle/>
+          <a:p>
+            <a:r>
+              <a:rPr lang="en-US" dirty="0" smtClean="0"/>
+              <a:t>Our Team </a:t>
+            </a:r>
+            <a:r>
+              <a:rPr lang="en-US" smtClean="0"/>
+              <a:t>will make use of </a:t>
+            </a:r>
+            <a:endParaRPr lang="en-US" dirty="0"/>
+          </a:p>
+        </p:txBody>
+      </p:sp>
+    </p:spTree>
+    <p:extLst>
+      <p:ext uri="{BB962C8B-B14F-4D97-AF65-F5344CB8AC3E}">
+        <p14:creationId xmlns:p14="http://schemas.microsoft.com/office/powerpoint/2010/main" val="1175429688"/>
+      </p:ext>
+    </p:extLst>
+  </p:cSld>
+  <p:clrMapOvr>
+    <a:masterClrMapping/>
+  </p:clrMapOvr>
+</p:sld>
+</file>
+
+<file path=ppt/slides/slide2.xml><?xml version="1.0" encoding="utf-8"?>
+<p:sld xmlns:a="http://schemas.openxmlformats.org/drawingml/2006/main" xmlns:r="http://schemas.openxmlformats.org/officeDocument/2006/relationships" xmlns:p="http://schemas.openxmlformats.org/presentationml/2006/main">
+  <p:cSld>
+    <p:spTree>
+      <p:nvGrpSpPr>
+        <p:cNvPr id="1" name=""/>
+        <p:cNvGrpSpPr/>
+        <p:nvPr/>
+      </p:nvGrpSpPr>
+      <p:grpSpPr>
+        <a:xfrm>
+          <a:off x="0" y="0"/>
+          <a:ext cx="0" cy="0"/>
+          <a:chOff x="0" y="0"/>
+          <a:chExt cx="0" cy="0"/>
+        </a:xfrm>
+      </p:grpSpPr>
+      <p:sp>
+        <p:nvSpPr>
+          <p:cNvPr id="2" name="Title 1"/>
+          <p:cNvSpPr>
+            <a:spLocks noGrp="1"/>
+          </p:cNvSpPr>
+          <p:nvPr>
+            <p:ph type="title"/>
+          </p:nvPr>
+        </p:nvSpPr>
+        <p:spPr/>
+        <p:txBody>
+          <a:bodyPr/>
+          <a:lstStyle/>
+          <a:p>
+            <a:r>
+              <a:rPr lang="en-US" dirty="0" smtClean="0"/>
+              <a:t>Goals and Outcomes</a:t>
+            </a:r>
+            <a:endParaRPr lang="en-US" dirty="0"/>
+          </a:p>
+        </p:txBody>
+      </p:sp>
+      <p:sp>
+        <p:nvSpPr>
+          <p:cNvPr id="3" name="Content Placeholder 2"/>
+          <p:cNvSpPr>
+            <a:spLocks noGrp="1"/>
+          </p:cNvSpPr>
+          <p:nvPr>
+            <p:ph sz="quarter" idx="1"/>
+          </p:nvPr>
+        </p:nvSpPr>
+        <p:spPr/>
+        <p:txBody>
+          <a:bodyPr/>
+          <a:lstStyle/>
+          <a:p>
+            <a:r>
+              <a:rPr lang="en-US" dirty="0" smtClean="0"/>
+              <a:t>Our objective is to engineer an Android app designed to organize and digitalize a user’s collection of personal recipes.</a:t>
+            </a:r>
+          </a:p>
+          <a:p>
+            <a:r>
+              <a:rPr lang="en-US" dirty="0" smtClean="0"/>
+              <a:t>Our motivation is driven behind a desire to modernize how cookbooks are maintained.</a:t>
+            </a:r>
+          </a:p>
+          <a:p>
+            <a:r>
+              <a:rPr lang="en-US" dirty="0" smtClean="0"/>
+              <a:t>We plan to construct an app that targets Android with API Level 15 and above.</a:t>
+            </a:r>
+            <a:endParaRPr lang="en-US" dirty="0"/>
+          </a:p>
+        </p:txBody>
+      </p:sp>
+    </p:spTree>
+    <p:extLst>
+      <p:ext uri="{BB962C8B-B14F-4D97-AF65-F5344CB8AC3E}">
+        <p14:creationId xmlns:p14="http://schemas.microsoft.com/office/powerpoint/2010/main" val="3118770535"/>
+      </p:ext>
+    </p:extLst>
+  </p:cSld>
+  <p:clrMapOvr>
+    <a:masterClrMapping/>
+  </p:clrMapOvr>
+</p:sld>
+</file>
+
+<file path=ppt/slides/slide3.xml><?xml version="1.0" encoding="utf-8"?>
+<p:sld xmlns:a="http://schemas.openxmlformats.org/drawingml/2006/main" xmlns:r="http://schemas.openxmlformats.org/officeDocument/2006/relationships" xmlns:p="http://schemas.openxmlformats.org/presentationml/2006/main">
+  <p:cSld>
+    <p:spTree>
+      <p:nvGrpSpPr>
+        <p:cNvPr id="1" name=""/>
+        <p:cNvGrpSpPr/>
+        <p:nvPr/>
+      </p:nvGrpSpPr>
+      <p:grpSpPr>
+        <a:xfrm>
+          <a:off x="0" y="0"/>
+          <a:ext cx="0" cy="0"/>
+          <a:chOff x="0" y="0"/>
+          <a:chExt cx="0" cy="0"/>
+        </a:xfrm>
+      </p:grpSpPr>
+      <p:sp>
+        <p:nvSpPr>
+          <p:cNvPr id="2" name="Title 1"/>
+          <p:cNvSpPr>
+            <a:spLocks noGrp="1"/>
+          </p:cNvSpPr>
+          <p:nvPr>
+            <p:ph type="title"/>
+          </p:nvPr>
+        </p:nvSpPr>
+        <p:spPr/>
+        <p:txBody>
+          <a:bodyPr/>
+          <a:lstStyle/>
+          <a:p>
+            <a:r>
+              <a:rPr lang="en-US" dirty="0" smtClean="0"/>
+              <a:t>Team</a:t>
+            </a:r>
+            <a:endParaRPr lang="en-US" dirty="0"/>
+          </a:p>
+        </p:txBody>
+      </p:sp>
+      <p:sp>
+        <p:nvSpPr>
+          <p:cNvPr id="3" name="Content Placeholder 2"/>
+          <p:cNvSpPr>
+            <a:spLocks noGrp="1"/>
+          </p:cNvSpPr>
+          <p:nvPr>
+            <p:ph sz="quarter" idx="1"/>
+          </p:nvPr>
+        </p:nvSpPr>
+        <p:spPr/>
+        <p:txBody>
+          <a:bodyPr>
+            <a:normAutofit lnSpcReduction="10000"/>
+          </a:bodyPr>
+          <a:lstStyle/>
+          <a:p>
+            <a:r>
+              <a:rPr lang="en-US" dirty="0" smtClean="0"/>
+              <a:t>Max Kirkby</a:t>
+            </a:r>
+          </a:p>
+          <a:p>
+            <a:pPr lvl="1"/>
+            <a:r>
+              <a:rPr lang="en-US" dirty="0" smtClean="0"/>
+              <a:t>Relevant Experience</a:t>
+            </a:r>
+          </a:p>
+          <a:p>
+            <a:pPr lvl="2"/>
+            <a:r>
+              <a:rPr lang="en-US" dirty="0" smtClean="0"/>
+              <a:t>Android</a:t>
+            </a:r>
+          </a:p>
+          <a:p>
+            <a:pPr lvl="2"/>
+            <a:r>
+              <a:rPr lang="en-US" dirty="0" smtClean="0"/>
+              <a:t>Java Development</a:t>
+            </a:r>
+          </a:p>
+          <a:p>
+            <a:pPr lvl="2"/>
+            <a:r>
+              <a:rPr lang="en-US" dirty="0" smtClean="0"/>
+              <a:t>SQL</a:t>
+            </a:r>
+          </a:p>
+          <a:p>
+            <a:pPr lvl="1"/>
+            <a:r>
+              <a:rPr lang="en-US" dirty="0" smtClean="0"/>
+              <a:t>Tasks</a:t>
+            </a:r>
+          </a:p>
+          <a:p>
+            <a:pPr lvl="2"/>
+            <a:r>
+              <a:rPr lang="en-US" dirty="0" smtClean="0"/>
+              <a:t>Java Developer for Project</a:t>
+            </a:r>
+          </a:p>
+          <a:p>
+            <a:pPr lvl="2"/>
+            <a:r>
+              <a:rPr lang="en-US" dirty="0" smtClean="0"/>
+              <a:t>Android UI Design</a:t>
+            </a:r>
+            <a:endParaRPr lang="en-US" dirty="0"/>
+          </a:p>
+        </p:txBody>
+      </p:sp>
+      <p:sp>
+        <p:nvSpPr>
+          <p:cNvPr id="4" name="Content Placeholder 3"/>
+          <p:cNvSpPr>
+            <a:spLocks noGrp="1"/>
+          </p:cNvSpPr>
+          <p:nvPr>
+            <p:ph sz="quarter" idx="2"/>
+          </p:nvPr>
+        </p:nvSpPr>
+        <p:spPr/>
+        <p:txBody>
+          <a:bodyPr>
+            <a:normAutofit lnSpcReduction="10000"/>
+          </a:bodyPr>
+          <a:lstStyle/>
+          <a:p>
+            <a:r>
+              <a:rPr lang="en-US" dirty="0" smtClean="0"/>
+              <a:t>Christopher Little</a:t>
+            </a:r>
+          </a:p>
+          <a:p>
+            <a:pPr lvl="1"/>
+            <a:r>
+              <a:rPr lang="en-US" dirty="0" smtClean="0"/>
+              <a:t>Relevant Experience</a:t>
+            </a:r>
+          </a:p>
+          <a:p>
+            <a:pPr lvl="2"/>
+            <a:r>
+              <a:rPr lang="en-US" dirty="0" smtClean="0"/>
+              <a:t>Familiarity with Team Projects</a:t>
+            </a:r>
+          </a:p>
+          <a:p>
+            <a:pPr lvl="2"/>
+            <a:r>
+              <a:rPr lang="en-US" dirty="0" smtClean="0"/>
+              <a:t>Experience with post development testing</a:t>
+            </a:r>
+          </a:p>
+          <a:p>
+            <a:pPr lvl="1"/>
+            <a:r>
+              <a:rPr lang="en-US" dirty="0" smtClean="0"/>
+              <a:t>Tasks</a:t>
+            </a:r>
+          </a:p>
+          <a:p>
+            <a:pPr lvl="2"/>
+            <a:r>
+              <a:rPr lang="en-US" dirty="0" smtClean="0"/>
+              <a:t>Testing</a:t>
+            </a:r>
+          </a:p>
+          <a:p>
+            <a:pPr lvl="2"/>
+            <a:r>
+              <a:rPr lang="en-US" dirty="0" smtClean="0"/>
+              <a:t>Documentation</a:t>
+            </a:r>
+          </a:p>
+          <a:p>
+            <a:pPr lvl="2"/>
+            <a:r>
+              <a:rPr lang="en-US" dirty="0" smtClean="0"/>
+              <a:t>Assistance with Development, as needed</a:t>
+            </a:r>
+            <a:endParaRPr lang="en-US" dirty="0"/>
+          </a:p>
+        </p:txBody>
+      </p:sp>
+    </p:spTree>
+    <p:extLst>
+      <p:ext uri="{BB962C8B-B14F-4D97-AF65-F5344CB8AC3E}">
+        <p14:creationId xmlns:p14="http://schemas.microsoft.com/office/powerpoint/2010/main" val="3363863937"/>
+      </p:ext>
+    </p:extLst>
+  </p:cSld>
+  <p:clrMapOvr>
+    <a:masterClrMapping/>
+  </p:clrMapOvr>
+</p:sld>
+</file>
+
+<file path=ppt/slides/slide4.xml><?xml version="1.0" encoding="utf-8"?>
+<p:sld xmlns:a="http://schemas.openxmlformats.org/drawingml/2006/main" xmlns:r="http://schemas.openxmlformats.org/officeDocument/2006/relationships" xmlns:p="http://schemas.openxmlformats.org/presentationml/2006/main">
+  <p:cSld>
+    <p:spTree>
+      <p:nvGrpSpPr>
+        <p:cNvPr id="1" name=""/>
+        <p:cNvGrpSpPr/>
+        <p:nvPr/>
+      </p:nvGrpSpPr>
+      <p:grpSpPr>
+        <a:xfrm>
+          <a:off x="0" y="0"/>
+          <a:ext cx="0" cy="0"/>
+          <a:chOff x="0" y="0"/>
+          <a:chExt cx="0" cy="0"/>
+        </a:xfrm>
+      </p:grpSpPr>
+      <p:sp>
+        <p:nvSpPr>
+          <p:cNvPr id="2" name="Title 1"/>
+          <p:cNvSpPr>
+            <a:spLocks noGrp="1"/>
+          </p:cNvSpPr>
+          <p:nvPr>
+            <p:ph type="title"/>
+          </p:nvPr>
+        </p:nvSpPr>
+        <p:spPr/>
+        <p:txBody>
+          <a:bodyPr/>
+          <a:lstStyle/>
+          <a:p>
+            <a:r>
+              <a:rPr lang="en-US" dirty="0" smtClean="0"/>
+              <a:t>Team, Continued	</a:t>
+            </a:r>
+            <a:endParaRPr lang="en-US" dirty="0"/>
+          </a:p>
+        </p:txBody>
+      </p:sp>
+      <p:sp>
+        <p:nvSpPr>
+          <p:cNvPr id="3" name="Content Placeholder 2"/>
+          <p:cNvSpPr>
+            <a:spLocks noGrp="1"/>
+          </p:cNvSpPr>
+          <p:nvPr>
+            <p:ph sz="quarter" idx="1"/>
+          </p:nvPr>
+        </p:nvSpPr>
+        <p:spPr/>
+        <p:txBody>
+          <a:bodyPr>
+            <a:normAutofit lnSpcReduction="10000"/>
+          </a:bodyPr>
+          <a:lstStyle/>
+          <a:p>
+            <a:r>
+              <a:rPr lang="en-US" dirty="0" smtClean="0"/>
+              <a:t>Louis Joseck</a:t>
+            </a:r>
+          </a:p>
+          <a:p>
+            <a:pPr lvl="1"/>
+            <a:r>
+              <a:rPr lang="en-US" dirty="0" smtClean="0"/>
+              <a:t>Relevant Experience</a:t>
+            </a:r>
+          </a:p>
+          <a:p>
+            <a:pPr lvl="2"/>
+            <a:r>
+              <a:rPr lang="en-US" dirty="0" smtClean="0"/>
+              <a:t>User Interface Development</a:t>
+            </a:r>
+          </a:p>
+          <a:p>
+            <a:pPr lvl="2"/>
+            <a:r>
+              <a:rPr lang="en-US" dirty="0" smtClean="0"/>
+              <a:t>Software Development</a:t>
+            </a:r>
+          </a:p>
+          <a:p>
+            <a:pPr lvl="1"/>
+            <a:r>
+              <a:rPr lang="en-US" dirty="0" smtClean="0"/>
+              <a:t>Tasks</a:t>
+            </a:r>
+          </a:p>
+          <a:p>
+            <a:pPr lvl="2"/>
+            <a:r>
+              <a:rPr lang="en-US" dirty="0"/>
+              <a:t>Java Developer for Project</a:t>
+            </a:r>
+          </a:p>
+          <a:p>
+            <a:pPr lvl="2"/>
+            <a:r>
+              <a:rPr lang="en-US" dirty="0"/>
+              <a:t>Android UI Design</a:t>
+            </a:r>
+          </a:p>
+          <a:p>
+            <a:pPr lvl="2"/>
+            <a:endParaRPr lang="en-US" dirty="0"/>
+          </a:p>
+        </p:txBody>
+      </p:sp>
+      <p:sp>
+        <p:nvSpPr>
+          <p:cNvPr id="4" name="Content Placeholder 3"/>
+          <p:cNvSpPr>
+            <a:spLocks noGrp="1"/>
+          </p:cNvSpPr>
+          <p:nvPr>
+            <p:ph sz="quarter" idx="2"/>
+          </p:nvPr>
+        </p:nvSpPr>
+        <p:spPr/>
+        <p:txBody>
+          <a:bodyPr>
+            <a:normAutofit lnSpcReduction="10000"/>
+          </a:bodyPr>
+          <a:lstStyle/>
+          <a:p>
+            <a:r>
+              <a:rPr lang="en-US" dirty="0" smtClean="0"/>
+              <a:t>Lukas Neuber</a:t>
+            </a:r>
+          </a:p>
+          <a:p>
+            <a:pPr lvl="1"/>
+            <a:r>
+              <a:rPr lang="en-US" dirty="0" smtClean="0"/>
+              <a:t>Relevant Experience</a:t>
+            </a:r>
+          </a:p>
+          <a:p>
+            <a:pPr lvl="2"/>
+            <a:r>
+              <a:rPr lang="en-US" dirty="0" smtClean="0"/>
+              <a:t>Experience with the C language</a:t>
+            </a:r>
+          </a:p>
+          <a:p>
+            <a:pPr lvl="2"/>
+            <a:r>
+              <a:rPr lang="en-US" dirty="0" smtClean="0"/>
+              <a:t>Electrical Engineering Project Labs</a:t>
+            </a:r>
+          </a:p>
+          <a:p>
+            <a:pPr lvl="1"/>
+            <a:r>
+              <a:rPr lang="en-US" dirty="0" smtClean="0"/>
+              <a:t>Tasks</a:t>
+            </a:r>
+          </a:p>
+          <a:p>
+            <a:pPr lvl="2"/>
+            <a:r>
+              <a:rPr lang="en-US" dirty="0"/>
+              <a:t>Testing</a:t>
+            </a:r>
+          </a:p>
+          <a:p>
+            <a:pPr lvl="2"/>
+            <a:r>
+              <a:rPr lang="en-US" dirty="0"/>
+              <a:t>Documentation</a:t>
+            </a:r>
+          </a:p>
+          <a:p>
+            <a:pPr lvl="2"/>
+            <a:r>
+              <a:rPr lang="en-US" dirty="0"/>
+              <a:t>Assistance with Development, as needed</a:t>
+            </a:r>
+          </a:p>
+          <a:p>
+            <a:pPr lvl="2"/>
+            <a:endParaRPr lang="en-US" dirty="0"/>
+          </a:p>
+        </p:txBody>
+      </p:sp>
+    </p:spTree>
+    <p:extLst>
+      <p:ext uri="{BB962C8B-B14F-4D97-AF65-F5344CB8AC3E}">
+        <p14:creationId xmlns:p14="http://schemas.microsoft.com/office/powerpoint/2010/main" val="357951430"/>
+      </p:ext>
+    </p:extLst>
+  </p:cSld>
+  <p:clrMapOvr>
+    <a:masterClrMapping/>
+  </p:clrMapOvr>
+</p:sld>
+</file>
+
+<file path=ppt/slides/slide5.xml><?xml version="1.0" encoding="utf-8"?>
+<p:sld xmlns:a="http://schemas.openxmlformats.org/drawingml/2006/main" xmlns:r="http://schemas.openxmlformats.org/officeDocument/2006/relationships" xmlns:p="http://schemas.openxmlformats.org/presentationml/2006/main">
+  <p:cSld>
+    <p:spTree>
+      <p:nvGrpSpPr>
+        <p:cNvPr id="1" name=""/>
+        <p:cNvGrpSpPr/>
+        <p:nvPr/>
+      </p:nvGrpSpPr>
+      <p:grpSpPr>
+        <a:xfrm>
+          <a:off x="0" y="0"/>
+          <a:ext cx="0" cy="0"/>
+          <a:chOff x="0" y="0"/>
+          <a:chExt cx="0" cy="0"/>
+        </a:xfrm>
+      </p:grpSpPr>
+      <p:sp>
+        <p:nvSpPr>
+          <p:cNvPr id="2" name="Title 1"/>
+          <p:cNvSpPr>
+            <a:spLocks noGrp="1"/>
+          </p:cNvSpPr>
+          <p:nvPr>
+            <p:ph type="title"/>
+          </p:nvPr>
+        </p:nvSpPr>
+        <p:spPr/>
+        <p:txBody>
+          <a:bodyPr>
+            <a:normAutofit/>
+          </a:bodyPr>
+          <a:lstStyle/>
+          <a:p>
+            <a:r>
+              <a:rPr lang="en-US" dirty="0" smtClean="0"/>
+              <a:t>Target</a:t>
+            </a:r>
+            <a:endParaRPr lang="en-US" dirty="0"/>
+          </a:p>
+        </p:txBody>
+      </p:sp>
+      <p:sp>
+        <p:nvSpPr>
+          <p:cNvPr id="3" name="Content Placeholder 2"/>
+          <p:cNvSpPr>
+            <a:spLocks noGrp="1"/>
+          </p:cNvSpPr>
+          <p:nvPr>
+            <p:ph sz="quarter" idx="1"/>
+          </p:nvPr>
+        </p:nvSpPr>
+        <p:spPr/>
+        <p:txBody>
+          <a:bodyPr/>
+          <a:lstStyle/>
+          <a:p>
+            <a:r>
+              <a:rPr lang="en-US" dirty="0" smtClean="0"/>
+              <a:t>The users that are expected to use our apps are limitless, however we anticipate an older demographic to use our app more.</a:t>
+            </a:r>
+          </a:p>
+          <a:p>
+            <a:r>
+              <a:rPr lang="en-US" dirty="0" smtClean="0"/>
+              <a:t>Users could expect to see an increased in kitchen productivity with improved accessibility.</a:t>
+            </a:r>
+          </a:p>
+          <a:p>
+            <a:pPr marL="0" indent="0">
+              <a:buNone/>
+            </a:pPr>
+            <a:endParaRPr lang="en-US" dirty="0"/>
+          </a:p>
+        </p:txBody>
+      </p:sp>
+    </p:spTree>
+    <p:extLst>
+      <p:ext uri="{BB962C8B-B14F-4D97-AF65-F5344CB8AC3E}">
+        <p14:creationId xmlns:p14="http://schemas.microsoft.com/office/powerpoint/2010/main" val="2438706167"/>
+      </p:ext>
+    </p:extLst>
+  </p:cSld>
+  <p:clrMapOvr>
+    <a:masterClrMapping/>
+  </p:clrMapOvr>
+</p:sld>
+</file>
+
+<file path=ppt/slides/slide6.xml><?xml version="1.0" encoding="utf-8"?>
+<p:sld xmlns:a="http://schemas.openxmlformats.org/drawingml/2006/main" xmlns:r="http://schemas.openxmlformats.org/officeDocument/2006/relationships" xmlns:p="http://schemas.openxmlformats.org/presentationml/2006/main">
+  <p:cSld>
+    <p:spTree>
+      <p:nvGrpSpPr>
+        <p:cNvPr id="1" name=""/>
+        <p:cNvGrpSpPr/>
+        <p:nvPr/>
+      </p:nvGrpSpPr>
+      <p:grpSpPr>
+        <a:xfrm>
+          <a:off x="0" y="0"/>
+          <a:ext cx="0" cy="0"/>
+          <a:chOff x="0" y="0"/>
+          <a:chExt cx="0" cy="0"/>
+        </a:xfrm>
+      </p:grpSpPr>
+      <p:sp>
+        <p:nvSpPr>
+          <p:cNvPr id="2" name="Title 1"/>
+          <p:cNvSpPr>
+            <a:spLocks noGrp="1"/>
+          </p:cNvSpPr>
+          <p:nvPr>
+            <p:ph type="title"/>
+          </p:nvPr>
+        </p:nvSpPr>
+        <p:spPr/>
+        <p:txBody>
+          <a:bodyPr>
+            <a:normAutofit/>
+          </a:bodyPr>
+          <a:lstStyle/>
+          <a:p>
+            <a:r>
+              <a:rPr lang="en-US" dirty="0" smtClean="0"/>
+              <a:t>Requirements</a:t>
+            </a:r>
+            <a:endParaRPr lang="en-US" dirty="0"/>
+          </a:p>
+        </p:txBody>
+      </p:sp>
+      <p:sp>
+        <p:nvSpPr>
+          <p:cNvPr id="3" name="Content Placeholder 2"/>
+          <p:cNvSpPr>
+            <a:spLocks noGrp="1"/>
+          </p:cNvSpPr>
+          <p:nvPr>
+            <p:ph sz="quarter" idx="1"/>
+          </p:nvPr>
+        </p:nvSpPr>
+        <p:spPr/>
+        <p:txBody>
+          <a:bodyPr/>
+          <a:lstStyle/>
+          <a:p>
+            <a:r>
+              <a:rPr lang="en-US" dirty="0" smtClean="0"/>
+              <a:t>For our app to meet the previously listed description, we will encompass the following features:</a:t>
+            </a:r>
+          </a:p>
+          <a:p>
+            <a:pPr lvl="1"/>
+            <a:r>
+              <a:rPr lang="en-US" dirty="0" smtClean="0"/>
+              <a:t>Add and remove recipes</a:t>
+            </a:r>
+          </a:p>
+          <a:p>
+            <a:pPr lvl="1"/>
+            <a:r>
+              <a:rPr lang="en-US" dirty="0" smtClean="0"/>
+              <a:t>Include picture of recipe and ingredients.</a:t>
+            </a:r>
+          </a:p>
+          <a:p>
+            <a:pPr lvl="1"/>
+            <a:r>
+              <a:rPr lang="en-US" dirty="0" smtClean="0"/>
+              <a:t>Search for recipes or by ingredients.</a:t>
+            </a:r>
+          </a:p>
+          <a:p>
+            <a:pPr lvl="1"/>
+            <a:r>
+              <a:rPr lang="en-US" dirty="0" smtClean="0"/>
+              <a:t>Display a list of recipes</a:t>
+            </a:r>
+          </a:p>
+          <a:p>
+            <a:pPr lvl="1"/>
+            <a:endParaRPr lang="en-US" dirty="0"/>
+          </a:p>
+        </p:txBody>
+      </p:sp>
+    </p:spTree>
+    <p:extLst>
+      <p:ext uri="{BB962C8B-B14F-4D97-AF65-F5344CB8AC3E}">
+        <p14:creationId xmlns:p14="http://schemas.microsoft.com/office/powerpoint/2010/main" val="18192817"/>
+      </p:ext>
+    </p:extLst>
+  </p:cSld>
+  <p:clrMapOvr>
+    <a:masterClrMapping/>
+  </p:clrMapOvr>
+</p:sld>
+</file>
+
+<file path=ppt/slides/slide7.xml><?xml version="1.0" encoding="utf-8"?>
+<p:sld xmlns:a="http://schemas.openxmlformats.org/drawingml/2006/main" xmlns:r="http://schemas.openxmlformats.org/officeDocument/2006/relationships" xmlns:p="http://schemas.openxmlformats.org/presentationml/2006/main">
+  <p:cSld>
+    <p:spTree>
+      <p:nvGrpSpPr>
+        <p:cNvPr id="1" name=""/>
+        <p:cNvGrpSpPr/>
+        <p:nvPr/>
+      </p:nvGrpSpPr>
+      <p:grpSpPr>
+        <a:xfrm>
+          <a:off x="0" y="0"/>
+          <a:ext cx="0" cy="0"/>
+          <a:chOff x="0" y="0"/>
+          <a:chExt cx="0" cy="0"/>
+        </a:xfrm>
+      </p:grpSpPr>
+      <p:sp>
+        <p:nvSpPr>
+          <p:cNvPr id="2" name="Title 1"/>
+          <p:cNvSpPr>
+            <a:spLocks noGrp="1"/>
+          </p:cNvSpPr>
+          <p:nvPr>
+            <p:ph type="title"/>
+          </p:nvPr>
+        </p:nvSpPr>
+        <p:spPr/>
+        <p:txBody>
+          <a:bodyPr>
+            <a:normAutofit/>
+          </a:bodyPr>
+          <a:lstStyle/>
+          <a:p>
+            <a:r>
+              <a:rPr lang="en-US" dirty="0" smtClean="0"/>
+              <a:t>Development</a:t>
+            </a:r>
+            <a:endParaRPr lang="en-US" dirty="0"/>
+          </a:p>
+        </p:txBody>
+      </p:sp>
+      <p:sp>
+        <p:nvSpPr>
+          <p:cNvPr id="3" name="Content Placeholder 2"/>
+          <p:cNvSpPr>
+            <a:spLocks noGrp="1"/>
+          </p:cNvSpPr>
+          <p:nvPr>
+            <p:ph sz="quarter" idx="1"/>
+          </p:nvPr>
+        </p:nvSpPr>
+        <p:spPr/>
+        <p:txBody>
+          <a:bodyPr/>
+          <a:lstStyle/>
+          <a:p>
+            <a:r>
+              <a:rPr lang="en-US" dirty="0" smtClean="0"/>
+              <a:t>No commercial resources will be required. Development will be conducted in Android Studio, which is a free Android development suite.</a:t>
+            </a:r>
+          </a:p>
+          <a:p>
+            <a:r>
+              <a:rPr lang="en-US" dirty="0" smtClean="0"/>
+              <a:t>Additional resources and libraries are expected to be free and open sourced.</a:t>
+            </a:r>
+          </a:p>
+        </p:txBody>
+      </p:sp>
+    </p:spTree>
+    <p:extLst>
+      <p:ext uri="{BB962C8B-B14F-4D97-AF65-F5344CB8AC3E}">
+        <p14:creationId xmlns:p14="http://schemas.microsoft.com/office/powerpoint/2010/main" val="1738372393"/>
+      </p:ext>
+    </p:extLst>
+  </p:cSld>
+  <p:clrMapOvr>
+    <a:masterClrMapping/>
+  </p:clrMapOvr>
+</p:sld>
+</file>
+
+<file path=ppt/slides/slide8.xml><?xml version="1.0" encoding="utf-8"?>
+<p:sld xmlns:a="http://schemas.openxmlformats.org/drawingml/2006/main" xmlns:r="http://schemas.openxmlformats.org/officeDocument/2006/relationships" xmlns:p="http://schemas.openxmlformats.org/presentationml/2006/main">
+  <p:cSld>
+    <p:spTree>
+      <p:nvGrpSpPr>
+        <p:cNvPr id="1" name=""/>
+        <p:cNvGrpSpPr/>
+        <p:nvPr/>
+      </p:nvGrpSpPr>
+      <p:grpSpPr>
+        <a:xfrm>
+          <a:off x="0" y="0"/>
+          <a:ext cx="0" cy="0"/>
+          <a:chOff x="0" y="0"/>
+          <a:chExt cx="0" cy="0"/>
+        </a:xfrm>
+      </p:grpSpPr>
+      <p:sp>
+        <p:nvSpPr>
+          <p:cNvPr id="2" name="Title 1"/>
+          <p:cNvSpPr>
+            <a:spLocks noGrp="1"/>
+          </p:cNvSpPr>
+          <p:nvPr>
+            <p:ph type="title"/>
+          </p:nvPr>
+        </p:nvSpPr>
+        <p:spPr/>
+        <p:txBody>
+          <a:bodyPr/>
+          <a:lstStyle/>
+          <a:p>
+            <a:r>
+              <a:rPr lang="en-US" dirty="0" smtClean="0"/>
+              <a:t>Costs/Revenue</a:t>
+            </a:r>
+            <a:endParaRPr lang="en-US" dirty="0"/>
+          </a:p>
+        </p:txBody>
+      </p:sp>
+      <mc:AlternateContent xmlns:mc="http://schemas.openxmlformats.org/markup-compatibility/2006">
+        <mc:Choice xmlns:a14="http://schemas.microsoft.com/office/drawing/2010/main" Requires="a14">
+          <p:sp>
+            <p:nvSpPr>
+              <p:cNvPr id="3" name="Content Placeholder 2"/>
+              <p:cNvSpPr>
+                <a:spLocks noGrp="1"/>
+              </p:cNvSpPr>
+              <p:nvPr>
+                <p:ph sz="quarter" idx="1"/>
+              </p:nvPr>
+            </p:nvSpPr>
+            <p:spPr/>
+            <p:txBody>
+              <a:bodyPr>
+                <a:normAutofit fontScale="92500"/>
+              </a:bodyPr>
+              <a:lstStyle/>
+              <a:p>
+                <a:r>
+                  <a:rPr lang="en-US" dirty="0" smtClean="0"/>
+                  <a:t>The costs of development will strictly be our team’s labor.</a:t>
+                </a:r>
+              </a:p>
+              <a:p>
+                <a:r>
+                  <a:rPr lang="en-US" dirty="0" smtClean="0"/>
+                  <a:t>This form of app in a professional environment would follow a free-to-use (Freeware) model.</a:t>
+                </a:r>
+              </a:p>
+              <a:p>
+                <a:r>
+                  <a:rPr lang="en-US" dirty="0" smtClean="0"/>
+                  <a:t>Revenue would be derived from in-app advertising.</a:t>
+                </a:r>
+              </a:p>
+              <a:p>
+                <a:r>
+                  <a:rPr lang="en-US" dirty="0" smtClean="0"/>
+                  <a:t>An estimated revenue model could be as follows:</a:t>
+                </a:r>
+              </a:p>
+              <a:p>
+                <a:pPr lvl="1"/>
+                <a14:m>
+                  <m:oMath xmlns:m="http://schemas.openxmlformats.org/officeDocument/2006/math">
+                    <m:f>
+                      <m:fPr>
+                        <m:ctrlPr>
+                          <a:rPr lang="en-US" i="1" smtClean="0">
+                            <a:latin typeface="Cambria Math"/>
+                          </a:rPr>
+                        </m:ctrlPr>
+                      </m:fPr>
+                      <m:num>
+                        <m:r>
+                          <a:rPr lang="en-US" b="0" i="1" smtClean="0">
+                            <a:latin typeface="Cambria Math"/>
+                          </a:rPr>
+                          <m:t>𝑁𝑢𝑚𝑏𝑒𝑟</m:t>
+                        </m:r>
+                        <m:r>
+                          <a:rPr lang="en-US" b="0" i="1" smtClean="0">
+                            <a:latin typeface="Cambria Math"/>
+                          </a:rPr>
+                          <m:t> </m:t>
+                        </m:r>
+                        <m:r>
+                          <a:rPr lang="en-US" b="0" i="1" smtClean="0">
+                            <a:latin typeface="Cambria Math"/>
+                          </a:rPr>
+                          <m:t>𝑜𝑓</m:t>
+                        </m:r>
+                        <m:r>
+                          <a:rPr lang="en-US" b="0" i="1" smtClean="0">
+                            <a:latin typeface="Cambria Math"/>
+                          </a:rPr>
+                          <m:t> </m:t>
+                        </m:r>
+                        <m:r>
+                          <a:rPr lang="en-US" b="0" i="1" smtClean="0">
+                            <a:latin typeface="Cambria Math"/>
+                          </a:rPr>
+                          <m:t>𝑈𝑠𝑒𝑟𝑠</m:t>
+                        </m:r>
+                      </m:num>
+                      <m:den>
+                        <m:r>
+                          <a:rPr lang="en-US" b="0" i="1" smtClean="0">
+                            <a:latin typeface="Cambria Math"/>
+                          </a:rPr>
+                          <m:t>1000</m:t>
+                        </m:r>
+                      </m:den>
+                    </m:f>
+                    <m:r>
+                      <a:rPr lang="en-US" i="1" smtClean="0">
+                        <a:latin typeface="Cambria Math"/>
+                        <a:ea typeface="Cambria Math"/>
+                      </a:rPr>
+                      <m:t>∙</m:t>
+                    </m:r>
+                    <m:r>
+                      <a:rPr lang="en-US" b="0" i="1" smtClean="0">
+                        <a:latin typeface="Cambria Math"/>
+                        <a:ea typeface="Cambria Math"/>
+                      </a:rPr>
+                      <m:t>𝑒𝐶𝑃𝑀</m:t>
+                    </m:r>
+                  </m:oMath>
+                </a14:m>
+                <a:endParaRPr lang="en-US" b="0" dirty="0" smtClean="0">
+                  <a:ea typeface="Cambria Math"/>
+                </a:endParaRPr>
+              </a:p>
+              <a:p>
+                <a:pPr lvl="1"/>
+                <a:r>
+                  <a:rPr lang="en-US" dirty="0" smtClean="0"/>
+                  <a:t>Where </a:t>
+                </a:r>
+                <a:r>
+                  <a:rPr lang="en-US" dirty="0" err="1" smtClean="0"/>
+                  <a:t>eCPM</a:t>
+                </a:r>
+                <a:r>
+                  <a:rPr lang="en-US" dirty="0" smtClean="0"/>
+                  <a:t> (estimated cost per mile) could be between $0.50 and $8.00 depending on the advertisement density.</a:t>
+                </a:r>
+              </a:p>
+            </p:txBody>
+          </p:sp>
+        </mc:Choice>
+        <mc:Fallback>
+          <p:sp>
+            <p:nvSpPr>
+              <p:cNvPr id="3" name="Content Placeholder 2"/>
+              <p:cNvSpPr>
+                <a:spLocks noGrp="1" noRot="1" noChangeAspect="1" noMove="1" noResize="1" noEditPoints="1" noAdjustHandles="1" noChangeArrowheads="1" noChangeShapeType="1" noTextEdit="1"/>
+              </p:cNvSpPr>
+              <p:nvPr>
+                <p:ph sz="quarter" idx="1"/>
+              </p:nvPr>
+            </p:nvSpPr>
+            <p:spPr>
+              <a:blipFill rotWithShape="1">
+                <a:blip r:embed="rId2"/>
+                <a:stretch>
+                  <a:fillRect l="-374" t="-1221"/>
+                </a:stretch>
+              </a:blipFill>
+            </p:spPr>
+            <p:txBody>
+              <a:bodyPr/>
+              <a:lstStyle/>
+              <a:p>
+                <a:r>
+                  <a:rPr lang="en-US">
+                    <a:noFill/>
+                  </a:rPr>
+                  <a:t> </a:t>
+                </a:r>
+              </a:p>
+            </p:txBody>
+          </p:sp>
+        </mc:Fallback>
+      </mc:AlternateContent>
+    </p:spTree>
+    <p:extLst>
+      <p:ext uri="{BB962C8B-B14F-4D97-AF65-F5344CB8AC3E}">
+        <p14:creationId xmlns:p14="http://schemas.microsoft.com/office/powerpoint/2010/main" val="813831097"/>
+      </p:ext>
+    </p:extLst>
+  </p:cSld>
+  <p:clrMapOvr>
+    <a:masterClrMapping/>
+  </p:clrMapOvr>
+</p:sld>
+</file>
+
+<file path=ppt/slides/slide9.xml><?xml version="1.0" encoding="utf-8"?>
+<p:sld xmlns:a="http://schemas.openxmlformats.org/drawingml/2006/main" xmlns:r="http://schemas.openxmlformats.org/officeDocument/2006/relationships" xmlns:p="http://schemas.openxmlformats.org/presentationml/2006/main">
+  <p:cSld>
+    <p:spTree>
+      <p:nvGrpSpPr>
+        <p:cNvPr id="1" name=""/>
+        <p:cNvGrpSpPr/>
+        <p:nvPr/>
+      </p:nvGrpSpPr>
+      <p:grpSpPr>
+        <a:xfrm>
+          <a:off x="0" y="0"/>
+          <a:ext cx="0" cy="0"/>
+          <a:chOff x="0" y="0"/>
+          <a:chExt cx="0" cy="0"/>
+        </a:xfrm>
+      </p:grpSpPr>
+      <p:sp>
+        <p:nvSpPr>
+          <p:cNvPr id="2" name="Title 1"/>
+          <p:cNvSpPr>
+            <a:spLocks noGrp="1"/>
+          </p:cNvSpPr>
+          <p:nvPr>
+            <p:ph type="title"/>
+          </p:nvPr>
+        </p:nvSpPr>
+        <p:spPr/>
+        <p:txBody>
+          <a:bodyPr/>
+          <a:lstStyle/>
+          <a:p>
+            <a:r>
+              <a:rPr lang="en-US" dirty="0" smtClean="0"/>
+              <a:t>Risks</a:t>
+            </a:r>
+            <a:endParaRPr lang="en-US" dirty="0"/>
+          </a:p>
+        </p:txBody>
+      </p:sp>
+      <p:sp>
+        <p:nvSpPr>
+          <p:cNvPr id="3" name="Content Placeholder 2"/>
+          <p:cNvSpPr>
+            <a:spLocks noGrp="1"/>
+          </p:cNvSpPr>
+          <p:nvPr>
+            <p:ph sz="quarter" idx="1"/>
+          </p:nvPr>
+        </p:nvSpPr>
+        <p:spPr/>
+        <p:txBody>
+          <a:bodyPr>
+            <a:normAutofit fontScale="92500" lnSpcReduction="20000"/>
+          </a:bodyPr>
+          <a:lstStyle/>
+          <a:p>
+            <a:r>
+              <a:rPr lang="en-US" dirty="0" smtClean="0"/>
+              <a:t>Performance</a:t>
+            </a:r>
+          </a:p>
+          <a:p>
+            <a:pPr lvl="1"/>
+            <a:r>
+              <a:rPr lang="en-US" dirty="0" smtClean="0"/>
+              <a:t>Mobile apps require highly optimized algorithms to run smoothly.</a:t>
+            </a:r>
+          </a:p>
+          <a:p>
+            <a:pPr lvl="1"/>
+            <a:r>
+              <a:rPr lang="en-US" dirty="0" smtClean="0"/>
+              <a:t>This issue could be resolved through rigorous testing and careful planning.</a:t>
+            </a:r>
+          </a:p>
+          <a:p>
+            <a:r>
+              <a:rPr lang="en-US" dirty="0" smtClean="0"/>
+              <a:t>Failure to implement all requirements</a:t>
+            </a:r>
+          </a:p>
+          <a:p>
+            <a:pPr lvl="1"/>
+            <a:r>
+              <a:rPr lang="en-US" dirty="0" smtClean="0"/>
+              <a:t>This risk could be resolved through careful planning, research, and organization.</a:t>
+            </a:r>
+          </a:p>
+          <a:p>
+            <a:r>
+              <a:rPr lang="en-US" dirty="0" smtClean="0"/>
+              <a:t>Local Storage of Recipes</a:t>
+            </a:r>
+          </a:p>
+          <a:p>
+            <a:pPr lvl="1"/>
+            <a:r>
+              <a:rPr lang="en-US" dirty="0" smtClean="0"/>
+              <a:t>Migrating to a new phone would cause recipes to be lost.</a:t>
+            </a:r>
+          </a:p>
+          <a:p>
+            <a:pPr lvl="1"/>
+            <a:r>
+              <a:rPr lang="en-US" dirty="0" smtClean="0"/>
+              <a:t>This risk could be resolved by adding a backup feature or cloud save feature, if time provides.</a:t>
+            </a:r>
+          </a:p>
+          <a:p>
+            <a:endParaRPr lang="en-US" dirty="0"/>
+          </a:p>
+        </p:txBody>
+      </p:sp>
+    </p:spTree>
+    <p:extLst>
+      <p:ext uri="{BB962C8B-B14F-4D97-AF65-F5344CB8AC3E}">
+        <p14:creationId xmlns:p14="http://schemas.microsoft.com/office/powerpoint/2010/main" val="434185022"/>
+      </p:ext>
+    </p:extLst>
+  </p:cSld>
+  <p:clrMapOvr>
+    <a:masterClrMapping/>
+  </p:clrMapOvr>
+</p:sld>
+</file>
+
 <file path=ppt/theme/theme1.xml><?xml version="1.0" encoding="utf-8"?>
-<a:theme xmlns:a="http://schemas.openxmlformats.org/drawingml/2006/main" name="Office Theme">
+<a:theme xmlns:a="http://schemas.openxmlformats.org/drawingml/2006/main" name="Median">
   <a:themeElements>
-    <a:clrScheme name="Office">
+    <a:clrScheme name="Median">
       <a:dk1>
         <a:sysClr val="windowText" lastClr="000000"/>
       </a:dk1>
@@ -3157,83 +4950,50 @@
         <a:sysClr val="window" lastClr="FFFFFF"/>
       </a:lt1>
       <a:dk2>
-        <a:srgbClr val="1F497D"/>
+        <a:srgbClr val="775F55"/>
       </a:dk2>
       <a:lt2>
-        <a:srgbClr val="EEECE1"/>
+        <a:srgbClr val="EBDDC3"/>
       </a:lt2>
       <a:accent1>
-        <a:srgbClr val="4F81BD"/>
+        <a:srgbClr val="94B6D2"/>
       </a:accent1>
       <a:accent2>
-        <a:srgbClr val="C0504D"/>
+        <a:srgbClr val="DD8047"/>
       </a:accent2>
       <a:accent3>
-        <a:srgbClr val="9BBB59"/>
+        <a:srgbClr val="A5AB81"/>
       </a:accent3>
       <a:accent4>
-        <a:srgbClr val="8064A2"/>
+        <a:srgbClr val="D8B25C"/>
       </a:accent4>
       <a:accent5>
-        <a:srgbClr val="4BACC6"/>
+        <a:srgbClr val="7BA79D"/>
       </a:accent5>
       <a:accent6>
-        <a:srgbClr val="F79646"/>
+        <a:srgbClr val="968C8C"/>
       </a:accent6>
       <a:hlink>
-        <a:srgbClr val="0000FF"/>
+        <a:srgbClr val="F7B615"/>
       </a:hlink>
       <a:folHlink>
-        <a:srgbClr val="800080"/>
+        <a:srgbClr val="704404"/>
       </a:folHlink>
     </a:clrScheme>
-    <a:fontScheme name="Office">
+    <a:fontScheme name="Median">
       <a:majorFont>
-        <a:latin typeface="Calibri"/>
+        <a:latin typeface="Tw Cen MT"/>
         <a:ea typeface=""/>
         <a:cs typeface=""/>
-        <a:font script="Jpan" typeface="ＭＳ Ｐゴシック"/>
-        <a:font script="Hang" typeface="맑은 고딕"/>
-        <a:font script="Hans" typeface="宋体"/>
-        <a:font script="Hant" typeface="新細明體"/>
-        <a:font script="Arab" typeface="Times New Roman"/>
-        <a:font script="Hebr" typeface="Times New Roman"/>
-        <a:font script="Thai" typeface="Angsana New"/>
-        <a:font script="Ethi" typeface="Nyala"/>
-        <a:font script="Beng" typeface="Vrinda"/>
-        <a:font script="Gujr" typeface="Shruti"/>
-        <a:font script="Khmr" typeface="MoolBoran"/>
-        <a:font script="Knda" typeface="Tunga"/>
-        <a:font script="Guru" typeface="Raavi"/>
-        <a:font script="Cans" typeface="Euphemia"/>
-        <a:font script="Cher" typeface="Plantagenet Cherokee"/>
-        <a:font script="Yiii" typeface="Microsoft Yi Baiti"/>
-        <a:font script="Tibt" typeface="Microsoft Himalaya"/>
-        <a:font script="Thaa" typeface="MV Boli"/>
-        <a:font script="Deva" typeface="Mangal"/>
-        <a:font script="Telu" typeface="Gautami"/>
-        <a:font script="Taml" typeface="Latha"/>
-        <a:font script="Syrc" typeface="Estrangelo Edessa"/>
-        <a:font script="Orya" typeface="Kalinga"/>
-        <a:font script="Mlym" typeface="Kartika"/>
-        <a:font script="Laoo" typeface="DokChampa"/>
-        <a:font script="Sinh" typeface="Iskoola Pota"/>
-        <a:font script="Mong" typeface="Mongolian Baiti"/>
-        <a:font script="Viet" typeface="Times New Roman"/>
-        <a:font script="Uigh" typeface="Microsoft Uighur"/>
-        <a:font script="Geor" typeface="Sylfaen"/>
-      </a:majorFont>
-      <a:minorFont>
-        <a:latin typeface="Calibri"/>
-        <a:ea typeface=""/>
-        <a:cs typeface=""/>
-        <a:font script="Jpan" typeface="ＭＳ Ｐゴシック"/>
-        <a:font script="Hang" typeface="맑은 고딕"/>
-        <a:font script="Hans" typeface="宋体"/>
-        <a:font script="Hant" typeface="新細明體"/>
+        <a:font script="Grek" typeface="Calibri"/>
+        <a:font script="Cyrl" typeface="Calibri"/>
+        <a:font script="Jpan" typeface="HGPｺﾞｼｯｸE"/>
+        <a:font script="Hang" typeface="HY얕은샘물M"/>
+        <a:font script="Hans" typeface="华文仿宋"/>
+        <a:font script="Hant" typeface="微軟正黑體"/>
         <a:font script="Arab" typeface="Arial"/>
-        <a:font script="Hebr" typeface="Arial"/>
-        <a:font script="Thai" typeface="Cordia New"/>
+        <a:font script="Hebr" typeface="Levenim MT"/>
+        <a:font script="Thai" typeface="FreesiaUPC"/>
         <a:font script="Ethi" typeface="Nyala"/>
         <a:font script="Beng" typeface="Vrinda"/>
         <a:font script="Gujr" typeface="Shruti"/>
@@ -3254,80 +5014,76 @@
         <a:font script="Laoo" typeface="DokChampa"/>
         <a:font script="Sinh" typeface="Iskoola Pota"/>
         <a:font script="Mong" typeface="Mongolian Baiti"/>
-        <a:font script="Viet" typeface="Arial"/>
+        <a:font script="Viet" typeface="Tahoma"/>
+        <a:font script="Uigh" typeface="Microsoft Uighur"/>
+        <a:font script="Geor" typeface="Sylfaen"/>
+      </a:majorFont>
+      <a:minorFont>
+        <a:latin typeface="Tw Cen MT"/>
+        <a:ea typeface=""/>
+        <a:cs typeface=""/>
+        <a:font script="Grek" typeface="Calibri"/>
+        <a:font script="Cyrl" typeface="Calibri"/>
+        <a:font script="Jpan" typeface="HGPｺﾞｼｯｸE"/>
+        <a:font script="Hang" typeface="HY얕은샘물M"/>
+        <a:font script="Hans" typeface="华文仿宋"/>
+        <a:font script="Hant" typeface="微軟正黑體"/>
+        <a:font script="Arab" typeface="Arial"/>
+        <a:font script="Hebr" typeface="Levenim MT"/>
+        <a:font script="Thai" typeface="FreesiaUPC"/>
+        <a:font script="Ethi" typeface="Nyala"/>
+        <a:font script="Beng" typeface="Vrinda"/>
+        <a:font script="Gujr" typeface="Shruti"/>
+        <a:font script="Khmr" typeface="DaunPenh"/>
+        <a:font script="Knda" typeface="Tunga"/>
+        <a:font script="Guru" typeface="Raavi"/>
+        <a:font script="Cans" typeface="Euphemia"/>
+        <a:font script="Cher" typeface="Plantagenet Cherokee"/>
+        <a:font script="Yiii" typeface="Microsoft Yi Baiti"/>
+        <a:font script="Tibt" typeface="Microsoft Himalaya"/>
+        <a:font script="Thaa" typeface="MV Boli"/>
+        <a:font script="Deva" typeface="Mangal"/>
+        <a:font script="Telu" typeface="Gautami"/>
+        <a:font script="Taml" typeface="Latha"/>
+        <a:font script="Syrc" typeface="Estrangelo Edessa"/>
+        <a:font script="Orya" typeface="Kalinga"/>
+        <a:font script="Mlym" typeface="Kartika"/>
+        <a:font script="Laoo" typeface="DokChampa"/>
+        <a:font script="Sinh" typeface="Iskoola Pota"/>
+        <a:font script="Mong" typeface="Mongolian Baiti"/>
+        <a:font script="Viet" typeface="Tahoma"/>
         <a:font script="Uigh" typeface="Microsoft Uighur"/>
         <a:font script="Geor" typeface="Sylfaen"/>
       </a:minorFont>
     </a:fontScheme>
-    <a:fmtScheme name="Office">
+    <a:fmtScheme name="Median">
       <a:fillStyleLst>
         <a:solidFill>
           <a:schemeClr val="phClr"/>
         </a:solidFill>
-        <a:gradFill rotWithShape="1">
-          <a:gsLst>
-            <a:gs pos="0">
-              <a:schemeClr val="phClr">
-                <a:tint val="50000"/>
-                <a:satMod val="300000"/>
-              </a:schemeClr>
-            </a:gs>
-            <a:gs pos="35000">
-              <a:schemeClr val="phClr">
-                <a:tint val="37000"/>
-                <a:satMod val="300000"/>
-              </a:schemeClr>
-            </a:gs>
-            <a:gs pos="100000">
-              <a:schemeClr val="phClr">
-                <a:tint val="15000"/>
-                <a:satMod val="350000"/>
-              </a:schemeClr>
-            </a:gs>
-          </a:gsLst>
-          <a:lin ang="16200000" scaled="1"/>
-        </a:gradFill>
-        <a:gradFill rotWithShape="1">
-          <a:gsLst>
-            <a:gs pos="0">
-              <a:schemeClr val="phClr">
-                <a:shade val="51000"/>
-                <a:satMod val="130000"/>
-              </a:schemeClr>
-            </a:gs>
-            <a:gs pos="80000">
-              <a:schemeClr val="phClr">
-                <a:shade val="93000"/>
-                <a:satMod val="130000"/>
-              </a:schemeClr>
-            </a:gs>
-            <a:gs pos="100000">
-              <a:schemeClr val="phClr">
-                <a:shade val="94000"/>
-                <a:satMod val="135000"/>
-              </a:schemeClr>
-            </a:gs>
-          </a:gsLst>
-          <a:lin ang="16200000" scaled="0"/>
-        </a:gradFill>
+        <a:solidFill>
+          <a:schemeClr val="phClr">
+            <a:tint val="50000"/>
+          </a:schemeClr>
+        </a:solidFill>
+        <a:solidFill>
+          <a:schemeClr val="phClr"/>
+        </a:solidFill>
       </a:fillStyleLst>
       <a:lnStyleLst>
-        <a:ln w="9525" cap="flat" cmpd="sng" algn="ctr">
-          <a:solidFill>
-            <a:schemeClr val="phClr">
-              <a:shade val="95000"/>
-              <a:satMod val="105000"/>
-            </a:schemeClr>
-          </a:solidFill>
-          <a:prstDash val="solid"/>
-        </a:ln>
-        <a:ln w="25400" cap="flat" cmpd="sng" algn="ctr">
+        <a:ln w="10000" cap="flat" cmpd="sng" algn="ctr">
           <a:solidFill>
             <a:schemeClr val="phClr"/>
           </a:solidFill>
           <a:prstDash val="solid"/>
         </a:ln>
-        <a:ln w="38100" cap="flat" cmpd="sng" algn="ctr">
+        <a:ln w="19050" cap="flat" cmpd="sng" algn="ctr">
+          <a:solidFill>
+            <a:schemeClr val="phClr"/>
+          </a:solidFill>
+          <a:prstDash val="solid"/>
+        </a:ln>
+        <a:ln w="47625" cap="flat" cmpd="dbl" algn="ctr">
           <a:solidFill>
             <a:schemeClr val="phClr"/>
           </a:solidFill>
@@ -3337,40 +5093,43 @@
       <a:effectStyleLst>
         <a:effectStyle>
           <a:effectLst>
-            <a:outerShdw blurRad="40000" dist="20000" dir="5400000" rotWithShape="0">
+            <a:outerShdw blurRad="38100" dist="30000" dir="5400000" rotWithShape="0">
               <a:srgbClr val="000000">
-                <a:alpha val="38000"/>
+                <a:alpha val="45000"/>
               </a:srgbClr>
             </a:outerShdw>
           </a:effectLst>
         </a:effectStyle>
         <a:effectStyle>
           <a:effectLst>
-            <a:outerShdw blurRad="40000" dist="23000" dir="5400000" rotWithShape="0">
+            <a:outerShdw blurRad="38100" dist="30000" dir="5400000" rotWithShape="0">
               <a:srgbClr val="000000">
-                <a:alpha val="35000"/>
+                <a:alpha val="45000"/>
               </a:srgbClr>
             </a:outerShdw>
           </a:effectLst>
         </a:effectStyle>
         <a:effectStyle>
           <a:effectLst>
-            <a:outerShdw blurRad="40000" dist="23000" dir="5400000" rotWithShape="0">
+            <a:outerShdw blurRad="38100" dist="25400" dir="5400000" rotWithShape="0">
               <a:srgbClr val="000000">
                 <a:alpha val="35000"/>
               </a:srgbClr>
             </a:outerShdw>
           </a:effectLst>
           <a:scene3d>
-            <a:camera prst="orthographicFront">
+            <a:camera prst="isometricTopDown" fov="0">
               <a:rot lat="0" lon="0" rev="0"/>
             </a:camera>
-            <a:lightRig rig="threePt" dir="t">
-              <a:rot lat="0" lon="0" rev="1200000"/>
+            <a:lightRig rig="balanced" dir="t">
+              <a:rot lat="0" lon="0" rev="13800000"/>
             </a:lightRig>
           </a:scene3d>
-          <a:sp3d>
-            <a:bevelT w="63500" h="25400"/>
+          <a:sp3d extrusionH="12700" prstMaterial="plastic">
+            <a:bevelT w="38100" h="25400" prst="softRound"/>
+            <a:contourClr>
+              <a:schemeClr val="phClr"/>
+            </a:contourClr>
           </a:sp3d>
         </a:effectStyle>
       </a:effectStyleLst>
@@ -3378,51 +5137,34 @@
         <a:solidFill>
           <a:schemeClr val="phClr"/>
         </a:solidFill>
-        <a:gradFill rotWithShape="1">
-          <a:gsLst>
-            <a:gs pos="0">
+        <a:blipFill>
+          <a:blip xmlns:r="http://schemas.openxmlformats.org/officeDocument/2006/relationships" r:embed="rId1">
+            <a:duotone>
               <a:schemeClr val="phClr">
-                <a:tint val="40000"/>
-                <a:satMod val="350000"/>
+                <a:shade val="90000"/>
+                <a:satMod val="140000"/>
               </a:schemeClr>
-            </a:gs>
-            <a:gs pos="40000">
               <a:schemeClr val="phClr">
-                <a:tint val="45000"/>
-                <a:shade val="99000"/>
-                <a:satMod val="350000"/>
+                <a:satMod val="120000"/>
               </a:schemeClr>
-            </a:gs>
-            <a:gs pos="100000">
+            </a:duotone>
+          </a:blip>
+          <a:tile tx="0" ty="0" sx="100000" sy="100000" flip="none" algn="tl"/>
+        </a:blipFill>
+        <a:blipFill>
+          <a:blip xmlns:r="http://schemas.openxmlformats.org/officeDocument/2006/relationships" r:embed="rId2">
+            <a:duotone>
               <a:schemeClr val="phClr">
-                <a:shade val="20000"/>
-                <a:satMod val="255000"/>
+                <a:shade val="90000"/>
+                <a:satMod val="140000"/>
               </a:schemeClr>
-            </a:gs>
-          </a:gsLst>
-          <a:path path="circle">
-            <a:fillToRect l="50000" t="-80000" r="50000" b="180000"/>
-          </a:path>
-        </a:gradFill>
-        <a:gradFill rotWithShape="1">
-          <a:gsLst>
-            <a:gs pos="0">
               <a:schemeClr val="phClr">
-                <a:tint val="80000"/>
-                <a:satMod val="300000"/>
+                <a:satMod val="120000"/>
               </a:schemeClr>
-            </a:gs>
-            <a:gs pos="100000">
-              <a:schemeClr val="phClr">
-                <a:shade val="30000"/>
-                <a:satMod val="200000"/>
-              </a:schemeClr>
-            </a:gs>
-          </a:gsLst>
-          <a:path path="circle">
-            <a:fillToRect l="50000" t="50000" r="50000" b="50000"/>
-          </a:path>
-        </a:gradFill>
+            </a:duotone>
+          </a:blip>
+          <a:tile tx="0" ty="0" sx="100000" sy="100000" flip="none" algn="tl"/>
+        </a:blipFill>
       </a:bgFillStyleLst>
     </a:fmtScheme>
   </a:themeElements>

--- a/Project Intro.pptx
+++ b/Project Intro.pptx
@@ -3799,11 +3799,43 @@
           <a:p>
             <a:r>
               <a:rPr lang="en-US" dirty="0" smtClean="0"/>
-              <a:t>Our Team </a:t>
-            </a:r>
-            <a:r>
-              <a:rPr lang="en-US" smtClean="0"/>
-              <a:t>will make use of </a:t>
+              <a:t>Our Team will make use of </a:t>
+            </a:r>
+            <a:r>
+              <a:rPr lang="en-US" dirty="0" err="1" smtClean="0"/>
+              <a:t>Github</a:t>
+            </a:r>
+            <a:r>
+              <a:rPr lang="en-US" dirty="0" smtClean="0"/>
+              <a:t>, which is source control software, to keep track of issues and risks that may </a:t>
+            </a:r>
+            <a:r>
+              <a:rPr lang="en-US" dirty="0" err="1" smtClean="0"/>
+              <a:t>arrise</a:t>
+            </a:r>
+            <a:r>
+              <a:rPr lang="en-US" dirty="0" smtClean="0"/>
+              <a:t>.</a:t>
+            </a:r>
+          </a:p>
+          <a:p>
+            <a:r>
+              <a:rPr lang="en-US" dirty="0" smtClean="0"/>
+              <a:t>If bugs or issues are found, new tickets will be opened in </a:t>
+            </a:r>
+            <a:r>
+              <a:rPr lang="en-US" dirty="0" err="1" smtClean="0"/>
+              <a:t>Github</a:t>
+            </a:r>
+            <a:r>
+              <a:rPr lang="en-US" dirty="0" smtClean="0"/>
+              <a:t> as an organizational tactic.</a:t>
+            </a:r>
+          </a:p>
+          <a:p>
+            <a:r>
+              <a:rPr lang="en-US" dirty="0" smtClean="0"/>
+              <a:t>Communication will be our strongest application for ensuring that our project is developed smoothly.</a:t>
             </a:r>
             <a:endParaRPr lang="en-US" dirty="0"/>
           </a:p>

--- a/Project Intro.pptx
+++ b/Project Intro.pptx
@@ -12,9 +12,10 @@
     <p:sldId id="260" r:id="rId6"/>
     <p:sldId id="261" r:id="rId7"/>
     <p:sldId id="262" r:id="rId8"/>
-    <p:sldId id="263" r:id="rId9"/>
-    <p:sldId id="264" r:id="rId10"/>
-    <p:sldId id="265" r:id="rId11"/>
+    <p:sldId id="266" r:id="rId9"/>
+    <p:sldId id="263" r:id="rId10"/>
+    <p:sldId id="264" r:id="rId11"/>
+    <p:sldId id="265" r:id="rId12"/>
   </p:sldIdLst>
   <p:sldSz cx="9144000" cy="6858000" type="screen4x3"/>
   <p:notesSz cx="6858000" cy="9144000"/>
@@ -407,7 +408,7 @@
           <a:p>
             <a:fld id="{BA035BE2-8B57-421B-A3F0-969438867093}" type="datetimeFigureOut">
               <a:rPr lang="en-US" smtClean="0"/>
-              <a:t>2/12/2017</a:t>
+              <a:t>2/20/2017</a:t>
             </a:fld>
             <a:endParaRPr lang="en-US"/>
           </a:p>
@@ -598,7 +599,7 @@
           <a:p>
             <a:fld id="{BA035BE2-8B57-421B-A3F0-969438867093}" type="datetimeFigureOut">
               <a:rPr lang="en-US" smtClean="0"/>
-              <a:t>2/12/2017</a:t>
+              <a:t>2/20/2017</a:t>
             </a:fld>
             <a:endParaRPr lang="en-US"/>
           </a:p>
@@ -783,7 +784,7 @@
           <a:p>
             <a:fld id="{BA035BE2-8B57-421B-A3F0-969438867093}" type="datetimeFigureOut">
               <a:rPr lang="en-US" smtClean="0"/>
-              <a:t>2/12/2017</a:t>
+              <a:t>2/20/2017</a:t>
             </a:fld>
             <a:endParaRPr lang="en-US"/>
           </a:p>
@@ -1046,7 +1047,7 @@
           <a:p>
             <a:fld id="{BA035BE2-8B57-421B-A3F0-969438867093}" type="datetimeFigureOut">
               <a:rPr lang="en-US" smtClean="0"/>
-              <a:t>2/12/2017</a:t>
+              <a:t>2/20/2017</a:t>
             </a:fld>
             <a:endParaRPr lang="en-US"/>
           </a:p>
@@ -1462,7 +1463,7 @@
           <a:p>
             <a:fld id="{BA035BE2-8B57-421B-A3F0-969438867093}" type="datetimeFigureOut">
               <a:rPr lang="en-US" smtClean="0"/>
-              <a:t>2/12/2017</a:t>
+              <a:t>2/20/2017</a:t>
             </a:fld>
             <a:endParaRPr lang="en-US"/>
           </a:p>
@@ -1704,7 +1705,7 @@
           <a:p>
             <a:fld id="{BA035BE2-8B57-421B-A3F0-969438867093}" type="datetimeFigureOut">
               <a:rPr lang="en-US" smtClean="0"/>
-              <a:t>2/12/2017</a:t>
+              <a:t>2/20/2017</a:t>
             </a:fld>
             <a:endParaRPr lang="en-US"/>
           </a:p>
@@ -1940,7 +1941,7 @@
           <a:p>
             <a:fld id="{BA035BE2-8B57-421B-A3F0-969438867093}" type="datetimeFigureOut">
               <a:rPr lang="en-US" smtClean="0"/>
-              <a:t>2/12/2017</a:t>
+              <a:t>2/20/2017</a:t>
             </a:fld>
             <a:endParaRPr lang="en-US"/>
           </a:p>
@@ -2135,7 +2136,7 @@
           <a:p>
             <a:fld id="{BA035BE2-8B57-421B-A3F0-969438867093}" type="datetimeFigureOut">
               <a:rPr lang="en-US" smtClean="0"/>
-              <a:t>2/12/2017</a:t>
+              <a:t>2/20/2017</a:t>
             </a:fld>
             <a:endParaRPr lang="en-US"/>
           </a:p>
@@ -2233,7 +2234,7 @@
           <a:p>
             <a:fld id="{BA035BE2-8B57-421B-A3F0-969438867093}" type="datetimeFigureOut">
               <a:rPr lang="en-US" smtClean="0"/>
-              <a:t>2/12/2017</a:t>
+              <a:t>2/20/2017</a:t>
             </a:fld>
             <a:endParaRPr lang="en-US"/>
           </a:p>
@@ -2369,7 +2370,7 @@
           <a:p>
             <a:fld id="{BA035BE2-8B57-421B-A3F0-969438867093}" type="datetimeFigureOut">
               <a:rPr lang="en-US" smtClean="0"/>
-              <a:t>2/12/2017</a:t>
+              <a:t>2/20/2017</a:t>
             </a:fld>
             <a:endParaRPr lang="en-US"/>
           </a:p>
@@ -2887,7 +2888,7 @@
           <a:p>
             <a:fld id="{BA035BE2-8B57-421B-A3F0-969438867093}" type="datetimeFigureOut">
               <a:rPr lang="en-US" smtClean="0"/>
-              <a:t>2/12/2017</a:t>
+              <a:t>2/20/2017</a:t>
             </a:fld>
             <a:endParaRPr lang="en-US"/>
           </a:p>
@@ -3148,7 +3149,7 @@
           <a:p>
             <a:fld id="{BA035BE2-8B57-421B-A3F0-969438867093}" type="datetimeFigureOut">
               <a:rPr lang="en-US" smtClean="0"/>
-              <a:t>2/12/2017</a:t>
+              <a:t>2/20/2017</a:t>
             </a:fld>
             <a:endParaRPr lang="en-US"/>
           </a:p>
@@ -3776,7 +3777,138 @@
           <a:p>
             <a:r>
               <a:rPr lang="en-US" dirty="0" smtClean="0"/>
-              <a:t>Risk Assessment</a:t>
+              <a:t>Risks</a:t>
+            </a:r>
+            <a:endParaRPr lang="en-US" dirty="0"/>
+          </a:p>
+        </p:txBody>
+      </p:sp>
+      <p:sp>
+        <p:nvSpPr>
+          <p:cNvPr id="3" name="Content Placeholder 2"/>
+          <p:cNvSpPr>
+            <a:spLocks noGrp="1"/>
+          </p:cNvSpPr>
+          <p:nvPr>
+            <p:ph sz="quarter" idx="1"/>
+          </p:nvPr>
+        </p:nvSpPr>
+        <p:spPr/>
+        <p:txBody>
+          <a:bodyPr>
+            <a:normAutofit fontScale="92500" lnSpcReduction="20000"/>
+          </a:bodyPr>
+          <a:lstStyle/>
+          <a:p>
+            <a:r>
+              <a:rPr lang="en-US" dirty="0" smtClean="0"/>
+              <a:t>Performance</a:t>
+            </a:r>
+          </a:p>
+          <a:p>
+            <a:pPr lvl="1"/>
+            <a:r>
+              <a:rPr lang="en-US" dirty="0" smtClean="0"/>
+              <a:t>Mobile apps require highly optimized algorithms to run smoothly.</a:t>
+            </a:r>
+          </a:p>
+          <a:p>
+            <a:pPr lvl="1"/>
+            <a:r>
+              <a:rPr lang="en-US" dirty="0" smtClean="0"/>
+              <a:t>This issue could be resolved through rigorous testing and careful planning.</a:t>
+            </a:r>
+          </a:p>
+          <a:p>
+            <a:r>
+              <a:rPr lang="en-US" dirty="0" smtClean="0"/>
+              <a:t>Failure to implement all requirements</a:t>
+            </a:r>
+          </a:p>
+          <a:p>
+            <a:pPr lvl="1"/>
+            <a:r>
+              <a:rPr lang="en-US" dirty="0" smtClean="0"/>
+              <a:t>This risk could be resolved through careful planning, research, and organization.</a:t>
+            </a:r>
+          </a:p>
+          <a:p>
+            <a:r>
+              <a:rPr lang="en-US" dirty="0" smtClean="0"/>
+              <a:t>Local Storage of Recipes</a:t>
+            </a:r>
+          </a:p>
+          <a:p>
+            <a:pPr lvl="1"/>
+            <a:r>
+              <a:rPr lang="en-US" dirty="0" smtClean="0"/>
+              <a:t>Migrating to a new phone would cause recipes to be lost.</a:t>
+            </a:r>
+          </a:p>
+          <a:p>
+            <a:pPr lvl="1"/>
+            <a:r>
+              <a:rPr lang="en-US" dirty="0" smtClean="0"/>
+              <a:t>This risk could be resolved by adding a backup feature or cloud save feature, if time provides.</a:t>
+            </a:r>
+          </a:p>
+          <a:p>
+            <a:endParaRPr lang="en-US" dirty="0"/>
+          </a:p>
+        </p:txBody>
+      </p:sp>
+    </p:spTree>
+    <p:extLst>
+      <p:ext uri="{BB962C8B-B14F-4D97-AF65-F5344CB8AC3E}">
+        <p14:creationId xmlns:p14="http://schemas.microsoft.com/office/powerpoint/2010/main" val="434185022"/>
+      </p:ext>
+    </p:extLst>
+  </p:cSld>
+  <p:clrMapOvr>
+    <a:masterClrMapping/>
+  </p:clrMapOvr>
+</p:sld>
+</file>
+
+<file path=ppt/slides/slide11.xml><?xml version="1.0" encoding="utf-8"?>
+<p:sld xmlns:a="http://schemas.openxmlformats.org/drawingml/2006/main" xmlns:r="http://schemas.openxmlformats.org/officeDocument/2006/relationships" xmlns:p="http://schemas.openxmlformats.org/presentationml/2006/main">
+  <p:cSld>
+    <p:spTree>
+      <p:nvGrpSpPr>
+        <p:cNvPr id="1" name=""/>
+        <p:cNvGrpSpPr/>
+        <p:nvPr/>
+      </p:nvGrpSpPr>
+      <p:grpSpPr>
+        <a:xfrm>
+          <a:off x="0" y="0"/>
+          <a:ext cx="0" cy="0"/>
+          <a:chOff x="0" y="0"/>
+          <a:chExt cx="0" cy="0"/>
+        </a:xfrm>
+      </p:grpSpPr>
+      <p:sp>
+        <p:nvSpPr>
+          <p:cNvPr id="2" name="Title 1"/>
+          <p:cNvSpPr>
+            <a:spLocks noGrp="1"/>
+          </p:cNvSpPr>
+          <p:nvPr>
+            <p:ph type="title"/>
+          </p:nvPr>
+        </p:nvSpPr>
+        <p:spPr/>
+        <p:txBody>
+          <a:bodyPr/>
+          <a:lstStyle/>
+          <a:p>
+            <a:r>
+              <a:rPr lang="en-US" dirty="0" smtClean="0"/>
+              <a:t>Risk </a:t>
+            </a:r>
+            <a:r>
+              <a:rPr lang="en-US" dirty="0" smtClean="0"/>
+              <a:t>Assessment/Mitigation</a:t>
             </a:r>
             <a:endParaRPr lang="en-US" dirty="0"/>
           </a:p>
@@ -4658,14 +4790,112 @@
           <a:p>
             <a:r>
               <a:rPr lang="en-US" dirty="0" smtClean="0"/>
+              <a:t>Planned Development Structure</a:t>
+            </a:r>
+            <a:endParaRPr lang="en-US" dirty="0"/>
+          </a:p>
+        </p:txBody>
+      </p:sp>
+      <p:sp>
+        <p:nvSpPr>
+          <p:cNvPr id="3" name="Content Placeholder 2"/>
+          <p:cNvSpPr>
+            <a:spLocks noGrp="1"/>
+          </p:cNvSpPr>
+          <p:nvPr>
+            <p:ph sz="quarter" idx="1"/>
+          </p:nvPr>
+        </p:nvSpPr>
+        <p:spPr/>
+        <p:txBody>
+          <a:bodyPr>
+            <a:normAutofit lnSpcReduction="10000"/>
+          </a:bodyPr>
+          <a:lstStyle/>
+          <a:p>
+            <a:r>
+              <a:rPr lang="en-US" dirty="0" smtClean="0"/>
+              <a:t>We plan to use an incremental development model, as we believe that it will flow more efficiently for a small team.</a:t>
+            </a:r>
+          </a:p>
+          <a:p>
+            <a:r>
+              <a:rPr lang="en-US" dirty="0" smtClean="0"/>
+              <a:t>Our first steps has been to step up all team members’ development environment, which consists </a:t>
+            </a:r>
+            <a:r>
+              <a:rPr lang="en-US" smtClean="0"/>
+              <a:t>of GitHub </a:t>
+            </a:r>
+            <a:r>
+              <a:rPr lang="en-US" dirty="0" smtClean="0"/>
+              <a:t>for Windows and Android Studio.</a:t>
+            </a:r>
+          </a:p>
+          <a:p>
+            <a:r>
+              <a:rPr lang="en-US" dirty="0" smtClean="0"/>
+              <a:t>We will develop our specification more as we fulfill the criteria of our current basic specification. As a result, we plan to incorporate all our features and requirements prior to the project deadline.</a:t>
+            </a:r>
+            <a:endParaRPr lang="en-US" dirty="0"/>
+          </a:p>
+        </p:txBody>
+      </p:sp>
+    </p:spTree>
+    <p:extLst>
+      <p:ext uri="{BB962C8B-B14F-4D97-AF65-F5344CB8AC3E}">
+        <p14:creationId xmlns:p14="http://schemas.microsoft.com/office/powerpoint/2010/main" val="1667511936"/>
+      </p:ext>
+    </p:extLst>
+  </p:cSld>
+  <p:clrMapOvr>
+    <a:masterClrMapping/>
+  </p:clrMapOvr>
+</p:sld>
+</file>
+
+<file path=ppt/slides/slide9.xml><?xml version="1.0" encoding="utf-8"?>
+<p:sld xmlns:a="http://schemas.openxmlformats.org/drawingml/2006/main" xmlns:r="http://schemas.openxmlformats.org/officeDocument/2006/relationships" xmlns:p="http://schemas.openxmlformats.org/presentationml/2006/main">
+  <p:cSld>
+    <p:spTree>
+      <p:nvGrpSpPr>
+        <p:cNvPr id="1" name=""/>
+        <p:cNvGrpSpPr/>
+        <p:nvPr/>
+      </p:nvGrpSpPr>
+      <p:grpSpPr>
+        <a:xfrm>
+          <a:off x="0" y="0"/>
+          <a:ext cx="0" cy="0"/>
+          <a:chOff x="0" y="0"/>
+          <a:chExt cx="0" cy="0"/>
+        </a:xfrm>
+      </p:grpSpPr>
+      <p:sp>
+        <p:nvSpPr>
+          <p:cNvPr id="2" name="Title 1"/>
+          <p:cNvSpPr>
+            <a:spLocks noGrp="1"/>
+          </p:cNvSpPr>
+          <p:nvPr>
+            <p:ph type="title"/>
+          </p:nvPr>
+        </p:nvSpPr>
+        <p:spPr/>
+        <p:txBody>
+          <a:bodyPr/>
+          <a:lstStyle/>
+          <a:p>
+            <a:r>
+              <a:rPr lang="en-US" dirty="0" smtClean="0"/>
               <a:t>Costs/Revenue</a:t>
             </a:r>
             <a:endParaRPr lang="en-US" dirty="0"/>
           </a:p>
         </p:txBody>
       </p:sp>
-      <mc:AlternateContent xmlns:mc="http://schemas.openxmlformats.org/markup-compatibility/2006">
-        <mc:Choice xmlns:a14="http://schemas.microsoft.com/office/drawing/2010/main" Requires="a14">
+      <mc:AlternateContent xmlns:mc="http://schemas.openxmlformats.org/markup-compatibility/2006" xmlns:a14="http://schemas.microsoft.com/office/drawing/2010/main">
+        <mc:Choice Requires="a14">
           <p:sp>
             <p:nvSpPr>
               <p:cNvPr id="3" name="Content Placeholder 2"/>
@@ -4797,7 +5027,7 @@
             </p:txBody>
           </p:sp>
         </mc:Choice>
-        <mc:Fallback>
+        <mc:Fallback xmlns="">
           <p:sp>
             <p:nvSpPr>
               <p:cNvPr id="3" name="Content Placeholder 2"/>
@@ -4835,133 +5065,6 @@
     <p:extLst>
       <p:ext uri="{BB962C8B-B14F-4D97-AF65-F5344CB8AC3E}">
         <p14:creationId xmlns:p14="http://schemas.microsoft.com/office/powerpoint/2010/main" val="813831097"/>
-      </p:ext>
-    </p:extLst>
-  </p:cSld>
-  <p:clrMapOvr>
-    <a:masterClrMapping/>
-  </p:clrMapOvr>
-</p:sld>
-</file>
-
-<file path=ppt/slides/slide9.xml><?xml version="1.0" encoding="utf-8"?>
-<p:sld xmlns:a="http://schemas.openxmlformats.org/drawingml/2006/main" xmlns:r="http://schemas.openxmlformats.org/officeDocument/2006/relationships" xmlns:p="http://schemas.openxmlformats.org/presentationml/2006/main">
-  <p:cSld>
-    <p:spTree>
-      <p:nvGrpSpPr>
-        <p:cNvPr id="1" name=""/>
-        <p:cNvGrpSpPr/>
-        <p:nvPr/>
-      </p:nvGrpSpPr>
-      <p:grpSpPr>
-        <a:xfrm>
-          <a:off x="0" y="0"/>
-          <a:ext cx="0" cy="0"/>
-          <a:chOff x="0" y="0"/>
-          <a:chExt cx="0" cy="0"/>
-        </a:xfrm>
-      </p:grpSpPr>
-      <p:sp>
-        <p:nvSpPr>
-          <p:cNvPr id="2" name="Title 1"/>
-          <p:cNvSpPr>
-            <a:spLocks noGrp="1"/>
-          </p:cNvSpPr>
-          <p:nvPr>
-            <p:ph type="title"/>
-          </p:nvPr>
-        </p:nvSpPr>
-        <p:spPr/>
-        <p:txBody>
-          <a:bodyPr/>
-          <a:lstStyle/>
-          <a:p>
-            <a:r>
-              <a:rPr lang="en-US" dirty="0" smtClean="0"/>
-              <a:t>Risks</a:t>
-            </a:r>
-            <a:endParaRPr lang="en-US" dirty="0"/>
-          </a:p>
-        </p:txBody>
-      </p:sp>
-      <p:sp>
-        <p:nvSpPr>
-          <p:cNvPr id="3" name="Content Placeholder 2"/>
-          <p:cNvSpPr>
-            <a:spLocks noGrp="1"/>
-          </p:cNvSpPr>
-          <p:nvPr>
-            <p:ph sz="quarter" idx="1"/>
-          </p:nvPr>
-        </p:nvSpPr>
-        <p:spPr/>
-        <p:txBody>
-          <a:bodyPr>
-            <a:normAutofit fontScale="92500" lnSpcReduction="20000"/>
-          </a:bodyPr>
-          <a:lstStyle/>
-          <a:p>
-            <a:r>
-              <a:rPr lang="en-US" dirty="0" smtClean="0"/>
-              <a:t>Performance</a:t>
-            </a:r>
-          </a:p>
-          <a:p>
-            <a:pPr lvl="1"/>
-            <a:r>
-              <a:rPr lang="en-US" dirty="0" smtClean="0"/>
-              <a:t>Mobile apps require highly optimized algorithms to run smoothly.</a:t>
-            </a:r>
-          </a:p>
-          <a:p>
-            <a:pPr lvl="1"/>
-            <a:r>
-              <a:rPr lang="en-US" dirty="0" smtClean="0"/>
-              <a:t>This issue could be resolved through rigorous testing and careful planning.</a:t>
-            </a:r>
-          </a:p>
-          <a:p>
-            <a:r>
-              <a:rPr lang="en-US" dirty="0" smtClean="0"/>
-              <a:t>Failure to implement all requirements</a:t>
-            </a:r>
-          </a:p>
-          <a:p>
-            <a:pPr lvl="1"/>
-            <a:r>
-              <a:rPr lang="en-US" dirty="0" smtClean="0"/>
-              <a:t>This risk could be resolved through careful planning, research, and organization.</a:t>
-            </a:r>
-          </a:p>
-          <a:p>
-            <a:r>
-              <a:rPr lang="en-US" dirty="0" smtClean="0"/>
-              <a:t>Local Storage of Recipes</a:t>
-            </a:r>
-          </a:p>
-          <a:p>
-            <a:pPr lvl="1"/>
-            <a:r>
-              <a:rPr lang="en-US" dirty="0" smtClean="0"/>
-              <a:t>Migrating to a new phone would cause recipes to be lost.</a:t>
-            </a:r>
-          </a:p>
-          <a:p>
-            <a:pPr lvl="1"/>
-            <a:r>
-              <a:rPr lang="en-US" dirty="0" smtClean="0"/>
-              <a:t>This risk could be resolved by adding a backup feature or cloud save feature, if time provides.</a:t>
-            </a:r>
-          </a:p>
-          <a:p>
-            <a:endParaRPr lang="en-US" dirty="0"/>
-          </a:p>
-        </p:txBody>
-      </p:sp>
-    </p:spTree>
-    <p:extLst>
-      <p:ext uri="{BB962C8B-B14F-4D97-AF65-F5344CB8AC3E}">
-        <p14:creationId xmlns:p14="http://schemas.microsoft.com/office/powerpoint/2010/main" val="434185022"/>
       </p:ext>
     </p:extLst>
   </p:cSld>
